--- a/Projet_enrichissement_shiny.pptx
+++ b/Projet_enrichissement_shiny.pptx
@@ -5,7 +5,7 @@
     <p:sldMasterId id="2147483648" r:id="rId1"/>
   </p:sldMasterIdLst>
   <p:notesMasterIdLst>
-    <p:notesMasterId r:id="rId15"/>
+    <p:notesMasterId r:id="rId16"/>
   </p:notesMasterIdLst>
   <p:sldIdLst>
     <p:sldId id="257" r:id="rId2"/>
@@ -18,9 +18,10 @@
     <p:sldId id="270" r:id="rId9"/>
     <p:sldId id="271" r:id="rId10"/>
     <p:sldId id="272" r:id="rId11"/>
-    <p:sldId id="274" r:id="rId12"/>
-    <p:sldId id="275" r:id="rId13"/>
-    <p:sldId id="278" r:id="rId14"/>
+    <p:sldId id="279" r:id="rId12"/>
+    <p:sldId id="274" r:id="rId13"/>
+    <p:sldId id="275" r:id="rId14"/>
+    <p:sldId id="278" r:id="rId15"/>
   </p:sldIdLst>
   <p:sldSz cx="12192000" cy="6858000"/>
   <p:notesSz cx="6858000" cy="9144000"/>
@@ -606,7 +607,7 @@
           <a:p>
             <a:r>
               <a:rPr lang="fr-FR" dirty="0"/>
-              <a:t>un exemple pour chaque type de solution de script (API, e-utilities construction d’URL, JSON/XML etc.) avec arguments et paramètres ; structure de données collectées et création du tableau de sortie</a:t>
+              <a:t>difficultés et contournements, points positifs/négatifs (complet ou pas, temps d’exécution…)</a:t>
             </a:r>
           </a:p>
         </p:txBody>
@@ -629,6 +630,93 @@
             <a:fld id="{44B9F8EC-7890-4FAA-AA58-5966D9CF0999}" type="slidenum">
               <a:rPr lang="fr-FR" smtClean="0"/>
               <a:t>13</a:t>
+            </a:fld>
+            <a:endParaRPr lang="fr-FR"/>
+          </a:p>
+        </p:txBody>
+      </p:sp>
+    </p:spTree>
+    <p:extLst>
+      <p:ext uri="{BB962C8B-B14F-4D97-AF65-F5344CB8AC3E}">
+        <p14:creationId xmlns:p14="http://schemas.microsoft.com/office/powerpoint/2010/main" val="3995672573"/>
+      </p:ext>
+    </p:extLst>
+  </p:cSld>
+  <p:clrMapOvr>
+    <a:masterClrMapping/>
+  </p:clrMapOvr>
+</p:notes>
+</file>
+
+<file path=ppt/notesSlides/notesSlide11.xml><?xml version="1.0" encoding="utf-8"?>
+<p:notes xmlns:a="http://schemas.openxmlformats.org/drawingml/2006/main" xmlns:r="http://schemas.openxmlformats.org/officeDocument/2006/relationships" xmlns:p="http://schemas.openxmlformats.org/presentationml/2006/main">
+  <p:cSld>
+    <p:spTree>
+      <p:nvGrpSpPr>
+        <p:cNvPr id="1" name=""/>
+        <p:cNvGrpSpPr/>
+        <p:nvPr/>
+      </p:nvGrpSpPr>
+      <p:grpSpPr>
+        <a:xfrm>
+          <a:off x="0" y="0"/>
+          <a:ext cx="0" cy="0"/>
+          <a:chOff x="0" y="0"/>
+          <a:chExt cx="0" cy="0"/>
+        </a:xfrm>
+      </p:grpSpPr>
+      <p:sp>
+        <p:nvSpPr>
+          <p:cNvPr id="2" name="Espace réservé de l'image des diapositives 1"/>
+          <p:cNvSpPr>
+            <a:spLocks noGrp="1" noRot="1" noChangeAspect="1"/>
+          </p:cNvSpPr>
+          <p:nvPr>
+            <p:ph type="sldImg"/>
+          </p:nvPr>
+        </p:nvSpPr>
+        <p:spPr/>
+      </p:sp>
+      <p:sp>
+        <p:nvSpPr>
+          <p:cNvPr id="3" name="Espace réservé des notes 2"/>
+          <p:cNvSpPr>
+            <a:spLocks noGrp="1"/>
+          </p:cNvSpPr>
+          <p:nvPr>
+            <p:ph type="body" idx="1"/>
+          </p:nvPr>
+        </p:nvSpPr>
+        <p:spPr/>
+        <p:txBody>
+          <a:bodyPr/>
+          <a:lstStyle/>
+          <a:p>
+            <a:r>
+              <a:rPr lang="fr-FR" dirty="0"/>
+              <a:t>un exemple pour chaque type de solution de script (API, e-utilities construction d’URL, JSON/XML etc.) avec arguments et paramètres ; structure de données collectées et création du tableau de sortie</a:t>
+            </a:r>
+          </a:p>
+        </p:txBody>
+      </p:sp>
+      <p:sp>
+        <p:nvSpPr>
+          <p:cNvPr id="4" name="Espace réservé du numéro de diapositive 3"/>
+          <p:cNvSpPr>
+            <a:spLocks noGrp="1"/>
+          </p:cNvSpPr>
+          <p:nvPr>
+            <p:ph type="sldNum" sz="quarter" idx="5"/>
+          </p:nvPr>
+        </p:nvSpPr>
+        <p:spPr/>
+        <p:txBody>
+          <a:bodyPr/>
+          <a:lstStyle/>
+          <a:p>
+            <a:fld id="{44B9F8EC-7890-4FAA-AA58-5966D9CF0999}" type="slidenum">
+              <a:rPr lang="fr-FR" smtClean="0"/>
+              <a:t>14</a:t>
             </a:fld>
             <a:endParaRPr lang="fr-FR"/>
           </a:p>
@@ -1207,7 +1295,10 @@
           <a:bodyPr/>
           <a:lstStyle/>
           <a:p>
-            <a:endParaRPr lang="fr-FR" dirty="0"/>
+            <a:r>
+              <a:rPr lang="fr-FR" dirty="0"/>
+              <a:t>un exemple pour chaque type de solution de script (API, e-utilities construction d’URL, JSON/XML etc.) avec arguments et paramètres ; structure de données collectées et création du tableau de sortie</a:t>
+            </a:r>
           </a:p>
         </p:txBody>
       </p:sp>
@@ -1237,7 +1328,7 @@
     </p:spTree>
     <p:extLst>
       <p:ext uri="{BB962C8B-B14F-4D97-AF65-F5344CB8AC3E}">
-        <p14:creationId xmlns:p14="http://schemas.microsoft.com/office/powerpoint/2010/main" val="3181673262"/>
+        <p14:creationId xmlns:p14="http://schemas.microsoft.com/office/powerpoint/2010/main" val="1282621807"/>
       </p:ext>
     </p:extLst>
   </p:cSld>
@@ -1291,10 +1382,7 @@
           <a:bodyPr/>
           <a:lstStyle/>
           <a:p>
-            <a:r>
-              <a:rPr lang="fr-FR" dirty="0"/>
-              <a:t>difficultés et contournements, points positifs/négatifs (complet ou pas, temps d’exécution…)</a:t>
-            </a:r>
+            <a:endParaRPr lang="fr-FR" dirty="0"/>
           </a:p>
         </p:txBody>
       </p:sp>
@@ -1324,7 +1412,7 @@
     </p:spTree>
     <p:extLst>
       <p:ext uri="{BB962C8B-B14F-4D97-AF65-F5344CB8AC3E}">
-        <p14:creationId xmlns:p14="http://schemas.microsoft.com/office/powerpoint/2010/main" val="3995672573"/>
+        <p14:creationId xmlns:p14="http://schemas.microsoft.com/office/powerpoint/2010/main" val="3181673262"/>
       </p:ext>
     </p:extLst>
   </p:cSld>
@@ -5666,6 +5754,365 @@
         </p:nvSpPr>
         <p:spPr>
           <a:xfrm>
+            <a:off x="0" y="-6292"/>
+            <a:ext cx="12192000" cy="6864292"/>
+          </a:xfrm>
+          <a:prstGeom prst="rect">
+            <a:avLst/>
+          </a:prstGeom>
+          <a:solidFill>
+            <a:srgbClr val="F1EEE7"/>
+          </a:solidFill>
+          <a:ln>
+            <a:solidFill>
+              <a:srgbClr val="F1EEE7"/>
+            </a:solidFill>
+          </a:ln>
+        </p:spPr>
+        <p:style>
+          <a:lnRef idx="2">
+            <a:schemeClr val="accent1">
+              <a:shade val="50000"/>
+            </a:schemeClr>
+          </a:lnRef>
+          <a:fillRef idx="1">
+            <a:schemeClr val="accent1"/>
+          </a:fillRef>
+          <a:effectRef idx="0">
+            <a:schemeClr val="accent1"/>
+          </a:effectRef>
+          <a:fontRef idx="minor">
+            <a:schemeClr val="lt1"/>
+          </a:fontRef>
+        </p:style>
+        <p:txBody>
+          <a:bodyPr rtlCol="0" anchor="ctr"/>
+          <a:lstStyle/>
+          <a:p>
+            <a:pPr algn="ctr"/>
+            <a:r>
+              <a:rPr lang="fr-FR" dirty="0">
+                <a:solidFill>
+                  <a:srgbClr val="FF0000"/>
+                </a:solidFill>
+                <a:highlight>
+                  <a:srgbClr val="FFFF00"/>
+                </a:highlight>
+              </a:rPr>
+              <a:t>Ce qui a été recodé à la main ? </a:t>
+            </a:r>
+          </a:p>
+        </p:txBody>
+      </p:sp>
+      <p:grpSp>
+        <p:nvGrpSpPr>
+          <p:cNvPr id="3" name="Groupe 2">
+            <a:extLst>
+              <a:ext uri="{FF2B5EF4-FFF2-40B4-BE49-F238E27FC236}">
+                <a16:creationId xmlns:a16="http://schemas.microsoft.com/office/drawing/2014/main" id="{7CF1AD36-E88E-4250-A2B1-39CD97719446}"/>
+              </a:ext>
+            </a:extLst>
+          </p:cNvPr>
+          <p:cNvGrpSpPr/>
+          <p:nvPr/>
+        </p:nvGrpSpPr>
+        <p:grpSpPr>
+          <a:xfrm>
+            <a:off x="-3627" y="117447"/>
+            <a:ext cx="12214677" cy="436226"/>
+            <a:chOff x="4730" y="117447"/>
+            <a:chExt cx="12192000" cy="436226"/>
+          </a:xfrm>
+        </p:grpSpPr>
+        <p:sp>
+          <p:nvSpPr>
+            <p:cNvPr id="4" name="Rectangle 3">
+              <a:extLst>
+                <a:ext uri="{FF2B5EF4-FFF2-40B4-BE49-F238E27FC236}">
+                  <a16:creationId xmlns:a16="http://schemas.microsoft.com/office/drawing/2014/main" id="{ADE2DA9E-6B7B-42D2-A8E0-7EA881513167}"/>
+                </a:ext>
+              </a:extLst>
+            </p:cNvPr>
+            <p:cNvSpPr/>
+            <p:nvPr/>
+          </p:nvSpPr>
+          <p:spPr>
+            <a:xfrm>
+              <a:off x="4730" y="117447"/>
+              <a:ext cx="12192000" cy="436226"/>
+            </a:xfrm>
+            <a:prstGeom prst="rect">
+              <a:avLst/>
+            </a:prstGeom>
+            <a:solidFill>
+              <a:srgbClr val="E2E2DA"/>
+            </a:solidFill>
+            <a:ln>
+              <a:noFill/>
+            </a:ln>
+          </p:spPr>
+          <p:style>
+            <a:lnRef idx="2">
+              <a:schemeClr val="accent1">
+                <a:shade val="50000"/>
+              </a:schemeClr>
+            </a:lnRef>
+            <a:fillRef idx="1">
+              <a:schemeClr val="accent1"/>
+            </a:fillRef>
+            <a:effectRef idx="0">
+              <a:schemeClr val="accent1"/>
+            </a:effectRef>
+            <a:fontRef idx="minor">
+              <a:schemeClr val="lt1"/>
+            </a:fontRef>
+          </p:style>
+          <p:txBody>
+            <a:bodyPr rtlCol="0" anchor="ctr"/>
+            <a:lstStyle/>
+            <a:p>
+              <a:pPr algn="ctr"/>
+              <a:endParaRPr lang="fr-FR" dirty="0"/>
+            </a:p>
+          </p:txBody>
+        </p:sp>
+        <p:cxnSp>
+          <p:nvCxnSpPr>
+            <p:cNvPr id="6" name="Connecteur droit 5">
+              <a:extLst>
+                <a:ext uri="{FF2B5EF4-FFF2-40B4-BE49-F238E27FC236}">
+                  <a16:creationId xmlns:a16="http://schemas.microsoft.com/office/drawing/2014/main" id="{FE1274EA-B9FB-4CFD-803D-FC5BE333E6BB}"/>
+                </a:ext>
+              </a:extLst>
+            </p:cNvPr>
+            <p:cNvCxnSpPr/>
+            <p:nvPr/>
+          </p:nvCxnSpPr>
+          <p:spPr>
+            <a:xfrm>
+              <a:off x="11224470" y="159282"/>
+              <a:ext cx="0" cy="341563"/>
+            </a:xfrm>
+            <a:prstGeom prst="line">
+              <a:avLst/>
+            </a:prstGeom>
+          </p:spPr>
+          <p:style>
+            <a:lnRef idx="3">
+              <a:schemeClr val="dk1"/>
+            </a:lnRef>
+            <a:fillRef idx="0">
+              <a:schemeClr val="dk1"/>
+            </a:fillRef>
+            <a:effectRef idx="2">
+              <a:schemeClr val="dk1"/>
+            </a:effectRef>
+            <a:fontRef idx="minor">
+              <a:schemeClr val="tx1"/>
+            </a:fontRef>
+          </p:style>
+        </p:cxnSp>
+        <p:sp>
+          <p:nvSpPr>
+            <p:cNvPr id="7" name="ZoneTexte 6">
+              <a:extLst>
+                <a:ext uri="{FF2B5EF4-FFF2-40B4-BE49-F238E27FC236}">
+                  <a16:creationId xmlns:a16="http://schemas.microsoft.com/office/drawing/2014/main" id="{4A9095CA-6CD5-4029-A5E2-C5B9E295799B}"/>
+                </a:ext>
+              </a:extLst>
+            </p:cNvPr>
+            <p:cNvSpPr txBox="1"/>
+            <p:nvPr/>
+          </p:nvSpPr>
+          <p:spPr>
+            <a:xfrm>
+              <a:off x="4870480" y="139216"/>
+              <a:ext cx="814734" cy="369332"/>
+            </a:xfrm>
+            <a:prstGeom prst="rect">
+              <a:avLst/>
+            </a:prstGeom>
+            <a:noFill/>
+          </p:spPr>
+          <p:txBody>
+            <a:bodyPr wrap="none" rtlCol="0">
+              <a:spAutoFit/>
+            </a:bodyPr>
+            <a:lstStyle/>
+            <a:p>
+              <a:r>
+                <a:rPr lang="fr-FR" dirty="0">
+                  <a:solidFill>
+                    <a:srgbClr val="D23328"/>
+                  </a:solidFill>
+                  <a:latin typeface="Bahnschrift SemiBold" panose="020B0502040204020203" pitchFamily="34" charset="0"/>
+                </a:rPr>
+                <a:t>Code :</a:t>
+              </a:r>
+            </a:p>
+          </p:txBody>
+        </p:sp>
+        <p:sp>
+          <p:nvSpPr>
+            <p:cNvPr id="8" name="ZoneTexte 7">
+              <a:extLst>
+                <a:ext uri="{FF2B5EF4-FFF2-40B4-BE49-F238E27FC236}">
+                  <a16:creationId xmlns:a16="http://schemas.microsoft.com/office/drawing/2014/main" id="{171377C6-D786-4D9E-A23D-4635925A112D}"/>
+                </a:ext>
+              </a:extLst>
+            </p:cNvPr>
+            <p:cNvSpPr txBox="1"/>
+            <p:nvPr/>
+          </p:nvSpPr>
+          <p:spPr>
+            <a:xfrm>
+              <a:off x="11384268" y="134226"/>
+              <a:ext cx="685132" cy="369332"/>
+            </a:xfrm>
+            <a:prstGeom prst="rect">
+              <a:avLst/>
+            </a:prstGeom>
+            <a:noFill/>
+          </p:spPr>
+          <p:txBody>
+            <a:bodyPr wrap="none" rtlCol="0">
+              <a:spAutoFit/>
+            </a:bodyPr>
+            <a:lstStyle/>
+            <a:p>
+              <a:r>
+                <a:rPr lang="fr-FR" dirty="0">
+                  <a:solidFill>
+                    <a:srgbClr val="D23328"/>
+                  </a:solidFill>
+                  <a:latin typeface="Bahnschrift SemiBold" panose="020B0502040204020203" pitchFamily="34" charset="0"/>
+                </a:rPr>
+                <a:t>7/xx </a:t>
+              </a:r>
+            </a:p>
+          </p:txBody>
+        </p:sp>
+        <p:cxnSp>
+          <p:nvCxnSpPr>
+            <p:cNvPr id="9" name="Connecteur droit 8">
+              <a:extLst>
+                <a:ext uri="{FF2B5EF4-FFF2-40B4-BE49-F238E27FC236}">
+                  <a16:creationId xmlns:a16="http://schemas.microsoft.com/office/drawing/2014/main" id="{1397F953-2F02-4C72-9188-790D6B16EA4F}"/>
+                </a:ext>
+              </a:extLst>
+            </p:cNvPr>
+            <p:cNvCxnSpPr/>
+            <p:nvPr/>
+          </p:nvCxnSpPr>
+          <p:spPr>
+            <a:xfrm>
+              <a:off x="2550253" y="173166"/>
+              <a:ext cx="0" cy="341563"/>
+            </a:xfrm>
+            <a:prstGeom prst="line">
+              <a:avLst/>
+            </a:prstGeom>
+          </p:spPr>
+          <p:style>
+            <a:lnRef idx="3">
+              <a:schemeClr val="dk1"/>
+            </a:lnRef>
+            <a:fillRef idx="0">
+              <a:schemeClr val="dk1"/>
+            </a:fillRef>
+            <a:effectRef idx="2">
+              <a:schemeClr val="dk1"/>
+            </a:effectRef>
+            <a:fontRef idx="minor">
+              <a:schemeClr val="tx1"/>
+            </a:fontRef>
+          </p:style>
+        </p:cxnSp>
+      </p:grpSp>
+      <p:sp>
+        <p:nvSpPr>
+          <p:cNvPr id="10" name="ZoneTexte 9">
+            <a:extLst>
+              <a:ext uri="{FF2B5EF4-FFF2-40B4-BE49-F238E27FC236}">
+                <a16:creationId xmlns:a16="http://schemas.microsoft.com/office/drawing/2014/main" id="{60A69FB0-BCBD-4558-9898-9BF40D0FC055}"/>
+              </a:ext>
+            </a:extLst>
+          </p:cNvPr>
+          <p:cNvSpPr txBox="1"/>
+          <p:nvPr/>
+        </p:nvSpPr>
+        <p:spPr>
+          <a:xfrm>
+            <a:off x="347421" y="145397"/>
+            <a:ext cx="1851789" cy="369332"/>
+          </a:xfrm>
+          <a:prstGeom prst="rect">
+            <a:avLst/>
+          </a:prstGeom>
+          <a:noFill/>
+        </p:spPr>
+        <p:txBody>
+          <a:bodyPr wrap="none" rtlCol="0">
+            <a:spAutoFit/>
+          </a:bodyPr>
+          <a:lstStyle/>
+          <a:p>
+            <a:r>
+              <a:rPr lang="fr-FR" dirty="0">
+                <a:solidFill>
+                  <a:srgbClr val="D23328"/>
+                </a:solidFill>
+                <a:latin typeface="Bahnschrift SemiBold" panose="020B0502040204020203" pitchFamily="34" charset="0"/>
+              </a:rPr>
+              <a:t>Développement </a:t>
+            </a:r>
+          </a:p>
+        </p:txBody>
+      </p:sp>
+    </p:spTree>
+    <p:extLst>
+      <p:ext uri="{BB962C8B-B14F-4D97-AF65-F5344CB8AC3E}">
+        <p14:creationId xmlns:p14="http://schemas.microsoft.com/office/powerpoint/2010/main" val="2583932928"/>
+      </p:ext>
+    </p:extLst>
+  </p:cSld>
+  <p:clrMapOvr>
+    <a:masterClrMapping/>
+  </p:clrMapOvr>
+</p:sld>
+</file>
+
+<file path=ppt/slides/slide12.xml><?xml version="1.0" encoding="utf-8"?>
+<p:sld xmlns:a="http://schemas.openxmlformats.org/drawingml/2006/main" xmlns:r="http://schemas.openxmlformats.org/officeDocument/2006/relationships" xmlns:p="http://schemas.openxmlformats.org/presentationml/2006/main">
+  <p:cSld>
+    <p:spTree>
+      <p:nvGrpSpPr>
+        <p:cNvPr id="1" name=""/>
+        <p:cNvGrpSpPr/>
+        <p:nvPr/>
+      </p:nvGrpSpPr>
+      <p:grpSpPr>
+        <a:xfrm>
+          <a:off x="0" y="0"/>
+          <a:ext cx="0" cy="0"/>
+          <a:chOff x="0" y="0"/>
+          <a:chExt cx="0" cy="0"/>
+        </a:xfrm>
+      </p:grpSpPr>
+      <p:sp>
+        <p:nvSpPr>
+          <p:cNvPr id="2" name="Rectangle 1">
+            <a:extLst>
+              <a:ext uri="{FF2B5EF4-FFF2-40B4-BE49-F238E27FC236}">
+                <a16:creationId xmlns:a16="http://schemas.microsoft.com/office/drawing/2014/main" id="{E6D1ECCB-DA13-4361-A0FF-37DFFF1A2BE8}"/>
+              </a:ext>
+            </a:extLst>
+          </p:cNvPr>
+          <p:cNvSpPr/>
+          <p:nvPr/>
+        </p:nvSpPr>
+        <p:spPr>
+          <a:xfrm>
             <a:off x="-22678" y="-6292"/>
             <a:ext cx="12214678" cy="6864292"/>
           </a:xfrm>
@@ -6129,7 +6576,7 @@
 </p:sld>
 </file>
 
-<file path=ppt/slides/slide12.xml><?xml version="1.0" encoding="utf-8"?>
+<file path=ppt/slides/slide13.xml><?xml version="1.0" encoding="utf-8"?>
 <p:sld xmlns:a="http://schemas.openxmlformats.org/drawingml/2006/main" xmlns:r="http://schemas.openxmlformats.org/officeDocument/2006/relationships" xmlns:p="http://schemas.openxmlformats.org/presentationml/2006/main">
   <p:cSld>
     <p:spTree>
@@ -7891,7 +8338,7 @@
 </p:sld>
 </file>
 
-<file path=ppt/slides/slide13.xml><?xml version="1.0" encoding="utf-8"?>
+<file path=ppt/slides/slide14.xml><?xml version="1.0" encoding="utf-8"?>
 <p:sld xmlns:a="http://schemas.openxmlformats.org/drawingml/2006/main" xmlns:r="http://schemas.openxmlformats.org/officeDocument/2006/relationships" xmlns:p="http://schemas.openxmlformats.org/presentationml/2006/main">
   <p:cSld>
     <p:spTree>
@@ -8091,7 +8538,7 @@
         <p:spPr>
           <a:xfrm>
             <a:off x="2828152" y="1224138"/>
-            <a:ext cx="4262321" cy="1754326"/>
+            <a:ext cx="6527043" cy="2585323"/>
           </a:xfrm>
           <a:prstGeom prst="rect">
             <a:avLst/>
@@ -8160,7 +8607,110 @@
                   <a:srgbClr val="FFFF00"/>
                 </a:highlight>
               </a:rPr>
-              <a:t>Revoir n° des diapos à la fin </a:t>
+              <a:t>Revoir n° des diapos à la fin</a:t>
+            </a:r>
+          </a:p>
+          <a:p>
+            <a:pPr marL="285750" indent="-285750">
+              <a:buFont typeface="Wingdings" panose="05000000000000000000" pitchFamily="2" charset="2"/>
+              <a:buChar char="à"/>
+            </a:pPr>
+            <a:endParaRPr lang="fr-FR" dirty="0">
+              <a:highlight>
+                <a:srgbClr val="FFFF00"/>
+              </a:highlight>
+            </a:endParaRPr>
+          </a:p>
+          <a:p>
+            <a:pPr marL="285750" indent="-285750">
+              <a:buFont typeface="Wingdings" panose="05000000000000000000" pitchFamily="2" charset="2"/>
+              <a:buChar char="à"/>
+            </a:pPr>
+            <a:r>
+              <a:rPr lang="fr-FR" dirty="0">
+                <a:highlight>
+                  <a:srgbClr val="FFFF00"/>
+                </a:highlight>
+              </a:rPr>
+              <a:t>Diapo perspectives ? : </a:t>
+            </a:r>
+            <a:r>
+              <a:rPr lang="fr-FR" dirty="0" err="1">
+                <a:highlight>
+                  <a:srgbClr val="FFFF00"/>
+                </a:highlight>
+              </a:rPr>
+              <a:t>deployer</a:t>
+            </a:r>
+            <a:r>
+              <a:rPr lang="fr-FR" dirty="0">
+                <a:highlight>
+                  <a:srgbClr val="FFFF00"/>
+                </a:highlight>
+              </a:rPr>
+              <a:t> sur site </a:t>
+            </a:r>
+            <a:r>
+              <a:rPr lang="fr-FR" dirty="0" err="1">
+                <a:highlight>
+                  <a:srgbClr val="FFFF00"/>
+                </a:highlight>
+              </a:rPr>
+              <a:t>webp</a:t>
+            </a:r>
+            <a:r>
+              <a:rPr lang="fr-FR" dirty="0">
+                <a:highlight>
+                  <a:srgbClr val="FFFF00"/>
+                </a:highlight>
+              </a:rPr>
+              <a:t> </a:t>
+            </a:r>
+            <a:r>
+              <a:rPr lang="fr-FR" dirty="0" err="1">
+                <a:highlight>
+                  <a:srgbClr val="FFFF00"/>
+                </a:highlight>
+              </a:rPr>
+              <a:t>our</a:t>
+            </a:r>
+            <a:r>
+              <a:rPr lang="fr-FR" dirty="0">
+                <a:highlight>
+                  <a:srgbClr val="FFFF00"/>
+                </a:highlight>
+              </a:rPr>
+              <a:t> usage + simple</a:t>
+            </a:r>
+          </a:p>
+          <a:p>
+            <a:pPr marL="285750" indent="-285750">
+              <a:buFont typeface="Wingdings" panose="05000000000000000000" pitchFamily="2" charset="2"/>
+              <a:buChar char="à"/>
+            </a:pPr>
+            <a:r>
+              <a:rPr lang="fr-FR" dirty="0">
+                <a:highlight>
+                  <a:srgbClr val="FFFF00"/>
+                </a:highlight>
+              </a:rPr>
+              <a:t>Autre fonctionnalités (new id </a:t>
+            </a:r>
+            <a:r>
+              <a:rPr lang="fr-FR" dirty="0" err="1">
+                <a:highlight>
+                  <a:srgbClr val="FFFF00"/>
+                </a:highlight>
+              </a:rPr>
+              <a:t>etc</a:t>
+            </a:r>
+            <a:r>
+              <a:rPr lang="fr-FR" dirty="0">
+                <a:highlight>
+                  <a:srgbClr val="FFFF00"/>
+                </a:highlight>
+              </a:rPr>
+              <a:t>) ? </a:t>
             </a:r>
           </a:p>
           <a:p>
@@ -9234,7 +9784,7 @@
         </p:nvSpPr>
         <p:spPr>
           <a:xfrm>
-            <a:off x="0" y="-6292"/>
+            <a:off x="-3627" y="-6292"/>
             <a:ext cx="12192000" cy="6864292"/>
           </a:xfrm>
           <a:prstGeom prst="rect">
@@ -10065,10 +10615,10 @@
         </p:nvGrpSpPr>
         <p:grpSpPr>
           <a:xfrm>
-            <a:off x="2291274" y="460200"/>
-            <a:ext cx="8149926" cy="4764606"/>
+            <a:off x="2060384" y="461701"/>
+            <a:ext cx="8133896" cy="4764606"/>
             <a:chOff x="1250702" y="292588"/>
-            <a:chExt cx="8149926" cy="4764606"/>
+            <a:chExt cx="8133896" cy="4764606"/>
           </a:xfrm>
         </p:grpSpPr>
         <p:sp>
@@ -10149,9 +10699,9 @@
           <p:grpSpPr>
             <a:xfrm>
               <a:off x="1250702" y="891540"/>
-              <a:ext cx="8149926" cy="2469638"/>
+              <a:ext cx="8133896" cy="2469638"/>
               <a:chOff x="1746002" y="899160"/>
-              <a:chExt cx="8149926" cy="2469638"/>
+              <a:chExt cx="8133896" cy="2469638"/>
             </a:xfrm>
           </p:grpSpPr>
           <p:grpSp>
@@ -10805,7 +11355,7 @@
             <p:spPr>
               <a:xfrm>
                 <a:off x="8593969" y="2722467"/>
-                <a:ext cx="1301959" cy="261610"/>
+                <a:ext cx="1285929" cy="430887"/>
               </a:xfrm>
               <a:prstGeom prst="rect">
                 <a:avLst/>
@@ -10825,7 +11375,24 @@
                     </a:solidFill>
                     <a:latin typeface="Bahnschrift SemiBold" panose="020B0502040204020203" pitchFamily="34" charset="0"/>
                   </a:rPr>
-                  <a:t>Cluster_profiler.R</a:t>
+                  <a:t>stats.R</a:t>
+                </a:r>
+                <a:endParaRPr lang="fr-FR" sz="1100" dirty="0">
+                  <a:solidFill>
+                    <a:srgbClr val="A24A0E"/>
+                  </a:solidFill>
+                  <a:latin typeface="Bahnschrift SemiBold" panose="020B0502040204020203" pitchFamily="34" charset="0"/>
+                </a:endParaRPr>
+              </a:p>
+              <a:p>
+                <a:r>
+                  <a:rPr lang="fr-FR" sz="1100" dirty="0" err="1">
+                    <a:solidFill>
+                      <a:srgbClr val="A24A0E"/>
+                    </a:solidFill>
+                    <a:latin typeface="Bahnschrift SemiBold" panose="020B0502040204020203" pitchFamily="34" charset="0"/>
+                  </a:rPr>
+                  <a:t>cluster_profiler.R</a:t>
                 </a:r>
                 <a:endParaRPr lang="fr-FR" sz="1100" dirty="0">
                   <a:solidFill>

--- a/Projet_enrichissement_shiny.pptx
+++ b/Projet_enrichissement_shiny.pptx
@@ -5,23 +5,21 @@
     <p:sldMasterId id="2147483648" r:id="rId1"/>
   </p:sldMasterIdLst>
   <p:notesMasterIdLst>
-    <p:notesMasterId r:id="rId16"/>
+    <p:notesMasterId r:id="rId14"/>
   </p:notesMasterIdLst>
   <p:sldIdLst>
-    <p:sldId id="257" r:id="rId2"/>
-    <p:sldId id="277" r:id="rId3"/>
-    <p:sldId id="264" r:id="rId4"/>
-    <p:sldId id="263" r:id="rId5"/>
-    <p:sldId id="266" r:id="rId6"/>
-    <p:sldId id="267" r:id="rId7"/>
-    <p:sldId id="269" r:id="rId8"/>
-    <p:sldId id="270" r:id="rId9"/>
+    <p:sldId id="277" r:id="rId2"/>
+    <p:sldId id="257" r:id="rId3"/>
+    <p:sldId id="263" r:id="rId4"/>
+    <p:sldId id="266" r:id="rId5"/>
+    <p:sldId id="267" r:id="rId6"/>
+    <p:sldId id="269" r:id="rId7"/>
+    <p:sldId id="270" r:id="rId8"/>
+    <p:sldId id="272" r:id="rId9"/>
     <p:sldId id="271" r:id="rId10"/>
-    <p:sldId id="272" r:id="rId11"/>
-    <p:sldId id="279" r:id="rId12"/>
-    <p:sldId id="274" r:id="rId13"/>
-    <p:sldId id="275" r:id="rId14"/>
-    <p:sldId id="278" r:id="rId15"/>
+    <p:sldId id="274" r:id="rId11"/>
+    <p:sldId id="275" r:id="rId12"/>
+    <p:sldId id="278" r:id="rId13"/>
   </p:sldIdLst>
   <p:sldSz cx="12192000" cy="6858000"/>
   <p:notesSz cx="6858000" cy="9144000"/>
@@ -210,7 +208,7 @@
           <a:p>
             <a:fld id="{E0A57C41-559C-4F10-B903-4C3A1988336F}" type="datetimeFigureOut">
               <a:rPr lang="fr-FR" smtClean="0"/>
-              <a:t>13/06/2022</a:t>
+              <a:t>14/06/2022</a:t>
             </a:fld>
             <a:endParaRPr lang="fr-FR"/>
           </a:p>
@@ -542,7 +540,7 @@
           <a:p>
             <a:fld id="{44B9F8EC-7890-4FAA-AA58-5966D9CF0999}" type="slidenum">
               <a:rPr lang="fr-FR" smtClean="0"/>
-              <a:t>4</a:t>
+              <a:t>3</a:t>
             </a:fld>
             <a:endParaRPr lang="fr-FR"/>
           </a:p>
@@ -607,7 +605,7 @@
           <a:p>
             <a:r>
               <a:rPr lang="fr-FR" dirty="0"/>
-              <a:t>difficultés et contournements, points positifs/négatifs (complet ou pas, temps d’exécution…)</a:t>
+              <a:t>un exemple pour chaque type de solution de script (API, e-utilities construction d’URL, JSON/XML etc.) avec arguments et paramètres ; structure de données collectées et création du tableau de sortie</a:t>
             </a:r>
           </a:p>
         </p:txBody>
@@ -629,94 +627,7 @@
           <a:p>
             <a:fld id="{44B9F8EC-7890-4FAA-AA58-5966D9CF0999}" type="slidenum">
               <a:rPr lang="fr-FR" smtClean="0"/>
-              <a:t>13</a:t>
-            </a:fld>
-            <a:endParaRPr lang="fr-FR"/>
-          </a:p>
-        </p:txBody>
-      </p:sp>
-    </p:spTree>
-    <p:extLst>
-      <p:ext uri="{BB962C8B-B14F-4D97-AF65-F5344CB8AC3E}">
-        <p14:creationId xmlns:p14="http://schemas.microsoft.com/office/powerpoint/2010/main" val="3995672573"/>
-      </p:ext>
-    </p:extLst>
-  </p:cSld>
-  <p:clrMapOvr>
-    <a:masterClrMapping/>
-  </p:clrMapOvr>
-</p:notes>
-</file>
-
-<file path=ppt/notesSlides/notesSlide11.xml><?xml version="1.0" encoding="utf-8"?>
-<p:notes xmlns:a="http://schemas.openxmlformats.org/drawingml/2006/main" xmlns:r="http://schemas.openxmlformats.org/officeDocument/2006/relationships" xmlns:p="http://schemas.openxmlformats.org/presentationml/2006/main">
-  <p:cSld>
-    <p:spTree>
-      <p:nvGrpSpPr>
-        <p:cNvPr id="1" name=""/>
-        <p:cNvGrpSpPr/>
-        <p:nvPr/>
-      </p:nvGrpSpPr>
-      <p:grpSpPr>
-        <a:xfrm>
-          <a:off x="0" y="0"/>
-          <a:ext cx="0" cy="0"/>
-          <a:chOff x="0" y="0"/>
-          <a:chExt cx="0" cy="0"/>
-        </a:xfrm>
-      </p:grpSpPr>
-      <p:sp>
-        <p:nvSpPr>
-          <p:cNvPr id="2" name="Espace réservé de l'image des diapositives 1"/>
-          <p:cNvSpPr>
-            <a:spLocks noGrp="1" noRot="1" noChangeAspect="1"/>
-          </p:cNvSpPr>
-          <p:nvPr>
-            <p:ph type="sldImg"/>
-          </p:nvPr>
-        </p:nvSpPr>
-        <p:spPr/>
-      </p:sp>
-      <p:sp>
-        <p:nvSpPr>
-          <p:cNvPr id="3" name="Espace réservé des notes 2"/>
-          <p:cNvSpPr>
-            <a:spLocks noGrp="1"/>
-          </p:cNvSpPr>
-          <p:nvPr>
-            <p:ph type="body" idx="1"/>
-          </p:nvPr>
-        </p:nvSpPr>
-        <p:spPr/>
-        <p:txBody>
-          <a:bodyPr/>
-          <a:lstStyle/>
-          <a:p>
-            <a:r>
-              <a:rPr lang="fr-FR" dirty="0"/>
-              <a:t>un exemple pour chaque type de solution de script (API, e-utilities construction d’URL, JSON/XML etc.) avec arguments et paramètres ; structure de données collectées et création du tableau de sortie</a:t>
-            </a:r>
-          </a:p>
-        </p:txBody>
-      </p:sp>
-      <p:sp>
-        <p:nvSpPr>
-          <p:cNvPr id="4" name="Espace réservé du numéro de diapositive 3"/>
-          <p:cNvSpPr>
-            <a:spLocks noGrp="1"/>
-          </p:cNvSpPr>
-          <p:nvPr>
-            <p:ph type="sldNum" sz="quarter" idx="5"/>
-          </p:nvPr>
-        </p:nvSpPr>
-        <p:spPr/>
-        <p:txBody>
-          <a:bodyPr/>
-          <a:lstStyle/>
-          <a:p>
-            <a:fld id="{44B9F8EC-7890-4FAA-AA58-5966D9CF0999}" type="slidenum">
-              <a:rPr lang="fr-FR" smtClean="0"/>
-              <a:t>14</a:t>
+              <a:t>12</a:t>
             </a:fld>
             <a:endParaRPr lang="fr-FR"/>
           </a:p>
@@ -800,7 +711,7 @@
           <a:p>
             <a:fld id="{44B9F8EC-7890-4FAA-AA58-5966D9CF0999}" type="slidenum">
               <a:rPr lang="fr-FR" smtClean="0"/>
-              <a:t>5</a:t>
+              <a:t>4</a:t>
             </a:fld>
             <a:endParaRPr lang="fr-FR"/>
           </a:p>
@@ -884,7 +795,7 @@
           <a:p>
             <a:fld id="{44B9F8EC-7890-4FAA-AA58-5966D9CF0999}" type="slidenum">
               <a:rPr lang="fr-FR" smtClean="0"/>
-              <a:t>6</a:t>
+              <a:t>5</a:t>
             </a:fld>
             <a:endParaRPr lang="fr-FR"/>
           </a:p>
@@ -947,10 +858,7 @@
           <a:bodyPr/>
           <a:lstStyle/>
           <a:p>
-            <a:r>
-              <a:rPr lang="fr-FR" dirty="0"/>
-              <a:t>un exemple pour chaque type de solution de script (API, e-utilities construction d’URL, JSON/XML etc.) avec arguments et paramètres ; structure de données collectées et création du tableau de sortie</a:t>
-            </a:r>
+            <a:endParaRPr lang="fr-FR" dirty="0"/>
           </a:p>
         </p:txBody>
       </p:sp>
@@ -971,7 +879,7 @@
           <a:p>
             <a:fld id="{44B9F8EC-7890-4FAA-AA58-5966D9CF0999}" type="slidenum">
               <a:rPr lang="fr-FR" smtClean="0"/>
-              <a:t>7</a:t>
+              <a:t>6</a:t>
             </a:fld>
             <a:endParaRPr lang="fr-FR"/>
           </a:p>
@@ -1034,10 +942,7 @@
           <a:bodyPr/>
           <a:lstStyle/>
           <a:p>
-            <a:r>
-              <a:rPr lang="fr-FR" dirty="0"/>
-              <a:t>un exemple pour chaque type de solution de script (API, e-utilities construction d’URL, JSON/XML etc.) avec arguments et paramètres ; structure de données collectées et création du tableau de sortie</a:t>
-            </a:r>
+            <a:endParaRPr lang="fr-FR" dirty="0"/>
           </a:p>
         </p:txBody>
       </p:sp>
@@ -1058,7 +963,7 @@
           <a:p>
             <a:fld id="{44B9F8EC-7890-4FAA-AA58-5966D9CF0999}" type="slidenum">
               <a:rPr lang="fr-FR" smtClean="0"/>
-              <a:t>8</a:t>
+              <a:t>7</a:t>
             </a:fld>
             <a:endParaRPr lang="fr-FR"/>
           </a:p>
@@ -1122,9 +1027,10 @@
           <a:lstStyle/>
           <a:p>
             <a:r>
-              <a:rPr lang="fr-FR" dirty="0"/>
-              <a:t>un exemple pour chaque type de solution de script (API, e-utilities construction d’URL, JSON/XML etc.) avec arguments et paramètres ; structure de données collectées et création du tableau de sortie</a:t>
+              <a:rPr lang="fr-FR" dirty="0" err="1"/>
+              <a:t>downlad</a:t>
             </a:r>
+            <a:endParaRPr lang="fr-FR" dirty="0"/>
           </a:p>
         </p:txBody>
       </p:sp>
@@ -1145,7 +1051,7 @@
           <a:p>
             <a:fld id="{44B9F8EC-7890-4FAA-AA58-5966D9CF0999}" type="slidenum">
               <a:rPr lang="fr-FR" smtClean="0"/>
-              <a:t>9</a:t>
+              <a:t>8</a:t>
             </a:fld>
             <a:endParaRPr lang="fr-FR"/>
           </a:p>
@@ -1154,7 +1060,7 @@
     </p:spTree>
     <p:extLst>
       <p:ext uri="{BB962C8B-B14F-4D97-AF65-F5344CB8AC3E}">
-        <p14:creationId xmlns:p14="http://schemas.microsoft.com/office/powerpoint/2010/main" val="4220189043"/>
+        <p14:creationId xmlns:p14="http://schemas.microsoft.com/office/powerpoint/2010/main" val="2393187407"/>
       </p:ext>
     </p:extLst>
   </p:cSld>
@@ -1208,10 +1114,7 @@
           <a:bodyPr/>
           <a:lstStyle/>
           <a:p>
-            <a:r>
-              <a:rPr lang="fr-FR" dirty="0"/>
-              <a:t>un exemple pour chaque type de solution de script (API, e-utilities construction d’URL, JSON/XML etc.) avec arguments et paramètres ; structure de données collectées et création du tableau de sortie</a:t>
-            </a:r>
+            <a:endParaRPr lang="fr-FR" dirty="0"/>
           </a:p>
         </p:txBody>
       </p:sp>
@@ -1232,7 +1135,7 @@
           <a:p>
             <a:fld id="{44B9F8EC-7890-4FAA-AA58-5966D9CF0999}" type="slidenum">
               <a:rPr lang="fr-FR" smtClean="0"/>
-              <a:t>10</a:t>
+              <a:t>9</a:t>
             </a:fld>
             <a:endParaRPr lang="fr-FR"/>
           </a:p>
@@ -1241,7 +1144,7 @@
     </p:spTree>
     <p:extLst>
       <p:ext uri="{BB962C8B-B14F-4D97-AF65-F5344CB8AC3E}">
-        <p14:creationId xmlns:p14="http://schemas.microsoft.com/office/powerpoint/2010/main" val="2393187407"/>
+        <p14:creationId xmlns:p14="http://schemas.microsoft.com/office/powerpoint/2010/main" val="4220189043"/>
       </p:ext>
     </p:extLst>
   </p:cSld>
@@ -1295,10 +1198,7 @@
           <a:bodyPr/>
           <a:lstStyle/>
           <a:p>
-            <a:r>
-              <a:rPr lang="fr-FR" dirty="0"/>
-              <a:t>un exemple pour chaque type de solution de script (API, e-utilities construction d’URL, JSON/XML etc.) avec arguments et paramètres ; structure de données collectées et création du tableau de sortie</a:t>
-            </a:r>
+            <a:endParaRPr lang="fr-FR" dirty="0"/>
           </a:p>
         </p:txBody>
       </p:sp>
@@ -1319,7 +1219,7 @@
           <a:p>
             <a:fld id="{44B9F8EC-7890-4FAA-AA58-5966D9CF0999}" type="slidenum">
               <a:rPr lang="fr-FR" smtClean="0"/>
-              <a:t>11</a:t>
+              <a:t>10</a:t>
             </a:fld>
             <a:endParaRPr lang="fr-FR"/>
           </a:p>
@@ -1328,7 +1228,7 @@
     </p:spTree>
     <p:extLst>
       <p:ext uri="{BB962C8B-B14F-4D97-AF65-F5344CB8AC3E}">
-        <p14:creationId xmlns:p14="http://schemas.microsoft.com/office/powerpoint/2010/main" val="1282621807"/>
+        <p14:creationId xmlns:p14="http://schemas.microsoft.com/office/powerpoint/2010/main" val="3181673262"/>
       </p:ext>
     </p:extLst>
   </p:cSld>
@@ -1382,7 +1282,10 @@
           <a:bodyPr/>
           <a:lstStyle/>
           <a:p>
-            <a:endParaRPr lang="fr-FR" dirty="0"/>
+            <a:r>
+              <a:rPr lang="fr-FR" dirty="0"/>
+              <a:t>difficultés et contournements, points positifs/négatifs (complet ou pas, temps d’exécution…)</a:t>
+            </a:r>
           </a:p>
         </p:txBody>
       </p:sp>
@@ -1403,7 +1306,7 @@
           <a:p>
             <a:fld id="{44B9F8EC-7890-4FAA-AA58-5966D9CF0999}" type="slidenum">
               <a:rPr lang="fr-FR" smtClean="0"/>
-              <a:t>12</a:t>
+              <a:t>11</a:t>
             </a:fld>
             <a:endParaRPr lang="fr-FR"/>
           </a:p>
@@ -1412,7 +1315,7 @@
     </p:spTree>
     <p:extLst>
       <p:ext uri="{BB962C8B-B14F-4D97-AF65-F5344CB8AC3E}">
-        <p14:creationId xmlns:p14="http://schemas.microsoft.com/office/powerpoint/2010/main" val="3181673262"/>
+        <p14:creationId xmlns:p14="http://schemas.microsoft.com/office/powerpoint/2010/main" val="3995672573"/>
       </p:ext>
     </p:extLst>
   </p:cSld>
@@ -1569,7 +1472,7 @@
           <a:p>
             <a:fld id="{2E4E32D0-3CEC-4819-B719-9D5AD60DBF7B}" type="datetimeFigureOut">
               <a:rPr lang="fr-FR" smtClean="0"/>
-              <a:t>13/06/2022</a:t>
+              <a:t>14/06/2022</a:t>
             </a:fld>
             <a:endParaRPr lang="fr-FR"/>
           </a:p>
@@ -1767,7 +1670,7 @@
           <a:p>
             <a:fld id="{2E4E32D0-3CEC-4819-B719-9D5AD60DBF7B}" type="datetimeFigureOut">
               <a:rPr lang="fr-FR" smtClean="0"/>
-              <a:t>13/06/2022</a:t>
+              <a:t>14/06/2022</a:t>
             </a:fld>
             <a:endParaRPr lang="fr-FR"/>
           </a:p>
@@ -1975,7 +1878,7 @@
           <a:p>
             <a:fld id="{2E4E32D0-3CEC-4819-B719-9D5AD60DBF7B}" type="datetimeFigureOut">
               <a:rPr lang="fr-FR" smtClean="0"/>
-              <a:t>13/06/2022</a:t>
+              <a:t>14/06/2022</a:t>
             </a:fld>
             <a:endParaRPr lang="fr-FR"/>
           </a:p>
@@ -2173,7 +2076,7 @@
           <a:p>
             <a:fld id="{2E4E32D0-3CEC-4819-B719-9D5AD60DBF7B}" type="datetimeFigureOut">
               <a:rPr lang="fr-FR" smtClean="0"/>
-              <a:t>13/06/2022</a:t>
+              <a:t>14/06/2022</a:t>
             </a:fld>
             <a:endParaRPr lang="fr-FR"/>
           </a:p>
@@ -2448,7 +2351,7 @@
           <a:p>
             <a:fld id="{2E4E32D0-3CEC-4819-B719-9D5AD60DBF7B}" type="datetimeFigureOut">
               <a:rPr lang="fr-FR" smtClean="0"/>
-              <a:t>13/06/2022</a:t>
+              <a:t>14/06/2022</a:t>
             </a:fld>
             <a:endParaRPr lang="fr-FR"/>
           </a:p>
@@ -2713,7 +2616,7 @@
           <a:p>
             <a:fld id="{2E4E32D0-3CEC-4819-B719-9D5AD60DBF7B}" type="datetimeFigureOut">
               <a:rPr lang="fr-FR" smtClean="0"/>
-              <a:t>13/06/2022</a:t>
+              <a:t>14/06/2022</a:t>
             </a:fld>
             <a:endParaRPr lang="fr-FR"/>
           </a:p>
@@ -3125,7 +3028,7 @@
           <a:p>
             <a:fld id="{2E4E32D0-3CEC-4819-B719-9D5AD60DBF7B}" type="datetimeFigureOut">
               <a:rPr lang="fr-FR" smtClean="0"/>
-              <a:t>13/06/2022</a:t>
+              <a:t>14/06/2022</a:t>
             </a:fld>
             <a:endParaRPr lang="fr-FR"/>
           </a:p>
@@ -3266,7 +3169,7 @@
           <a:p>
             <a:fld id="{2E4E32D0-3CEC-4819-B719-9D5AD60DBF7B}" type="datetimeFigureOut">
               <a:rPr lang="fr-FR" smtClean="0"/>
-              <a:t>13/06/2022</a:t>
+              <a:t>14/06/2022</a:t>
             </a:fld>
             <a:endParaRPr lang="fr-FR"/>
           </a:p>
@@ -3379,7 +3282,7 @@
           <a:p>
             <a:fld id="{2E4E32D0-3CEC-4819-B719-9D5AD60DBF7B}" type="datetimeFigureOut">
               <a:rPr lang="fr-FR" smtClean="0"/>
-              <a:t>13/06/2022</a:t>
+              <a:t>14/06/2022</a:t>
             </a:fld>
             <a:endParaRPr lang="fr-FR"/>
           </a:p>
@@ -3690,7 +3593,7 @@
           <a:p>
             <a:fld id="{2E4E32D0-3CEC-4819-B719-9D5AD60DBF7B}" type="datetimeFigureOut">
               <a:rPr lang="fr-FR" smtClean="0"/>
-              <a:t>13/06/2022</a:t>
+              <a:t>14/06/2022</a:t>
             </a:fld>
             <a:endParaRPr lang="fr-FR"/>
           </a:p>
@@ -3978,7 +3881,7 @@
           <a:p>
             <a:fld id="{2E4E32D0-3CEC-4819-B719-9D5AD60DBF7B}" type="datetimeFigureOut">
               <a:rPr lang="fr-FR" smtClean="0"/>
-              <a:t>13/06/2022</a:t>
+              <a:t>14/06/2022</a:t>
             </a:fld>
             <a:endParaRPr lang="fr-FR"/>
           </a:p>
@@ -4219,7 +4122,7 @@
           <a:p>
             <a:fld id="{2E4E32D0-3CEC-4819-B719-9D5AD60DBF7B}" type="datetimeFigureOut">
               <a:rPr lang="fr-FR" smtClean="0"/>
-              <a:t>13/06/2022</a:t>
+              <a:t>14/06/2022</a:t>
             </a:fld>
             <a:endParaRPr lang="fr-FR"/>
           </a:p>
@@ -4638,228 +4541,10 @@
       </p:grpSpPr>
       <p:sp>
         <p:nvSpPr>
-          <p:cNvPr id="4" name="Rectangle 3">
+          <p:cNvPr id="4" name="ZoneTexte 3">
             <a:extLst>
               <a:ext uri="{FF2B5EF4-FFF2-40B4-BE49-F238E27FC236}">
-                <a16:creationId xmlns:a16="http://schemas.microsoft.com/office/drawing/2014/main" id="{BF802A63-5D95-4EDA-8D03-51ED78011B3A}"/>
-              </a:ext>
-            </a:extLst>
-          </p:cNvPr>
-          <p:cNvSpPr/>
-          <p:nvPr/>
-        </p:nvSpPr>
-        <p:spPr>
-          <a:xfrm>
-            <a:off x="-1" y="0"/>
-            <a:ext cx="12192000" cy="6864292"/>
-          </a:xfrm>
-          <a:prstGeom prst="rect">
-            <a:avLst/>
-          </a:prstGeom>
-          <a:solidFill>
-            <a:srgbClr val="F1EEE7"/>
-          </a:solidFill>
-          <a:ln>
-            <a:solidFill>
-              <a:srgbClr val="F1EEE7"/>
-            </a:solidFill>
-          </a:ln>
-        </p:spPr>
-        <p:style>
-          <a:lnRef idx="2">
-            <a:schemeClr val="accent1">
-              <a:shade val="50000"/>
-            </a:schemeClr>
-          </a:lnRef>
-          <a:fillRef idx="1">
-            <a:schemeClr val="accent1"/>
-          </a:fillRef>
-          <a:effectRef idx="0">
-            <a:schemeClr val="accent1"/>
-          </a:effectRef>
-          <a:fontRef idx="minor">
-            <a:schemeClr val="lt1"/>
-          </a:fontRef>
-        </p:style>
-        <p:txBody>
-          <a:bodyPr rtlCol="0" anchor="ctr"/>
-          <a:lstStyle/>
-          <a:p>
-            <a:pPr algn="ctr"/>
-            <a:endParaRPr lang="fr-FR" dirty="0">
-              <a:solidFill>
-                <a:schemeClr val="tx1"/>
-              </a:solidFill>
-            </a:endParaRPr>
-          </a:p>
-        </p:txBody>
-      </p:sp>
-      <p:sp>
-        <p:nvSpPr>
-          <p:cNvPr id="7" name="Rectangle 6">
-            <a:extLst>
-              <a:ext uri="{FF2B5EF4-FFF2-40B4-BE49-F238E27FC236}">
-                <a16:creationId xmlns:a16="http://schemas.microsoft.com/office/drawing/2014/main" id="{3CA5672D-F3A4-4DF4-B448-98D7F6769A1F}"/>
-              </a:ext>
-            </a:extLst>
-          </p:cNvPr>
-          <p:cNvSpPr/>
-          <p:nvPr/>
-        </p:nvSpPr>
-        <p:spPr>
-          <a:xfrm>
-            <a:off x="-1" y="682673"/>
-            <a:ext cx="12192000" cy="2084597"/>
-          </a:xfrm>
-          <a:prstGeom prst="rect">
-            <a:avLst/>
-          </a:prstGeom>
-          <a:solidFill>
-            <a:srgbClr val="E2E2DA"/>
-          </a:solidFill>
-          <a:ln>
-            <a:noFill/>
-          </a:ln>
-        </p:spPr>
-        <p:style>
-          <a:lnRef idx="2">
-            <a:schemeClr val="accent1">
-              <a:shade val="50000"/>
-            </a:schemeClr>
-          </a:lnRef>
-          <a:fillRef idx="1">
-            <a:schemeClr val="accent1"/>
-          </a:fillRef>
-          <a:effectRef idx="0">
-            <a:schemeClr val="accent1"/>
-          </a:effectRef>
-          <a:fontRef idx="minor">
-            <a:schemeClr val="lt1"/>
-          </a:fontRef>
-        </p:style>
-        <p:txBody>
-          <a:bodyPr rtlCol="0" anchor="ctr"/>
-          <a:lstStyle/>
-          <a:p>
-            <a:pPr algn="ctr"/>
-            <a:endParaRPr lang="fr-FR" dirty="0"/>
-          </a:p>
-        </p:txBody>
-      </p:sp>
-      <p:pic>
-        <p:nvPicPr>
-          <p:cNvPr id="14" name="Image 13" descr="Une image contenant texte&#10;&#10;Description générée automatiquement">
-            <a:extLst>
-              <a:ext uri="{FF2B5EF4-FFF2-40B4-BE49-F238E27FC236}">
-                <a16:creationId xmlns:a16="http://schemas.microsoft.com/office/drawing/2014/main" id="{44270936-3AEC-470F-B7B6-3742AEDF4D05}"/>
-              </a:ext>
-            </a:extLst>
-          </p:cNvPr>
-          <p:cNvPicPr>
-            <a:picLocks noChangeAspect="1"/>
-          </p:cNvPicPr>
-          <p:nvPr/>
-        </p:nvPicPr>
-        <p:blipFill>
-          <a:blip r:embed="rId2">
-            <a:extLst>
-              <a:ext uri="{28A0092B-C50C-407E-A947-70E740481C1C}">
-                <a14:useLocalDpi xmlns:a14="http://schemas.microsoft.com/office/drawing/2010/main" val="0"/>
-              </a:ext>
-            </a:extLst>
-          </a:blip>
-          <a:stretch>
-            <a:fillRect/>
-          </a:stretch>
-        </p:blipFill>
-        <p:spPr>
-          <a:xfrm>
-            <a:off x="7214841" y="5794749"/>
-            <a:ext cx="1670689" cy="688681"/>
-          </a:xfrm>
-          <a:prstGeom prst="rect">
-            <a:avLst/>
-          </a:prstGeom>
-        </p:spPr>
-      </p:pic>
-      <p:pic>
-        <p:nvPicPr>
-          <p:cNvPr id="24" name="Image 23" descr="Une image contenant texte&#10;&#10;Description générée automatiquement">
-            <a:extLst>
-              <a:ext uri="{FF2B5EF4-FFF2-40B4-BE49-F238E27FC236}">
-                <a16:creationId xmlns:a16="http://schemas.microsoft.com/office/drawing/2014/main" id="{4B599815-784B-4FEA-A61F-12E63750DB39}"/>
-              </a:ext>
-            </a:extLst>
-          </p:cNvPr>
-          <p:cNvPicPr>
-            <a:picLocks noChangeAspect="1"/>
-          </p:cNvPicPr>
-          <p:nvPr/>
-        </p:nvPicPr>
-        <p:blipFill>
-          <a:blip r:embed="rId3">
-            <a:extLst>
-              <a:ext uri="{28A0092B-C50C-407E-A947-70E740481C1C}">
-                <a14:useLocalDpi xmlns:a14="http://schemas.microsoft.com/office/drawing/2010/main" val="0"/>
-              </a:ext>
-            </a:extLst>
-          </a:blip>
-          <a:stretch>
-            <a:fillRect/>
-          </a:stretch>
-        </p:blipFill>
-        <p:spPr>
-          <a:xfrm>
-            <a:off x="3656767" y="5775287"/>
-            <a:ext cx="1959373" cy="708143"/>
-          </a:xfrm>
-          <a:prstGeom prst="rect">
-            <a:avLst/>
-          </a:prstGeom>
-        </p:spPr>
-      </p:pic>
-      <p:pic>
-        <p:nvPicPr>
-          <p:cNvPr id="26" name="Image 25" descr="Une image contenant flèche&#10;&#10;Description générée automatiquement">
-            <a:extLst>
-              <a:ext uri="{FF2B5EF4-FFF2-40B4-BE49-F238E27FC236}">
-                <a16:creationId xmlns:a16="http://schemas.microsoft.com/office/drawing/2014/main" id="{35BE1E1B-49C9-481D-BF53-C1EA8943EA84}"/>
-              </a:ext>
-            </a:extLst>
-          </p:cNvPr>
-          <p:cNvPicPr>
-            <a:picLocks noChangeAspect="1"/>
-          </p:cNvPicPr>
-          <p:nvPr/>
-        </p:nvPicPr>
-        <p:blipFill>
-          <a:blip r:embed="rId4">
-            <a:extLst>
-              <a:ext uri="{28A0092B-C50C-407E-A947-70E740481C1C}">
-                <a14:useLocalDpi xmlns:a14="http://schemas.microsoft.com/office/drawing/2010/main" val="0"/>
-              </a:ext>
-            </a:extLst>
-          </a:blip>
-          <a:stretch>
-            <a:fillRect/>
-          </a:stretch>
-        </p:blipFill>
-        <p:spPr>
-          <a:xfrm>
-            <a:off x="10178420" y="5581948"/>
-            <a:ext cx="991633" cy="981756"/>
-          </a:xfrm>
-          <a:prstGeom prst="rect">
-            <a:avLst/>
-          </a:prstGeom>
-        </p:spPr>
-      </p:pic>
-      <p:sp>
-        <p:nvSpPr>
-          <p:cNvPr id="27" name="ZoneTexte 26">
-            <a:extLst>
-              <a:ext uri="{FF2B5EF4-FFF2-40B4-BE49-F238E27FC236}">
-                <a16:creationId xmlns:a16="http://schemas.microsoft.com/office/drawing/2014/main" id="{ACE5BEF7-51FF-407F-A722-264C13613644}"/>
+                <a16:creationId xmlns:a16="http://schemas.microsoft.com/office/drawing/2014/main" id="{C768643F-791F-454C-9683-490CC33668F4}"/>
               </a:ext>
             </a:extLst>
           </p:cNvPr>
@@ -4868,824 +4553,8 @@
         </p:nvSpPr>
         <p:spPr>
           <a:xfrm>
-            <a:off x="413475" y="1063251"/>
-            <a:ext cx="11365047" cy="1323439"/>
-          </a:xfrm>
-          <a:prstGeom prst="rect">
-            <a:avLst/>
-          </a:prstGeom>
-          <a:noFill/>
-        </p:spPr>
-        <p:txBody>
-          <a:bodyPr wrap="square" rtlCol="0">
-            <a:spAutoFit/>
-          </a:bodyPr>
-          <a:lstStyle/>
-          <a:p>
-            <a:pPr algn="ctr"/>
-            <a:r>
-              <a:rPr lang="fr-FR" sz="4000" dirty="0">
-                <a:solidFill>
-                  <a:srgbClr val="D23328"/>
-                </a:solidFill>
-                <a:latin typeface="Bahnschrift SemiBold" panose="020B0502040204020203" pitchFamily="34" charset="0"/>
-              </a:rPr>
-              <a:t>Projet d'enrichissement fonctionnel </a:t>
-            </a:r>
-          </a:p>
-          <a:p>
-            <a:pPr algn="ctr"/>
-            <a:r>
-              <a:rPr lang="fr-FR" sz="4000" dirty="0">
-                <a:solidFill>
-                  <a:srgbClr val="D23328"/>
-                </a:solidFill>
-                <a:latin typeface="Bahnschrift SemiBold" panose="020B0502040204020203" pitchFamily="34" charset="0"/>
-              </a:rPr>
-              <a:t>avec R </a:t>
-            </a:r>
-            <a:r>
-              <a:rPr lang="fr-FR" sz="4000" dirty="0" err="1">
-                <a:solidFill>
-                  <a:srgbClr val="D23328"/>
-                </a:solidFill>
-                <a:latin typeface="Bahnschrift SemiBold" panose="020B0502040204020203" pitchFamily="34" charset="0"/>
-              </a:rPr>
-              <a:t>Shiny</a:t>
-            </a:r>
-            <a:endParaRPr lang="fr-FR" sz="4000" dirty="0">
-              <a:solidFill>
-                <a:srgbClr val="D23328"/>
-              </a:solidFill>
-              <a:latin typeface="Bahnschrift SemiBold" panose="020B0502040204020203" pitchFamily="34" charset="0"/>
-            </a:endParaRPr>
-          </a:p>
-        </p:txBody>
-      </p:sp>
-      <p:sp>
-        <p:nvSpPr>
-          <p:cNvPr id="28" name="ZoneTexte 27">
-            <a:extLst>
-              <a:ext uri="{FF2B5EF4-FFF2-40B4-BE49-F238E27FC236}">
-                <a16:creationId xmlns:a16="http://schemas.microsoft.com/office/drawing/2014/main" id="{BDFDB890-7B10-4E5A-A5BD-D3EB58A9CED2}"/>
-              </a:ext>
-            </a:extLst>
-          </p:cNvPr>
-          <p:cNvSpPr txBox="1"/>
-          <p:nvPr/>
-        </p:nvSpPr>
-        <p:spPr>
-          <a:xfrm>
-            <a:off x="489871" y="2999899"/>
-            <a:ext cx="11365047" cy="2308324"/>
-          </a:xfrm>
-          <a:prstGeom prst="rect">
-            <a:avLst/>
-          </a:prstGeom>
-          <a:noFill/>
-        </p:spPr>
-        <p:txBody>
-          <a:bodyPr wrap="square" rtlCol="0">
-            <a:spAutoFit/>
-          </a:bodyPr>
-          <a:lstStyle/>
-          <a:p>
-            <a:pPr algn="ctr"/>
-            <a:r>
-              <a:rPr lang="fr-FR" sz="1600" dirty="0">
-                <a:solidFill>
-                  <a:schemeClr val="tx1">
-                    <a:lumMod val="75000"/>
-                    <a:lumOff val="25000"/>
-                  </a:schemeClr>
-                </a:solidFill>
-                <a:latin typeface="Bahnschrift SemiBold" panose="020B0502040204020203" pitchFamily="34" charset="0"/>
-              </a:rPr>
-              <a:t>Solène PETY – Meije MATHE – Bryce LETERRIER - Louis OLLIVIER</a:t>
-            </a:r>
-          </a:p>
-          <a:p>
-            <a:pPr algn="ctr"/>
-            <a:r>
-              <a:rPr lang="fr-FR" sz="1600" dirty="0" err="1">
-                <a:solidFill>
-                  <a:schemeClr val="tx1">
-                    <a:lumMod val="75000"/>
-                    <a:lumOff val="25000"/>
-                  </a:schemeClr>
-                </a:solidFill>
-                <a:latin typeface="Bahnschrift SemiBold" panose="020B0502040204020203" pitchFamily="34" charset="0"/>
-              </a:rPr>
-              <a:t>Equipe</a:t>
-            </a:r>
-            <a:r>
-              <a:rPr lang="fr-FR" sz="1600" dirty="0">
-                <a:solidFill>
-                  <a:schemeClr val="tx1">
-                    <a:lumMod val="75000"/>
-                    <a:lumOff val="25000"/>
-                  </a:schemeClr>
-                </a:solidFill>
-                <a:latin typeface="Bahnschrift SemiBold" panose="020B0502040204020203" pitchFamily="34" charset="0"/>
-              </a:rPr>
-              <a:t> </a:t>
-            </a:r>
-            <a:r>
-              <a:rPr lang="fr-FR" sz="1600" dirty="0" err="1">
-                <a:solidFill>
-                  <a:schemeClr val="tx1">
-                    <a:lumMod val="75000"/>
-                    <a:lumOff val="25000"/>
-                  </a:schemeClr>
-                </a:solidFill>
-                <a:latin typeface="Bahnschrift SemiBold" panose="020B0502040204020203" pitchFamily="34" charset="0"/>
-              </a:rPr>
-              <a:t>EnF'R</a:t>
-            </a:r>
-            <a:endParaRPr lang="fr-FR" sz="1600" dirty="0">
-              <a:solidFill>
-                <a:schemeClr val="tx1">
-                  <a:lumMod val="75000"/>
-                  <a:lumOff val="25000"/>
-                </a:schemeClr>
-              </a:solidFill>
-              <a:latin typeface="Bahnschrift SemiBold" panose="020B0502040204020203" pitchFamily="34" charset="0"/>
-            </a:endParaRPr>
-          </a:p>
-          <a:p>
-            <a:pPr algn="ctr"/>
-            <a:endParaRPr lang="fr-FR" sz="1600" dirty="0">
-              <a:solidFill>
-                <a:schemeClr val="tx1">
-                  <a:lumMod val="75000"/>
-                  <a:lumOff val="25000"/>
-                </a:schemeClr>
-              </a:solidFill>
-              <a:latin typeface="Bahnschrift SemiBold" panose="020B0502040204020203" pitchFamily="34" charset="0"/>
-            </a:endParaRPr>
-          </a:p>
-          <a:p>
-            <a:pPr algn="ctr"/>
-            <a:r>
-              <a:rPr lang="fr-FR" sz="1600" dirty="0">
-                <a:solidFill>
-                  <a:schemeClr val="tx1">
-                    <a:lumMod val="75000"/>
-                    <a:lumOff val="25000"/>
-                  </a:schemeClr>
-                </a:solidFill>
-                <a:latin typeface="Bahnschrift SemiBold" panose="020B0502040204020203" pitchFamily="34" charset="0"/>
-              </a:rPr>
-              <a:t> UE 5 - </a:t>
-            </a:r>
-            <a:r>
-              <a:rPr lang="fr-FR" sz="1600" dirty="0" err="1">
-                <a:solidFill>
-                  <a:schemeClr val="tx1">
-                    <a:lumMod val="75000"/>
-                    <a:lumOff val="25000"/>
-                  </a:schemeClr>
-                </a:solidFill>
-                <a:latin typeface="Bahnschrift SemiBold" panose="020B0502040204020203" pitchFamily="34" charset="0"/>
-              </a:rPr>
-              <a:t>Bioinformatique</a:t>
-            </a:r>
-            <a:r>
-              <a:rPr lang="fr-FR" sz="1600" dirty="0">
-                <a:solidFill>
-                  <a:schemeClr val="tx1">
-                    <a:lumMod val="75000"/>
-                    <a:lumOff val="25000"/>
-                  </a:schemeClr>
-                </a:solidFill>
-                <a:latin typeface="Bahnschrift SemiBold" panose="020B0502040204020203" pitchFamily="34" charset="0"/>
-              </a:rPr>
-              <a:t> en sciences </a:t>
-            </a:r>
-            <a:r>
-              <a:rPr lang="fr-FR" sz="1600" dirty="0" err="1">
-                <a:solidFill>
-                  <a:schemeClr val="tx1">
-                    <a:lumMod val="75000"/>
-                    <a:lumOff val="25000"/>
-                  </a:schemeClr>
-                </a:solidFill>
-                <a:latin typeface="Bahnschrift SemiBold" panose="020B0502040204020203" pitchFamily="34" charset="0"/>
-              </a:rPr>
-              <a:t>omiques</a:t>
-            </a:r>
-            <a:r>
-              <a:rPr lang="fr-FR" sz="1600" dirty="0">
-                <a:solidFill>
-                  <a:schemeClr val="tx1">
-                    <a:lumMod val="75000"/>
-                    <a:lumOff val="25000"/>
-                  </a:schemeClr>
-                </a:solidFill>
-                <a:latin typeface="Bahnschrift SemiBold" panose="020B0502040204020203" pitchFamily="34" charset="0"/>
-              </a:rPr>
-              <a:t> 3</a:t>
-            </a:r>
-          </a:p>
-          <a:p>
-            <a:pPr algn="ctr"/>
-            <a:r>
-              <a:rPr lang="fr-FR" sz="1600" dirty="0">
-                <a:solidFill>
-                  <a:schemeClr val="tx1">
-                    <a:lumMod val="75000"/>
-                    <a:lumOff val="25000"/>
-                  </a:schemeClr>
-                </a:solidFill>
-                <a:latin typeface="Bahnschrift SemiBold" panose="020B0502040204020203" pitchFamily="34" charset="0"/>
-              </a:rPr>
-              <a:t>Master 2.1 mention </a:t>
-            </a:r>
-            <a:r>
-              <a:rPr lang="fr-FR" sz="1600" dirty="0" err="1">
-                <a:solidFill>
-                  <a:schemeClr val="tx1">
-                    <a:lumMod val="75000"/>
-                    <a:lumOff val="25000"/>
-                  </a:schemeClr>
-                </a:solidFill>
-                <a:latin typeface="Bahnschrift SemiBold" panose="020B0502040204020203" pitchFamily="34" charset="0"/>
-              </a:rPr>
-              <a:t>Bioinformatique</a:t>
-            </a:r>
-            <a:r>
-              <a:rPr lang="fr-FR" sz="1600" dirty="0">
-                <a:solidFill>
-                  <a:schemeClr val="tx1">
-                    <a:lumMod val="75000"/>
-                    <a:lumOff val="25000"/>
-                  </a:schemeClr>
-                </a:solidFill>
-                <a:latin typeface="Bahnschrift SemiBold" panose="020B0502040204020203" pitchFamily="34" charset="0"/>
-              </a:rPr>
-              <a:t> </a:t>
-            </a:r>
-          </a:p>
-          <a:p>
-            <a:pPr algn="ctr"/>
-            <a:r>
-              <a:rPr lang="fr-FR" sz="1600" dirty="0">
-                <a:solidFill>
-                  <a:schemeClr val="tx1">
-                    <a:lumMod val="75000"/>
-                    <a:lumOff val="25000"/>
-                  </a:schemeClr>
-                </a:solidFill>
-                <a:latin typeface="Bahnschrift SemiBold" panose="020B0502040204020203" pitchFamily="34" charset="0"/>
-              </a:rPr>
-              <a:t>Parcours BIMS </a:t>
-            </a:r>
-          </a:p>
-          <a:p>
-            <a:pPr algn="ctr"/>
-            <a:r>
-              <a:rPr lang="fr-FR" sz="1600" dirty="0">
-                <a:solidFill>
-                  <a:schemeClr val="tx1">
-                    <a:lumMod val="75000"/>
-                    <a:lumOff val="25000"/>
-                  </a:schemeClr>
-                </a:solidFill>
-                <a:latin typeface="Bahnschrift SemiBold" panose="020B0502040204020203" pitchFamily="34" charset="0"/>
-              </a:rPr>
-              <a:t>2021-2023</a:t>
-            </a:r>
-          </a:p>
-          <a:p>
-            <a:pPr algn="ctr"/>
-            <a:endParaRPr lang="fr-FR" sz="1600" dirty="0">
-              <a:solidFill>
-                <a:schemeClr val="tx1">
-                  <a:lumMod val="75000"/>
-                  <a:lumOff val="25000"/>
-                </a:schemeClr>
-              </a:solidFill>
-              <a:latin typeface="Bahnschrift SemiBold" panose="020B0502040204020203" pitchFamily="34" charset="0"/>
-            </a:endParaRPr>
-          </a:p>
-          <a:p>
-            <a:pPr algn="ctr"/>
-            <a:r>
-              <a:rPr lang="fr-FR" sz="1600" dirty="0">
-                <a:solidFill>
-                  <a:schemeClr val="tx1">
-                    <a:lumMod val="75000"/>
-                    <a:lumOff val="25000"/>
-                  </a:schemeClr>
-                </a:solidFill>
-                <a:latin typeface="Bahnschrift SemiBold" panose="020B0502040204020203" pitchFamily="34" charset="0"/>
-              </a:rPr>
-              <a:t>Université de Rouen-Normandie</a:t>
-            </a:r>
-            <a:endParaRPr lang="fr-FR" sz="3600" dirty="0">
-              <a:solidFill>
-                <a:schemeClr val="tx1">
-                  <a:lumMod val="75000"/>
-                  <a:lumOff val="25000"/>
-                </a:schemeClr>
-              </a:solidFill>
-              <a:latin typeface="Bahnschrift SemiBold" panose="020B0502040204020203" pitchFamily="34" charset="0"/>
-            </a:endParaRPr>
-          </a:p>
-        </p:txBody>
-      </p:sp>
-      <p:pic>
-        <p:nvPicPr>
-          <p:cNvPr id="31" name="Image 30" descr="Une image contenant texte&#10;&#10;Description générée automatiquement">
-            <a:extLst>
-              <a:ext uri="{FF2B5EF4-FFF2-40B4-BE49-F238E27FC236}">
-                <a16:creationId xmlns:a16="http://schemas.microsoft.com/office/drawing/2014/main" id="{C8309625-7337-49A9-B7C0-B419D969836C}"/>
-              </a:ext>
-            </a:extLst>
-          </p:cNvPr>
-          <p:cNvPicPr>
-            <a:picLocks noChangeAspect="1"/>
-          </p:cNvPicPr>
-          <p:nvPr/>
-        </p:nvPicPr>
-        <p:blipFill>
-          <a:blip r:embed="rId5">
-            <a:extLst>
-              <a:ext uri="{28A0092B-C50C-407E-A947-70E740481C1C}">
-                <a14:useLocalDpi xmlns:a14="http://schemas.microsoft.com/office/drawing/2010/main" val="0"/>
-              </a:ext>
-            </a:extLst>
-          </a:blip>
-          <a:stretch>
-            <a:fillRect/>
-          </a:stretch>
-        </p:blipFill>
-        <p:spPr>
-          <a:xfrm>
-            <a:off x="894251" y="5808812"/>
-            <a:ext cx="1163815" cy="674618"/>
-          </a:xfrm>
-          <a:prstGeom prst="rect">
-            <a:avLst/>
-          </a:prstGeom>
-        </p:spPr>
-      </p:pic>
-      <p:sp>
-        <p:nvSpPr>
-          <p:cNvPr id="32" name="Rectangle 31">
-            <a:extLst>
-              <a:ext uri="{FF2B5EF4-FFF2-40B4-BE49-F238E27FC236}">
-                <a16:creationId xmlns:a16="http://schemas.microsoft.com/office/drawing/2014/main" id="{14735D23-FAE7-480C-9719-DA80C0B001B9}"/>
-              </a:ext>
-            </a:extLst>
-          </p:cNvPr>
-          <p:cNvSpPr/>
-          <p:nvPr/>
-        </p:nvSpPr>
-        <p:spPr>
-          <a:xfrm>
-            <a:off x="0" y="692266"/>
-            <a:ext cx="12191999" cy="2075004"/>
-          </a:xfrm>
-          <a:prstGeom prst="rect">
-            <a:avLst/>
-          </a:prstGeom>
-          <a:noFill/>
-          <a:ln>
-            <a:solidFill>
-              <a:schemeClr val="tx1"/>
-            </a:solidFill>
-          </a:ln>
-        </p:spPr>
-        <p:style>
-          <a:lnRef idx="2">
-            <a:schemeClr val="accent1">
-              <a:shade val="50000"/>
-            </a:schemeClr>
-          </a:lnRef>
-          <a:fillRef idx="1">
-            <a:schemeClr val="accent1"/>
-          </a:fillRef>
-          <a:effectRef idx="0">
-            <a:schemeClr val="accent1"/>
-          </a:effectRef>
-          <a:fontRef idx="minor">
-            <a:schemeClr val="lt1"/>
-          </a:fontRef>
-        </p:style>
-        <p:txBody>
-          <a:bodyPr rtlCol="0" anchor="ctr"/>
-          <a:lstStyle/>
-          <a:p>
-            <a:pPr algn="ctr"/>
-            <a:endParaRPr lang="fr-FR" dirty="0"/>
-          </a:p>
-        </p:txBody>
-      </p:sp>
-      <p:pic>
-        <p:nvPicPr>
-          <p:cNvPr id="12" name="Image 11">
-            <a:extLst>
-              <a:ext uri="{FF2B5EF4-FFF2-40B4-BE49-F238E27FC236}">
-                <a16:creationId xmlns:a16="http://schemas.microsoft.com/office/drawing/2014/main" id="{1370AF28-27D0-408A-B959-A4F1279BAE75}"/>
-              </a:ext>
-            </a:extLst>
-          </p:cNvPr>
-          <p:cNvPicPr>
-            <a:picLocks noChangeAspect="1"/>
-          </p:cNvPicPr>
-          <p:nvPr/>
-        </p:nvPicPr>
-        <p:blipFill>
-          <a:blip r:embed="rId6">
-            <a:extLst>
-              <a:ext uri="{28A0092B-C50C-407E-A947-70E740481C1C}">
-                <a14:useLocalDpi xmlns:a14="http://schemas.microsoft.com/office/drawing/2010/main" val="0"/>
-              </a:ext>
-            </a:extLst>
-          </a:blip>
-          <a:stretch>
-            <a:fillRect/>
-          </a:stretch>
-        </p:blipFill>
-        <p:spPr>
-          <a:xfrm>
-            <a:off x="9230822" y="3544270"/>
-            <a:ext cx="2109050" cy="1737090"/>
-          </a:xfrm>
-          <a:prstGeom prst="rect">
-            <a:avLst/>
-          </a:prstGeom>
-          <a:effectLst>
-            <a:glow rad="101600">
-              <a:schemeClr val="tx1">
-                <a:alpha val="88000"/>
-              </a:schemeClr>
-            </a:glow>
-          </a:effectLst>
-        </p:spPr>
-      </p:pic>
-    </p:spTree>
-    <p:extLst>
-      <p:ext uri="{BB962C8B-B14F-4D97-AF65-F5344CB8AC3E}">
-        <p14:creationId xmlns:p14="http://schemas.microsoft.com/office/powerpoint/2010/main" val="2770280331"/>
-      </p:ext>
-    </p:extLst>
-  </p:cSld>
-  <p:clrMapOvr>
-    <a:masterClrMapping/>
-  </p:clrMapOvr>
-</p:sld>
-</file>
-
-<file path=ppt/slides/slide10.xml><?xml version="1.0" encoding="utf-8"?>
-<p:sld xmlns:a="http://schemas.openxmlformats.org/drawingml/2006/main" xmlns:r="http://schemas.openxmlformats.org/officeDocument/2006/relationships" xmlns:p="http://schemas.openxmlformats.org/presentationml/2006/main">
-  <p:cSld>
-    <p:spTree>
-      <p:nvGrpSpPr>
-        <p:cNvPr id="1" name=""/>
-        <p:cNvGrpSpPr/>
-        <p:nvPr/>
-      </p:nvGrpSpPr>
-      <p:grpSpPr>
-        <a:xfrm>
-          <a:off x="0" y="0"/>
-          <a:ext cx="0" cy="0"/>
-          <a:chOff x="0" y="0"/>
-          <a:chExt cx="0" cy="0"/>
-        </a:xfrm>
-      </p:grpSpPr>
-      <p:sp>
-        <p:nvSpPr>
-          <p:cNvPr id="2" name="Rectangle 1">
-            <a:extLst>
-              <a:ext uri="{FF2B5EF4-FFF2-40B4-BE49-F238E27FC236}">
-                <a16:creationId xmlns:a16="http://schemas.microsoft.com/office/drawing/2014/main" id="{E6D1ECCB-DA13-4361-A0FF-37DFFF1A2BE8}"/>
-              </a:ext>
-            </a:extLst>
-          </p:cNvPr>
-          <p:cNvSpPr/>
-          <p:nvPr/>
-        </p:nvSpPr>
-        <p:spPr>
-          <a:xfrm>
-            <a:off x="0" y="-6292"/>
-            <a:ext cx="12192000" cy="6864292"/>
-          </a:xfrm>
-          <a:prstGeom prst="rect">
-            <a:avLst/>
-          </a:prstGeom>
-          <a:solidFill>
-            <a:srgbClr val="F1EEE7"/>
-          </a:solidFill>
-          <a:ln>
-            <a:solidFill>
-              <a:srgbClr val="F1EEE7"/>
-            </a:solidFill>
-          </a:ln>
-        </p:spPr>
-        <p:style>
-          <a:lnRef idx="2">
-            <a:schemeClr val="accent1">
-              <a:shade val="50000"/>
-            </a:schemeClr>
-          </a:lnRef>
-          <a:fillRef idx="1">
-            <a:schemeClr val="accent1"/>
-          </a:fillRef>
-          <a:effectRef idx="0">
-            <a:schemeClr val="accent1"/>
-          </a:effectRef>
-          <a:fontRef idx="minor">
-            <a:schemeClr val="lt1"/>
-          </a:fontRef>
-        </p:style>
-        <p:txBody>
-          <a:bodyPr rtlCol="0" anchor="ctr"/>
-          <a:lstStyle/>
-          <a:p>
-            <a:pPr algn="ctr"/>
-            <a:endParaRPr lang="fr-FR" dirty="0"/>
-          </a:p>
-        </p:txBody>
-      </p:sp>
-      <p:grpSp>
-        <p:nvGrpSpPr>
-          <p:cNvPr id="3" name="Groupe 2">
-            <a:extLst>
-              <a:ext uri="{FF2B5EF4-FFF2-40B4-BE49-F238E27FC236}">
-                <a16:creationId xmlns:a16="http://schemas.microsoft.com/office/drawing/2014/main" id="{7CF1AD36-E88E-4250-A2B1-39CD97719446}"/>
-              </a:ext>
-            </a:extLst>
-          </p:cNvPr>
-          <p:cNvGrpSpPr/>
-          <p:nvPr/>
-        </p:nvGrpSpPr>
-        <p:grpSpPr>
-          <a:xfrm>
-            <a:off x="-3627" y="117447"/>
-            <a:ext cx="12214677" cy="436226"/>
-            <a:chOff x="4730" y="117447"/>
-            <a:chExt cx="12192000" cy="436226"/>
-          </a:xfrm>
-        </p:grpSpPr>
-        <p:sp>
-          <p:nvSpPr>
-            <p:cNvPr id="4" name="Rectangle 3">
-              <a:extLst>
-                <a:ext uri="{FF2B5EF4-FFF2-40B4-BE49-F238E27FC236}">
-                  <a16:creationId xmlns:a16="http://schemas.microsoft.com/office/drawing/2014/main" id="{ADE2DA9E-6B7B-42D2-A8E0-7EA881513167}"/>
-                </a:ext>
-              </a:extLst>
-            </p:cNvPr>
-            <p:cNvSpPr/>
-            <p:nvPr/>
-          </p:nvSpPr>
-          <p:spPr>
-            <a:xfrm>
-              <a:off x="4730" y="117447"/>
-              <a:ext cx="12192000" cy="436226"/>
-            </a:xfrm>
-            <a:prstGeom prst="rect">
-              <a:avLst/>
-            </a:prstGeom>
-            <a:solidFill>
-              <a:srgbClr val="E2E2DA"/>
-            </a:solidFill>
-            <a:ln>
-              <a:noFill/>
-            </a:ln>
-          </p:spPr>
-          <p:style>
-            <a:lnRef idx="2">
-              <a:schemeClr val="accent1">
-                <a:shade val="50000"/>
-              </a:schemeClr>
-            </a:lnRef>
-            <a:fillRef idx="1">
-              <a:schemeClr val="accent1"/>
-            </a:fillRef>
-            <a:effectRef idx="0">
-              <a:schemeClr val="accent1"/>
-            </a:effectRef>
-            <a:fontRef idx="minor">
-              <a:schemeClr val="lt1"/>
-            </a:fontRef>
-          </p:style>
-          <p:txBody>
-            <a:bodyPr rtlCol="0" anchor="ctr"/>
-            <a:lstStyle/>
-            <a:p>
-              <a:pPr algn="ctr"/>
-              <a:endParaRPr lang="fr-FR" dirty="0"/>
-            </a:p>
-          </p:txBody>
-        </p:sp>
-        <p:cxnSp>
-          <p:nvCxnSpPr>
-            <p:cNvPr id="6" name="Connecteur droit 5">
-              <a:extLst>
-                <a:ext uri="{FF2B5EF4-FFF2-40B4-BE49-F238E27FC236}">
-                  <a16:creationId xmlns:a16="http://schemas.microsoft.com/office/drawing/2014/main" id="{FE1274EA-B9FB-4CFD-803D-FC5BE333E6BB}"/>
-                </a:ext>
-              </a:extLst>
-            </p:cNvPr>
-            <p:cNvCxnSpPr/>
-            <p:nvPr/>
-          </p:nvCxnSpPr>
-          <p:spPr>
-            <a:xfrm>
-              <a:off x="11224470" y="159282"/>
-              <a:ext cx="0" cy="341563"/>
-            </a:xfrm>
-            <a:prstGeom prst="line">
-              <a:avLst/>
-            </a:prstGeom>
-          </p:spPr>
-          <p:style>
-            <a:lnRef idx="3">
-              <a:schemeClr val="dk1"/>
-            </a:lnRef>
-            <a:fillRef idx="0">
-              <a:schemeClr val="dk1"/>
-            </a:fillRef>
-            <a:effectRef idx="2">
-              <a:schemeClr val="dk1"/>
-            </a:effectRef>
-            <a:fontRef idx="minor">
-              <a:schemeClr val="tx1"/>
-            </a:fontRef>
-          </p:style>
-        </p:cxnSp>
-        <p:sp>
-          <p:nvSpPr>
-            <p:cNvPr id="7" name="ZoneTexte 6">
-              <a:extLst>
-                <a:ext uri="{FF2B5EF4-FFF2-40B4-BE49-F238E27FC236}">
-                  <a16:creationId xmlns:a16="http://schemas.microsoft.com/office/drawing/2014/main" id="{4A9095CA-6CD5-4029-A5E2-C5B9E295799B}"/>
-                </a:ext>
-              </a:extLst>
-            </p:cNvPr>
-            <p:cNvSpPr txBox="1"/>
-            <p:nvPr/>
-          </p:nvSpPr>
-          <p:spPr>
-            <a:xfrm>
-              <a:off x="4870480" y="139216"/>
-              <a:ext cx="4902803" cy="369332"/>
-            </a:xfrm>
-            <a:prstGeom prst="rect">
-              <a:avLst/>
-            </a:prstGeom>
-            <a:noFill/>
-          </p:spPr>
-          <p:txBody>
-            <a:bodyPr wrap="none" rtlCol="0">
-              <a:spAutoFit/>
-            </a:bodyPr>
-            <a:lstStyle/>
-            <a:p>
-              <a:r>
-                <a:rPr lang="fr-FR" dirty="0">
-                  <a:solidFill>
-                    <a:srgbClr val="D23328"/>
-                  </a:solidFill>
-                  <a:latin typeface="Bahnschrift SemiBold" panose="020B0502040204020203" pitchFamily="34" charset="0"/>
-                </a:rPr>
-                <a:t>Code : </a:t>
-              </a:r>
-              <a:r>
-                <a:rPr lang="fr-FR" dirty="0" err="1">
-                  <a:solidFill>
-                    <a:srgbClr val="D23328"/>
-                  </a:solidFill>
-                  <a:latin typeface="Bahnschrift SemiBold" panose="020B0502040204020203" pitchFamily="34" charset="0"/>
-                </a:rPr>
-                <a:t>Protein</a:t>
-              </a:r>
-              <a:r>
-                <a:rPr lang="fr-FR" dirty="0">
-                  <a:solidFill>
-                    <a:srgbClr val="D23328"/>
-                  </a:solidFill>
-                  <a:latin typeface="Bahnschrift SemiBold" panose="020B0502040204020203" pitchFamily="34" charset="0"/>
-                </a:rPr>
-                <a:t> Domain </a:t>
-              </a:r>
-              <a:r>
-                <a:rPr lang="fr-FR" dirty="0" err="1">
-                  <a:solidFill>
-                    <a:srgbClr val="D23328"/>
-                  </a:solidFill>
-                  <a:latin typeface="Bahnschrift SemiBold" panose="020B0502040204020203" pitchFamily="34" charset="0"/>
-                </a:rPr>
-                <a:t>Enrichment</a:t>
-              </a:r>
-              <a:r>
-                <a:rPr lang="fr-FR" dirty="0">
-                  <a:solidFill>
-                    <a:srgbClr val="D23328"/>
-                  </a:solidFill>
-                  <a:latin typeface="Bahnschrift SemiBold" panose="020B0502040204020203" pitchFamily="34" charset="0"/>
-                </a:rPr>
-                <a:t> (onglet 4)  </a:t>
-              </a:r>
-            </a:p>
-          </p:txBody>
-        </p:sp>
-        <p:sp>
-          <p:nvSpPr>
-            <p:cNvPr id="8" name="ZoneTexte 7">
-              <a:extLst>
-                <a:ext uri="{FF2B5EF4-FFF2-40B4-BE49-F238E27FC236}">
-                  <a16:creationId xmlns:a16="http://schemas.microsoft.com/office/drawing/2014/main" id="{171377C6-D786-4D9E-A23D-4635925A112D}"/>
-                </a:ext>
-              </a:extLst>
-            </p:cNvPr>
-            <p:cNvSpPr txBox="1"/>
-            <p:nvPr/>
-          </p:nvSpPr>
-          <p:spPr>
-            <a:xfrm>
-              <a:off x="11384268" y="134226"/>
-              <a:ext cx="685132" cy="369332"/>
-            </a:xfrm>
-            <a:prstGeom prst="rect">
-              <a:avLst/>
-            </a:prstGeom>
-            <a:noFill/>
-          </p:spPr>
-          <p:txBody>
-            <a:bodyPr wrap="none" rtlCol="0">
-              <a:spAutoFit/>
-            </a:bodyPr>
-            <a:lstStyle/>
-            <a:p>
-              <a:r>
-                <a:rPr lang="fr-FR" dirty="0">
-                  <a:solidFill>
-                    <a:srgbClr val="D23328"/>
-                  </a:solidFill>
-                  <a:latin typeface="Bahnschrift SemiBold" panose="020B0502040204020203" pitchFamily="34" charset="0"/>
-                </a:rPr>
-                <a:t>7/xx </a:t>
-              </a:r>
-            </a:p>
-          </p:txBody>
-        </p:sp>
-        <p:cxnSp>
-          <p:nvCxnSpPr>
-            <p:cNvPr id="9" name="Connecteur droit 8">
-              <a:extLst>
-                <a:ext uri="{FF2B5EF4-FFF2-40B4-BE49-F238E27FC236}">
-                  <a16:creationId xmlns:a16="http://schemas.microsoft.com/office/drawing/2014/main" id="{1397F953-2F02-4C72-9188-790D6B16EA4F}"/>
-                </a:ext>
-              </a:extLst>
-            </p:cNvPr>
-            <p:cNvCxnSpPr/>
-            <p:nvPr/>
-          </p:nvCxnSpPr>
-          <p:spPr>
-            <a:xfrm>
-              <a:off x="2550253" y="173166"/>
-              <a:ext cx="0" cy="341563"/>
-            </a:xfrm>
-            <a:prstGeom prst="line">
-              <a:avLst/>
-            </a:prstGeom>
-          </p:spPr>
-          <p:style>
-            <a:lnRef idx="3">
-              <a:schemeClr val="dk1"/>
-            </a:lnRef>
-            <a:fillRef idx="0">
-              <a:schemeClr val="dk1"/>
-            </a:fillRef>
-            <a:effectRef idx="2">
-              <a:schemeClr val="dk1"/>
-            </a:effectRef>
-            <a:fontRef idx="minor">
-              <a:schemeClr val="tx1"/>
-            </a:fontRef>
-          </p:style>
-        </p:cxnSp>
-      </p:grpSp>
-      <p:sp>
-        <p:nvSpPr>
-          <p:cNvPr id="10" name="ZoneTexte 9">
-            <a:extLst>
-              <a:ext uri="{FF2B5EF4-FFF2-40B4-BE49-F238E27FC236}">
-                <a16:creationId xmlns:a16="http://schemas.microsoft.com/office/drawing/2014/main" id="{60A69FB0-BCBD-4558-9898-9BF40D0FC055}"/>
-              </a:ext>
-            </a:extLst>
-          </p:cNvPr>
-          <p:cNvSpPr txBox="1"/>
-          <p:nvPr/>
-        </p:nvSpPr>
-        <p:spPr>
-          <a:xfrm>
-            <a:off x="347421" y="145397"/>
-            <a:ext cx="1851789" cy="369332"/>
+            <a:off x="2828152" y="1224138"/>
+            <a:ext cx="6527043" cy="2308324"/>
           </a:xfrm>
           <a:prstGeom prst="rect">
             <a:avLst/>
@@ -5699,21 +4568,166 @@
           <a:lstStyle/>
           <a:p>
             <a:r>
+              <a:rPr lang="fr-FR" dirty="0" err="1">
+                <a:highlight>
+                  <a:srgbClr val="FFFF00"/>
+                </a:highlight>
+              </a:rPr>
+              <a:t>A</a:t>
+            </a:r>
+            <a:r>
               <a:rPr lang="fr-FR" dirty="0">
-                <a:solidFill>
-                  <a:srgbClr val="D23328"/>
-                </a:solidFill>
-                <a:latin typeface="Bahnschrift SemiBold" panose="020B0502040204020203" pitchFamily="34" charset="0"/>
+                <a:highlight>
+                  <a:srgbClr val="FFFF00"/>
+                </a:highlight>
               </a:rPr>
-              <a:t>Développement </a:t>
+              <a:t> FINIR =&gt; </a:t>
             </a:r>
+          </a:p>
+          <a:p>
+            <a:endParaRPr lang="fr-FR" dirty="0">
+              <a:highlight>
+                <a:srgbClr val="FFFF00"/>
+              </a:highlight>
+            </a:endParaRPr>
+          </a:p>
+          <a:p>
+            <a:endParaRPr lang="fr-FR" dirty="0">
+              <a:highlight>
+                <a:srgbClr val="FFFF00"/>
+              </a:highlight>
+            </a:endParaRPr>
+          </a:p>
+          <a:p>
+            <a:pPr marL="285750" indent="-285750">
+              <a:buFont typeface="Wingdings" panose="05000000000000000000" pitchFamily="2" charset="2"/>
+              <a:buChar char="à"/>
+            </a:pPr>
+            <a:r>
+              <a:rPr lang="fr-FR" dirty="0">
+                <a:highlight>
+                  <a:srgbClr val="FFFF00"/>
+                </a:highlight>
+              </a:rPr>
+              <a:t>Screen de chaque code + commentaires </a:t>
+            </a:r>
+          </a:p>
+          <a:p>
+            <a:pPr marL="285750" indent="-285750">
+              <a:buFont typeface="Wingdings" panose="05000000000000000000" pitchFamily="2" charset="2"/>
+              <a:buChar char="à"/>
+            </a:pPr>
+            <a:endParaRPr lang="fr-FR" dirty="0">
+              <a:highlight>
+                <a:srgbClr val="FFFF00"/>
+              </a:highlight>
+            </a:endParaRPr>
+          </a:p>
+          <a:p>
+            <a:pPr marL="285750" indent="-285750">
+              <a:buFont typeface="Wingdings" panose="05000000000000000000" pitchFamily="2" charset="2"/>
+              <a:buChar char="à"/>
+            </a:pPr>
+            <a:r>
+              <a:rPr lang="fr-FR" dirty="0">
+                <a:highlight>
+                  <a:srgbClr val="FFFF00"/>
+                </a:highlight>
+              </a:rPr>
+              <a:t>Diapo perspectives ? : </a:t>
+            </a:r>
+            <a:r>
+              <a:rPr lang="fr-FR" dirty="0" err="1">
+                <a:highlight>
+                  <a:srgbClr val="FFFF00"/>
+                </a:highlight>
+              </a:rPr>
+              <a:t>deployer</a:t>
+            </a:r>
+            <a:r>
+              <a:rPr lang="fr-FR" dirty="0">
+                <a:highlight>
+                  <a:srgbClr val="FFFF00"/>
+                </a:highlight>
+              </a:rPr>
+              <a:t> sur site </a:t>
+            </a:r>
+            <a:r>
+              <a:rPr lang="fr-FR" dirty="0" err="1">
+                <a:highlight>
+                  <a:srgbClr val="FFFF00"/>
+                </a:highlight>
+              </a:rPr>
+              <a:t>webp</a:t>
+            </a:r>
+            <a:r>
+              <a:rPr lang="fr-FR" dirty="0">
+                <a:highlight>
+                  <a:srgbClr val="FFFF00"/>
+                </a:highlight>
+              </a:rPr>
+              <a:t> </a:t>
+            </a:r>
+            <a:r>
+              <a:rPr lang="fr-FR" dirty="0" err="1">
+                <a:highlight>
+                  <a:srgbClr val="FFFF00"/>
+                </a:highlight>
+              </a:rPr>
+              <a:t>our</a:t>
+            </a:r>
+            <a:r>
+              <a:rPr lang="fr-FR" dirty="0">
+                <a:highlight>
+                  <a:srgbClr val="FFFF00"/>
+                </a:highlight>
+              </a:rPr>
+              <a:t> usage + simple</a:t>
+            </a:r>
+          </a:p>
+          <a:p>
+            <a:pPr marL="285750" indent="-285750">
+              <a:buFont typeface="Wingdings" panose="05000000000000000000" pitchFamily="2" charset="2"/>
+              <a:buChar char="à"/>
+            </a:pPr>
+            <a:r>
+              <a:rPr lang="fr-FR" dirty="0">
+                <a:highlight>
+                  <a:srgbClr val="FFFF00"/>
+                </a:highlight>
+              </a:rPr>
+              <a:t>Autre fonctionnalités (new id </a:t>
+            </a:r>
+            <a:r>
+              <a:rPr lang="fr-FR" dirty="0" err="1">
+                <a:highlight>
+                  <a:srgbClr val="FFFF00"/>
+                </a:highlight>
+              </a:rPr>
+              <a:t>etc</a:t>
+            </a:r>
+            <a:r>
+              <a:rPr lang="fr-FR" dirty="0">
+                <a:highlight>
+                  <a:srgbClr val="FFFF00"/>
+                </a:highlight>
+              </a:rPr>
+              <a:t>) ? </a:t>
+            </a:r>
+          </a:p>
+          <a:p>
+            <a:endParaRPr lang="fr-FR" dirty="0">
+              <a:highlight>
+                <a:srgbClr val="FFFF00"/>
+              </a:highlight>
+            </a:endParaRPr>
           </a:p>
         </p:txBody>
       </p:sp>
     </p:spTree>
     <p:extLst>
       <p:ext uri="{BB962C8B-B14F-4D97-AF65-F5344CB8AC3E}">
-        <p14:creationId xmlns:p14="http://schemas.microsoft.com/office/powerpoint/2010/main" val="1947724695"/>
+        <p14:creationId xmlns:p14="http://schemas.microsoft.com/office/powerpoint/2010/main" val="3940468921"/>
       </p:ext>
     </p:extLst>
   </p:cSld>
@@ -5723,366 +4737,7 @@
 </p:sld>
 </file>
 
-<file path=ppt/slides/slide11.xml><?xml version="1.0" encoding="utf-8"?>
-<p:sld xmlns:a="http://schemas.openxmlformats.org/drawingml/2006/main" xmlns:r="http://schemas.openxmlformats.org/officeDocument/2006/relationships" xmlns:p="http://schemas.openxmlformats.org/presentationml/2006/main">
-  <p:cSld>
-    <p:spTree>
-      <p:nvGrpSpPr>
-        <p:cNvPr id="1" name=""/>
-        <p:cNvGrpSpPr/>
-        <p:nvPr/>
-      </p:nvGrpSpPr>
-      <p:grpSpPr>
-        <a:xfrm>
-          <a:off x="0" y="0"/>
-          <a:ext cx="0" cy="0"/>
-          <a:chOff x="0" y="0"/>
-          <a:chExt cx="0" cy="0"/>
-        </a:xfrm>
-      </p:grpSpPr>
-      <p:sp>
-        <p:nvSpPr>
-          <p:cNvPr id="2" name="Rectangle 1">
-            <a:extLst>
-              <a:ext uri="{FF2B5EF4-FFF2-40B4-BE49-F238E27FC236}">
-                <a16:creationId xmlns:a16="http://schemas.microsoft.com/office/drawing/2014/main" id="{E6D1ECCB-DA13-4361-A0FF-37DFFF1A2BE8}"/>
-              </a:ext>
-            </a:extLst>
-          </p:cNvPr>
-          <p:cNvSpPr/>
-          <p:nvPr/>
-        </p:nvSpPr>
-        <p:spPr>
-          <a:xfrm>
-            <a:off x="0" y="-6292"/>
-            <a:ext cx="12192000" cy="6864292"/>
-          </a:xfrm>
-          <a:prstGeom prst="rect">
-            <a:avLst/>
-          </a:prstGeom>
-          <a:solidFill>
-            <a:srgbClr val="F1EEE7"/>
-          </a:solidFill>
-          <a:ln>
-            <a:solidFill>
-              <a:srgbClr val="F1EEE7"/>
-            </a:solidFill>
-          </a:ln>
-        </p:spPr>
-        <p:style>
-          <a:lnRef idx="2">
-            <a:schemeClr val="accent1">
-              <a:shade val="50000"/>
-            </a:schemeClr>
-          </a:lnRef>
-          <a:fillRef idx="1">
-            <a:schemeClr val="accent1"/>
-          </a:fillRef>
-          <a:effectRef idx="0">
-            <a:schemeClr val="accent1"/>
-          </a:effectRef>
-          <a:fontRef idx="minor">
-            <a:schemeClr val="lt1"/>
-          </a:fontRef>
-        </p:style>
-        <p:txBody>
-          <a:bodyPr rtlCol="0" anchor="ctr"/>
-          <a:lstStyle/>
-          <a:p>
-            <a:pPr algn="ctr"/>
-            <a:r>
-              <a:rPr lang="fr-FR" dirty="0">
-                <a:solidFill>
-                  <a:srgbClr val="FF0000"/>
-                </a:solidFill>
-                <a:highlight>
-                  <a:srgbClr val="FFFF00"/>
-                </a:highlight>
-              </a:rPr>
-              <a:t>Ce qui a été recodé à la main ? </a:t>
-            </a:r>
-          </a:p>
-        </p:txBody>
-      </p:sp>
-      <p:grpSp>
-        <p:nvGrpSpPr>
-          <p:cNvPr id="3" name="Groupe 2">
-            <a:extLst>
-              <a:ext uri="{FF2B5EF4-FFF2-40B4-BE49-F238E27FC236}">
-                <a16:creationId xmlns:a16="http://schemas.microsoft.com/office/drawing/2014/main" id="{7CF1AD36-E88E-4250-A2B1-39CD97719446}"/>
-              </a:ext>
-            </a:extLst>
-          </p:cNvPr>
-          <p:cNvGrpSpPr/>
-          <p:nvPr/>
-        </p:nvGrpSpPr>
-        <p:grpSpPr>
-          <a:xfrm>
-            <a:off x="-3627" y="117447"/>
-            <a:ext cx="12214677" cy="436226"/>
-            <a:chOff x="4730" y="117447"/>
-            <a:chExt cx="12192000" cy="436226"/>
-          </a:xfrm>
-        </p:grpSpPr>
-        <p:sp>
-          <p:nvSpPr>
-            <p:cNvPr id="4" name="Rectangle 3">
-              <a:extLst>
-                <a:ext uri="{FF2B5EF4-FFF2-40B4-BE49-F238E27FC236}">
-                  <a16:creationId xmlns:a16="http://schemas.microsoft.com/office/drawing/2014/main" id="{ADE2DA9E-6B7B-42D2-A8E0-7EA881513167}"/>
-                </a:ext>
-              </a:extLst>
-            </p:cNvPr>
-            <p:cNvSpPr/>
-            <p:nvPr/>
-          </p:nvSpPr>
-          <p:spPr>
-            <a:xfrm>
-              <a:off x="4730" y="117447"/>
-              <a:ext cx="12192000" cy="436226"/>
-            </a:xfrm>
-            <a:prstGeom prst="rect">
-              <a:avLst/>
-            </a:prstGeom>
-            <a:solidFill>
-              <a:srgbClr val="E2E2DA"/>
-            </a:solidFill>
-            <a:ln>
-              <a:noFill/>
-            </a:ln>
-          </p:spPr>
-          <p:style>
-            <a:lnRef idx="2">
-              <a:schemeClr val="accent1">
-                <a:shade val="50000"/>
-              </a:schemeClr>
-            </a:lnRef>
-            <a:fillRef idx="1">
-              <a:schemeClr val="accent1"/>
-            </a:fillRef>
-            <a:effectRef idx="0">
-              <a:schemeClr val="accent1"/>
-            </a:effectRef>
-            <a:fontRef idx="minor">
-              <a:schemeClr val="lt1"/>
-            </a:fontRef>
-          </p:style>
-          <p:txBody>
-            <a:bodyPr rtlCol="0" anchor="ctr"/>
-            <a:lstStyle/>
-            <a:p>
-              <a:pPr algn="ctr"/>
-              <a:endParaRPr lang="fr-FR" dirty="0"/>
-            </a:p>
-          </p:txBody>
-        </p:sp>
-        <p:cxnSp>
-          <p:nvCxnSpPr>
-            <p:cNvPr id="6" name="Connecteur droit 5">
-              <a:extLst>
-                <a:ext uri="{FF2B5EF4-FFF2-40B4-BE49-F238E27FC236}">
-                  <a16:creationId xmlns:a16="http://schemas.microsoft.com/office/drawing/2014/main" id="{FE1274EA-B9FB-4CFD-803D-FC5BE333E6BB}"/>
-                </a:ext>
-              </a:extLst>
-            </p:cNvPr>
-            <p:cNvCxnSpPr/>
-            <p:nvPr/>
-          </p:nvCxnSpPr>
-          <p:spPr>
-            <a:xfrm>
-              <a:off x="11224470" y="159282"/>
-              <a:ext cx="0" cy="341563"/>
-            </a:xfrm>
-            <a:prstGeom prst="line">
-              <a:avLst/>
-            </a:prstGeom>
-          </p:spPr>
-          <p:style>
-            <a:lnRef idx="3">
-              <a:schemeClr val="dk1"/>
-            </a:lnRef>
-            <a:fillRef idx="0">
-              <a:schemeClr val="dk1"/>
-            </a:fillRef>
-            <a:effectRef idx="2">
-              <a:schemeClr val="dk1"/>
-            </a:effectRef>
-            <a:fontRef idx="minor">
-              <a:schemeClr val="tx1"/>
-            </a:fontRef>
-          </p:style>
-        </p:cxnSp>
-        <p:sp>
-          <p:nvSpPr>
-            <p:cNvPr id="7" name="ZoneTexte 6">
-              <a:extLst>
-                <a:ext uri="{FF2B5EF4-FFF2-40B4-BE49-F238E27FC236}">
-                  <a16:creationId xmlns:a16="http://schemas.microsoft.com/office/drawing/2014/main" id="{4A9095CA-6CD5-4029-A5E2-C5B9E295799B}"/>
-                </a:ext>
-              </a:extLst>
-            </p:cNvPr>
-            <p:cNvSpPr txBox="1"/>
-            <p:nvPr/>
-          </p:nvSpPr>
-          <p:spPr>
-            <a:xfrm>
-              <a:off x="4870480" y="139216"/>
-              <a:ext cx="814734" cy="369332"/>
-            </a:xfrm>
-            <a:prstGeom prst="rect">
-              <a:avLst/>
-            </a:prstGeom>
-            <a:noFill/>
-          </p:spPr>
-          <p:txBody>
-            <a:bodyPr wrap="none" rtlCol="0">
-              <a:spAutoFit/>
-            </a:bodyPr>
-            <a:lstStyle/>
-            <a:p>
-              <a:r>
-                <a:rPr lang="fr-FR" dirty="0">
-                  <a:solidFill>
-                    <a:srgbClr val="D23328"/>
-                  </a:solidFill>
-                  <a:latin typeface="Bahnschrift SemiBold" panose="020B0502040204020203" pitchFamily="34" charset="0"/>
-                </a:rPr>
-                <a:t>Code :</a:t>
-              </a:r>
-            </a:p>
-          </p:txBody>
-        </p:sp>
-        <p:sp>
-          <p:nvSpPr>
-            <p:cNvPr id="8" name="ZoneTexte 7">
-              <a:extLst>
-                <a:ext uri="{FF2B5EF4-FFF2-40B4-BE49-F238E27FC236}">
-                  <a16:creationId xmlns:a16="http://schemas.microsoft.com/office/drawing/2014/main" id="{171377C6-D786-4D9E-A23D-4635925A112D}"/>
-                </a:ext>
-              </a:extLst>
-            </p:cNvPr>
-            <p:cNvSpPr txBox="1"/>
-            <p:nvPr/>
-          </p:nvSpPr>
-          <p:spPr>
-            <a:xfrm>
-              <a:off x="11384268" y="134226"/>
-              <a:ext cx="685132" cy="369332"/>
-            </a:xfrm>
-            <a:prstGeom prst="rect">
-              <a:avLst/>
-            </a:prstGeom>
-            <a:noFill/>
-          </p:spPr>
-          <p:txBody>
-            <a:bodyPr wrap="none" rtlCol="0">
-              <a:spAutoFit/>
-            </a:bodyPr>
-            <a:lstStyle/>
-            <a:p>
-              <a:r>
-                <a:rPr lang="fr-FR" dirty="0">
-                  <a:solidFill>
-                    <a:srgbClr val="D23328"/>
-                  </a:solidFill>
-                  <a:latin typeface="Bahnschrift SemiBold" panose="020B0502040204020203" pitchFamily="34" charset="0"/>
-                </a:rPr>
-                <a:t>7/xx </a:t>
-              </a:r>
-            </a:p>
-          </p:txBody>
-        </p:sp>
-        <p:cxnSp>
-          <p:nvCxnSpPr>
-            <p:cNvPr id="9" name="Connecteur droit 8">
-              <a:extLst>
-                <a:ext uri="{FF2B5EF4-FFF2-40B4-BE49-F238E27FC236}">
-                  <a16:creationId xmlns:a16="http://schemas.microsoft.com/office/drawing/2014/main" id="{1397F953-2F02-4C72-9188-790D6B16EA4F}"/>
-                </a:ext>
-              </a:extLst>
-            </p:cNvPr>
-            <p:cNvCxnSpPr/>
-            <p:nvPr/>
-          </p:nvCxnSpPr>
-          <p:spPr>
-            <a:xfrm>
-              <a:off x="2550253" y="173166"/>
-              <a:ext cx="0" cy="341563"/>
-            </a:xfrm>
-            <a:prstGeom prst="line">
-              <a:avLst/>
-            </a:prstGeom>
-          </p:spPr>
-          <p:style>
-            <a:lnRef idx="3">
-              <a:schemeClr val="dk1"/>
-            </a:lnRef>
-            <a:fillRef idx="0">
-              <a:schemeClr val="dk1"/>
-            </a:fillRef>
-            <a:effectRef idx="2">
-              <a:schemeClr val="dk1"/>
-            </a:effectRef>
-            <a:fontRef idx="minor">
-              <a:schemeClr val="tx1"/>
-            </a:fontRef>
-          </p:style>
-        </p:cxnSp>
-      </p:grpSp>
-      <p:sp>
-        <p:nvSpPr>
-          <p:cNvPr id="10" name="ZoneTexte 9">
-            <a:extLst>
-              <a:ext uri="{FF2B5EF4-FFF2-40B4-BE49-F238E27FC236}">
-                <a16:creationId xmlns:a16="http://schemas.microsoft.com/office/drawing/2014/main" id="{60A69FB0-BCBD-4558-9898-9BF40D0FC055}"/>
-              </a:ext>
-            </a:extLst>
-          </p:cNvPr>
-          <p:cNvSpPr txBox="1"/>
-          <p:nvPr/>
-        </p:nvSpPr>
-        <p:spPr>
-          <a:xfrm>
-            <a:off x="347421" y="145397"/>
-            <a:ext cx="1851789" cy="369332"/>
-          </a:xfrm>
-          <a:prstGeom prst="rect">
-            <a:avLst/>
-          </a:prstGeom>
-          <a:noFill/>
-        </p:spPr>
-        <p:txBody>
-          <a:bodyPr wrap="none" rtlCol="0">
-            <a:spAutoFit/>
-          </a:bodyPr>
-          <a:lstStyle/>
-          <a:p>
-            <a:r>
-              <a:rPr lang="fr-FR" dirty="0">
-                <a:solidFill>
-                  <a:srgbClr val="D23328"/>
-                </a:solidFill>
-                <a:latin typeface="Bahnschrift SemiBold" panose="020B0502040204020203" pitchFamily="34" charset="0"/>
-              </a:rPr>
-              <a:t>Développement </a:t>
-            </a:r>
-          </a:p>
-        </p:txBody>
-      </p:sp>
-    </p:spTree>
-    <p:extLst>
-      <p:ext uri="{BB962C8B-B14F-4D97-AF65-F5344CB8AC3E}">
-        <p14:creationId xmlns:p14="http://schemas.microsoft.com/office/powerpoint/2010/main" val="2583932928"/>
-      </p:ext>
-    </p:extLst>
-  </p:cSld>
-  <p:clrMapOvr>
-    <a:masterClrMapping/>
-  </p:clrMapOvr>
-</p:sld>
-</file>
-
-<file path=ppt/slides/slide12.xml><?xml version="1.0" encoding="utf-8"?>
+<file path=ppt/slides/slide10.xml><?xml version="1.0" encoding="utf-8"?>
 <p:sld xmlns:a="http://schemas.openxmlformats.org/drawingml/2006/main" xmlns:r="http://schemas.openxmlformats.org/officeDocument/2006/relationships" xmlns:p="http://schemas.openxmlformats.org/presentationml/2006/main">
   <p:cSld>
     <p:spTree>
@@ -6167,7 +4822,7 @@
         </p:nvGrpSpPr>
         <p:grpSpPr>
           <a:xfrm>
-            <a:off x="-3627" y="117447"/>
+            <a:off x="-13152" y="117447"/>
             <a:ext cx="12214677" cy="436226"/>
             <a:chOff x="4730" y="117447"/>
             <a:chExt cx="12192000" cy="436226"/>
@@ -6316,7 +4971,7 @@
           <p:spPr>
             <a:xfrm>
               <a:off x="11384268" y="134226"/>
-              <a:ext cx="699532" cy="369332"/>
+              <a:ext cx="581130" cy="369332"/>
             </a:xfrm>
             <a:prstGeom prst="rect">
               <a:avLst/>
@@ -6336,7 +4991,7 @@
                   </a:solidFill>
                   <a:latin typeface="Bahnschrift SemiBold" panose="020B0502040204020203" pitchFamily="34" charset="0"/>
                 </a:rPr>
-                <a:t>8/xx </a:t>
+                <a:t>8/9 </a:t>
               </a:r>
             </a:p>
           </p:txBody>
@@ -6576,7 +5231,7 @@
 </p:sld>
 </file>
 
-<file path=ppt/slides/slide13.xml><?xml version="1.0" encoding="utf-8"?>
+<file path=ppt/slides/slide11.xml><?xml version="1.0" encoding="utf-8"?>
 <p:sld xmlns:a="http://schemas.openxmlformats.org/drawingml/2006/main" xmlns:r="http://schemas.openxmlformats.org/officeDocument/2006/relationships" xmlns:p="http://schemas.openxmlformats.org/presentationml/2006/main">
   <p:cSld>
     <p:spTree>
@@ -6849,8 +5504,8 @@
           </p:nvSpPr>
           <p:spPr>
             <a:xfrm>
-              <a:off x="11314527" y="142749"/>
-              <a:ext cx="688332" cy="369332"/>
+              <a:off x="11411588" y="134226"/>
+              <a:ext cx="569930" cy="369332"/>
             </a:xfrm>
             <a:prstGeom prst="rect">
               <a:avLst/>
@@ -6870,7 +5525,7 @@
                   </a:solidFill>
                   <a:latin typeface="Bahnschrift SemiBold" panose="020B0502040204020203" pitchFamily="34" charset="0"/>
                 </a:rPr>
-                <a:t>9/xx </a:t>
+                <a:t>9/9 </a:t>
               </a:r>
             </a:p>
           </p:txBody>
@@ -8338,7 +6993,7 @@
 </p:sld>
 </file>
 
-<file path=ppt/slides/slide14.xml><?xml version="1.0" encoding="utf-8"?>
+<file path=ppt/slides/slide12.xml><?xml version="1.0" encoding="utf-8"?>
 <p:sld xmlns:a="http://schemas.openxmlformats.org/drawingml/2006/main" xmlns:r="http://schemas.openxmlformats.org/officeDocument/2006/relationships" xmlns:p="http://schemas.openxmlformats.org/presentationml/2006/main">
   <p:cSld>
     <p:spTree>
@@ -8525,10 +7180,228 @@
       </p:grpSpPr>
       <p:sp>
         <p:nvSpPr>
-          <p:cNvPr id="4" name="ZoneTexte 3">
+          <p:cNvPr id="4" name="Rectangle 3">
             <a:extLst>
               <a:ext uri="{FF2B5EF4-FFF2-40B4-BE49-F238E27FC236}">
-                <a16:creationId xmlns:a16="http://schemas.microsoft.com/office/drawing/2014/main" id="{C768643F-791F-454C-9683-490CC33668F4}"/>
+                <a16:creationId xmlns:a16="http://schemas.microsoft.com/office/drawing/2014/main" id="{BF802A63-5D95-4EDA-8D03-51ED78011B3A}"/>
+              </a:ext>
+            </a:extLst>
+          </p:cNvPr>
+          <p:cNvSpPr/>
+          <p:nvPr/>
+        </p:nvSpPr>
+        <p:spPr>
+          <a:xfrm>
+            <a:off x="-1" y="0"/>
+            <a:ext cx="12192000" cy="6864292"/>
+          </a:xfrm>
+          <a:prstGeom prst="rect">
+            <a:avLst/>
+          </a:prstGeom>
+          <a:solidFill>
+            <a:srgbClr val="F1EEE7"/>
+          </a:solidFill>
+          <a:ln>
+            <a:solidFill>
+              <a:srgbClr val="F1EEE7"/>
+            </a:solidFill>
+          </a:ln>
+        </p:spPr>
+        <p:style>
+          <a:lnRef idx="2">
+            <a:schemeClr val="accent1">
+              <a:shade val="50000"/>
+            </a:schemeClr>
+          </a:lnRef>
+          <a:fillRef idx="1">
+            <a:schemeClr val="accent1"/>
+          </a:fillRef>
+          <a:effectRef idx="0">
+            <a:schemeClr val="accent1"/>
+          </a:effectRef>
+          <a:fontRef idx="minor">
+            <a:schemeClr val="lt1"/>
+          </a:fontRef>
+        </p:style>
+        <p:txBody>
+          <a:bodyPr rtlCol="0" anchor="ctr"/>
+          <a:lstStyle/>
+          <a:p>
+            <a:pPr algn="ctr"/>
+            <a:endParaRPr lang="fr-FR" dirty="0">
+              <a:solidFill>
+                <a:schemeClr val="tx1"/>
+              </a:solidFill>
+            </a:endParaRPr>
+          </a:p>
+        </p:txBody>
+      </p:sp>
+      <p:sp>
+        <p:nvSpPr>
+          <p:cNvPr id="7" name="Rectangle 6">
+            <a:extLst>
+              <a:ext uri="{FF2B5EF4-FFF2-40B4-BE49-F238E27FC236}">
+                <a16:creationId xmlns:a16="http://schemas.microsoft.com/office/drawing/2014/main" id="{3CA5672D-F3A4-4DF4-B448-98D7F6769A1F}"/>
+              </a:ext>
+            </a:extLst>
+          </p:cNvPr>
+          <p:cNvSpPr/>
+          <p:nvPr/>
+        </p:nvSpPr>
+        <p:spPr>
+          <a:xfrm>
+            <a:off x="-1" y="682673"/>
+            <a:ext cx="12192000" cy="2084597"/>
+          </a:xfrm>
+          <a:prstGeom prst="rect">
+            <a:avLst/>
+          </a:prstGeom>
+          <a:solidFill>
+            <a:srgbClr val="E2E2DA"/>
+          </a:solidFill>
+          <a:ln>
+            <a:noFill/>
+          </a:ln>
+        </p:spPr>
+        <p:style>
+          <a:lnRef idx="2">
+            <a:schemeClr val="accent1">
+              <a:shade val="50000"/>
+            </a:schemeClr>
+          </a:lnRef>
+          <a:fillRef idx="1">
+            <a:schemeClr val="accent1"/>
+          </a:fillRef>
+          <a:effectRef idx="0">
+            <a:schemeClr val="accent1"/>
+          </a:effectRef>
+          <a:fontRef idx="minor">
+            <a:schemeClr val="lt1"/>
+          </a:fontRef>
+        </p:style>
+        <p:txBody>
+          <a:bodyPr rtlCol="0" anchor="ctr"/>
+          <a:lstStyle/>
+          <a:p>
+            <a:pPr algn="ctr"/>
+            <a:endParaRPr lang="fr-FR" dirty="0"/>
+          </a:p>
+        </p:txBody>
+      </p:sp>
+      <p:pic>
+        <p:nvPicPr>
+          <p:cNvPr id="14" name="Image 13" descr="Une image contenant texte&#10;&#10;Description générée automatiquement">
+            <a:extLst>
+              <a:ext uri="{FF2B5EF4-FFF2-40B4-BE49-F238E27FC236}">
+                <a16:creationId xmlns:a16="http://schemas.microsoft.com/office/drawing/2014/main" id="{44270936-3AEC-470F-B7B6-3742AEDF4D05}"/>
+              </a:ext>
+            </a:extLst>
+          </p:cNvPr>
+          <p:cNvPicPr>
+            <a:picLocks noChangeAspect="1"/>
+          </p:cNvPicPr>
+          <p:nvPr/>
+        </p:nvPicPr>
+        <p:blipFill>
+          <a:blip r:embed="rId2">
+            <a:extLst>
+              <a:ext uri="{28A0092B-C50C-407E-A947-70E740481C1C}">
+                <a14:useLocalDpi xmlns:a14="http://schemas.microsoft.com/office/drawing/2010/main" val="0"/>
+              </a:ext>
+            </a:extLst>
+          </a:blip>
+          <a:stretch>
+            <a:fillRect/>
+          </a:stretch>
+        </p:blipFill>
+        <p:spPr>
+          <a:xfrm>
+            <a:off x="7214841" y="5794749"/>
+            <a:ext cx="1670689" cy="688681"/>
+          </a:xfrm>
+          <a:prstGeom prst="rect">
+            <a:avLst/>
+          </a:prstGeom>
+        </p:spPr>
+      </p:pic>
+      <p:pic>
+        <p:nvPicPr>
+          <p:cNvPr id="24" name="Image 23" descr="Une image contenant texte&#10;&#10;Description générée automatiquement">
+            <a:extLst>
+              <a:ext uri="{FF2B5EF4-FFF2-40B4-BE49-F238E27FC236}">
+                <a16:creationId xmlns:a16="http://schemas.microsoft.com/office/drawing/2014/main" id="{4B599815-784B-4FEA-A61F-12E63750DB39}"/>
+              </a:ext>
+            </a:extLst>
+          </p:cNvPr>
+          <p:cNvPicPr>
+            <a:picLocks noChangeAspect="1"/>
+          </p:cNvPicPr>
+          <p:nvPr/>
+        </p:nvPicPr>
+        <p:blipFill>
+          <a:blip r:embed="rId3">
+            <a:extLst>
+              <a:ext uri="{28A0092B-C50C-407E-A947-70E740481C1C}">
+                <a14:useLocalDpi xmlns:a14="http://schemas.microsoft.com/office/drawing/2010/main" val="0"/>
+              </a:ext>
+            </a:extLst>
+          </a:blip>
+          <a:stretch>
+            <a:fillRect/>
+          </a:stretch>
+        </p:blipFill>
+        <p:spPr>
+          <a:xfrm>
+            <a:off x="3656767" y="5775287"/>
+            <a:ext cx="1959373" cy="708143"/>
+          </a:xfrm>
+          <a:prstGeom prst="rect">
+            <a:avLst/>
+          </a:prstGeom>
+        </p:spPr>
+      </p:pic>
+      <p:pic>
+        <p:nvPicPr>
+          <p:cNvPr id="26" name="Image 25" descr="Une image contenant flèche&#10;&#10;Description générée automatiquement">
+            <a:extLst>
+              <a:ext uri="{FF2B5EF4-FFF2-40B4-BE49-F238E27FC236}">
+                <a16:creationId xmlns:a16="http://schemas.microsoft.com/office/drawing/2014/main" id="{35BE1E1B-49C9-481D-BF53-C1EA8943EA84}"/>
+              </a:ext>
+            </a:extLst>
+          </p:cNvPr>
+          <p:cNvPicPr>
+            <a:picLocks noChangeAspect="1"/>
+          </p:cNvPicPr>
+          <p:nvPr/>
+        </p:nvPicPr>
+        <p:blipFill>
+          <a:blip r:embed="rId4">
+            <a:extLst>
+              <a:ext uri="{28A0092B-C50C-407E-A947-70E740481C1C}">
+                <a14:useLocalDpi xmlns:a14="http://schemas.microsoft.com/office/drawing/2010/main" val="0"/>
+              </a:ext>
+            </a:extLst>
+          </a:blip>
+          <a:stretch>
+            <a:fillRect/>
+          </a:stretch>
+        </p:blipFill>
+        <p:spPr>
+          <a:xfrm>
+            <a:off x="10178420" y="5581948"/>
+            <a:ext cx="991633" cy="981756"/>
+          </a:xfrm>
+          <a:prstGeom prst="rect">
+            <a:avLst/>
+          </a:prstGeom>
+        </p:spPr>
+      </p:pic>
+      <p:sp>
+        <p:nvSpPr>
+          <p:cNvPr id="27" name="ZoneTexte 26">
+            <a:extLst>
+              <a:ext uri="{FF2B5EF4-FFF2-40B4-BE49-F238E27FC236}">
+                <a16:creationId xmlns:a16="http://schemas.microsoft.com/office/drawing/2014/main" id="{ACE5BEF7-51FF-407F-A722-264C13613644}"/>
               </a:ext>
             </a:extLst>
           </p:cNvPr>
@@ -8537,8 +7410,8 @@
         </p:nvSpPr>
         <p:spPr>
           <a:xfrm>
-            <a:off x="2828152" y="1224138"/>
-            <a:ext cx="6527043" cy="2585323"/>
+            <a:off x="413475" y="1063251"/>
+            <a:ext cx="11365047" cy="1323439"/>
           </a:xfrm>
           <a:prstGeom prst="rect">
             <a:avLst/>
@@ -8546,218 +7419,57 @@
           <a:noFill/>
         </p:spPr>
         <p:txBody>
-          <a:bodyPr wrap="none" rtlCol="0">
+          <a:bodyPr wrap="square" rtlCol="0">
             <a:spAutoFit/>
           </a:bodyPr>
           <a:lstStyle/>
           <a:p>
+            <a:pPr algn="ctr"/>
             <a:r>
-              <a:rPr lang="fr-FR" dirty="0" err="1">
-                <a:highlight>
-                  <a:srgbClr val="FFFF00"/>
-                </a:highlight>
+              <a:rPr lang="fr-FR" sz="4000" dirty="0">
+                <a:solidFill>
+                  <a:srgbClr val="D23328"/>
+                </a:solidFill>
+                <a:latin typeface="Bahnschrift SemiBold" panose="020B0502040204020203" pitchFamily="34" charset="0"/>
               </a:rPr>
-              <a:t>A</a:t>
+              <a:t>Projet d'enrichissement fonctionnel </a:t>
+            </a:r>
+          </a:p>
+          <a:p>
+            <a:pPr algn="ctr"/>
+            <a:r>
+              <a:rPr lang="fr-FR" sz="4000" dirty="0">
+                <a:solidFill>
+                  <a:srgbClr val="D23328"/>
+                </a:solidFill>
+                <a:latin typeface="Bahnschrift SemiBold" panose="020B0502040204020203" pitchFamily="34" charset="0"/>
+              </a:rPr>
+              <a:t>avec R </a:t>
             </a:r>
             <a:r>
-              <a:rPr lang="fr-FR" dirty="0">
-                <a:highlight>
-                  <a:srgbClr val="FFFF00"/>
-                </a:highlight>
+              <a:rPr lang="fr-FR" sz="4000" dirty="0" err="1">
+                <a:solidFill>
+                  <a:srgbClr val="D23328"/>
+                </a:solidFill>
+                <a:latin typeface="Bahnschrift SemiBold" panose="020B0502040204020203" pitchFamily="34" charset="0"/>
               </a:rPr>
-              <a:t> FINIR =&gt; </a:t>
+              <a:t>Shiny</a:t>
             </a:r>
-          </a:p>
-          <a:p>
-            <a:endParaRPr lang="fr-FR" dirty="0">
-              <a:highlight>
-                <a:srgbClr val="FFFF00"/>
-              </a:highlight>
-            </a:endParaRPr>
-          </a:p>
-          <a:p>
-            <a:endParaRPr lang="fr-FR" dirty="0">
-              <a:highlight>
-                <a:srgbClr val="FFFF00"/>
-              </a:highlight>
-            </a:endParaRPr>
-          </a:p>
-          <a:p>
-            <a:pPr marL="285750" indent="-285750">
-              <a:buFont typeface="Wingdings" panose="05000000000000000000" pitchFamily="2" charset="2"/>
-              <a:buChar char="à"/>
-            </a:pPr>
-            <a:r>
-              <a:rPr lang="fr-FR" dirty="0">
-                <a:highlight>
-                  <a:srgbClr val="FFFF00"/>
-                </a:highlight>
-              </a:rPr>
-              <a:t>Screen de chaque code + commentaires </a:t>
-            </a:r>
-          </a:p>
-          <a:p>
-            <a:pPr marL="285750" indent="-285750">
-              <a:buFont typeface="Wingdings" panose="05000000000000000000" pitchFamily="2" charset="2"/>
-              <a:buChar char="à"/>
-            </a:pPr>
-            <a:r>
-              <a:rPr lang="fr-FR" dirty="0">
-                <a:highlight>
-                  <a:srgbClr val="FFFF00"/>
-                </a:highlight>
-              </a:rPr>
-              <a:t>Revoir n° des diapos à la fin</a:t>
-            </a:r>
-          </a:p>
-          <a:p>
-            <a:pPr marL="285750" indent="-285750">
-              <a:buFont typeface="Wingdings" panose="05000000000000000000" pitchFamily="2" charset="2"/>
-              <a:buChar char="à"/>
-            </a:pPr>
-            <a:endParaRPr lang="fr-FR" dirty="0">
-              <a:highlight>
-                <a:srgbClr val="FFFF00"/>
-              </a:highlight>
-            </a:endParaRPr>
-          </a:p>
-          <a:p>
-            <a:pPr marL="285750" indent="-285750">
-              <a:buFont typeface="Wingdings" panose="05000000000000000000" pitchFamily="2" charset="2"/>
-              <a:buChar char="à"/>
-            </a:pPr>
-            <a:r>
-              <a:rPr lang="fr-FR" dirty="0">
-                <a:highlight>
-                  <a:srgbClr val="FFFF00"/>
-                </a:highlight>
-              </a:rPr>
-              <a:t>Diapo perspectives ? : </a:t>
-            </a:r>
-            <a:r>
-              <a:rPr lang="fr-FR" dirty="0" err="1">
-                <a:highlight>
-                  <a:srgbClr val="FFFF00"/>
-                </a:highlight>
-              </a:rPr>
-              <a:t>deployer</a:t>
-            </a:r>
-            <a:r>
-              <a:rPr lang="fr-FR" dirty="0">
-                <a:highlight>
-                  <a:srgbClr val="FFFF00"/>
-                </a:highlight>
-              </a:rPr>
-              <a:t> sur site </a:t>
-            </a:r>
-            <a:r>
-              <a:rPr lang="fr-FR" dirty="0" err="1">
-                <a:highlight>
-                  <a:srgbClr val="FFFF00"/>
-                </a:highlight>
-              </a:rPr>
-              <a:t>webp</a:t>
-            </a:r>
-            <a:r>
-              <a:rPr lang="fr-FR" dirty="0">
-                <a:highlight>
-                  <a:srgbClr val="FFFF00"/>
-                </a:highlight>
-              </a:rPr>
-              <a:t> </a:t>
-            </a:r>
-            <a:r>
-              <a:rPr lang="fr-FR" dirty="0" err="1">
-                <a:highlight>
-                  <a:srgbClr val="FFFF00"/>
-                </a:highlight>
-              </a:rPr>
-              <a:t>our</a:t>
-            </a:r>
-            <a:r>
-              <a:rPr lang="fr-FR" dirty="0">
-                <a:highlight>
-                  <a:srgbClr val="FFFF00"/>
-                </a:highlight>
-              </a:rPr>
-              <a:t> usage + simple</a:t>
-            </a:r>
-          </a:p>
-          <a:p>
-            <a:pPr marL="285750" indent="-285750">
-              <a:buFont typeface="Wingdings" panose="05000000000000000000" pitchFamily="2" charset="2"/>
-              <a:buChar char="à"/>
-            </a:pPr>
-            <a:r>
-              <a:rPr lang="fr-FR" dirty="0">
-                <a:highlight>
-                  <a:srgbClr val="FFFF00"/>
-                </a:highlight>
-              </a:rPr>
-              <a:t>Autre fonctionnalités (new id </a:t>
-            </a:r>
-            <a:r>
-              <a:rPr lang="fr-FR" dirty="0" err="1">
-                <a:highlight>
-                  <a:srgbClr val="FFFF00"/>
-                </a:highlight>
-              </a:rPr>
-              <a:t>etc</a:t>
-            </a:r>
-            <a:r>
-              <a:rPr lang="fr-FR" dirty="0">
-                <a:highlight>
-                  <a:srgbClr val="FFFF00"/>
-                </a:highlight>
-              </a:rPr>
-              <a:t>) ? </a:t>
-            </a:r>
-          </a:p>
-          <a:p>
-            <a:endParaRPr lang="fr-FR" dirty="0">
-              <a:highlight>
-                <a:srgbClr val="FFFF00"/>
-              </a:highlight>
+            <a:endParaRPr lang="fr-FR" sz="4000" dirty="0">
+              <a:solidFill>
+                <a:srgbClr val="D23328"/>
+              </a:solidFill>
+              <a:latin typeface="Bahnschrift SemiBold" panose="020B0502040204020203" pitchFamily="34" charset="0"/>
             </a:endParaRPr>
           </a:p>
         </p:txBody>
       </p:sp>
-    </p:spTree>
-    <p:extLst>
-      <p:ext uri="{BB962C8B-B14F-4D97-AF65-F5344CB8AC3E}">
-        <p14:creationId xmlns:p14="http://schemas.microsoft.com/office/powerpoint/2010/main" val="3940468921"/>
-      </p:ext>
-    </p:extLst>
-  </p:cSld>
-  <p:clrMapOvr>
-    <a:masterClrMapping/>
-  </p:clrMapOvr>
-</p:sld>
-</file>
-
-<file path=ppt/slides/slide3.xml><?xml version="1.0" encoding="utf-8"?>
-<p:sld xmlns:a="http://schemas.openxmlformats.org/drawingml/2006/main" xmlns:r="http://schemas.openxmlformats.org/officeDocument/2006/relationships" xmlns:p="http://schemas.openxmlformats.org/presentationml/2006/main">
-  <p:cSld>
-    <p:spTree>
-      <p:nvGrpSpPr>
-        <p:cNvPr id="1" name=""/>
-        <p:cNvGrpSpPr/>
-        <p:nvPr/>
-      </p:nvGrpSpPr>
-      <p:grpSpPr>
-        <a:xfrm>
-          <a:off x="0" y="0"/>
-          <a:ext cx="0" cy="0"/>
-          <a:chOff x="0" y="0"/>
-          <a:chExt cx="0" cy="0"/>
-        </a:xfrm>
-      </p:grpSpPr>
       <p:sp>
         <p:nvSpPr>
-          <p:cNvPr id="2" name="ZoneTexte 1">
+          <p:cNvPr id="28" name="ZoneTexte 27">
             <a:extLst>
               <a:ext uri="{FF2B5EF4-FFF2-40B4-BE49-F238E27FC236}">
-                <a16:creationId xmlns:a16="http://schemas.microsoft.com/office/drawing/2014/main" id="{C2C672DF-7B6B-4F07-B593-F52144B949E8}"/>
+                <a16:creationId xmlns:a16="http://schemas.microsoft.com/office/drawing/2014/main" id="{BDFDB890-7B10-4E5A-A5BD-D3EB58A9CED2}"/>
               </a:ext>
             </a:extLst>
           </p:cNvPr>
@@ -8766,8 +7478,8 @@
         </p:nvSpPr>
         <p:spPr>
           <a:xfrm>
-            <a:off x="1048039" y="2185433"/>
-            <a:ext cx="1095172" cy="369332"/>
+            <a:off x="489871" y="2999899"/>
+            <a:ext cx="11365047" cy="2308324"/>
           </a:xfrm>
           <a:prstGeom prst="rect">
             <a:avLst/>
@@ -8775,57 +7487,12 @@
           <a:noFill/>
         </p:spPr>
         <p:txBody>
-          <a:bodyPr wrap="none" rtlCol="0">
+          <a:bodyPr wrap="square" rtlCol="0">
             <a:spAutoFit/>
           </a:bodyPr>
           <a:lstStyle/>
           <a:p>
-            <a:r>
-              <a:rPr lang="fr-FR" dirty="0">
-                <a:solidFill>
-                  <a:srgbClr val="D23328"/>
-                </a:solidFill>
-                <a:latin typeface="Bahnschrift SemiBold" panose="020B0502040204020203" pitchFamily="34" charset="0"/>
-              </a:rPr>
-              <a:t>Constats</a:t>
-            </a:r>
-            <a:endParaRPr lang="fr-FR" i="1" dirty="0">
-              <a:solidFill>
-                <a:srgbClr val="D23328"/>
-              </a:solidFill>
-              <a:latin typeface="Bahnschrift SemiBold" panose="020B0502040204020203" pitchFamily="34" charset="0"/>
-            </a:endParaRPr>
-          </a:p>
-        </p:txBody>
-      </p:sp>
-      <p:sp>
-        <p:nvSpPr>
-          <p:cNvPr id="3" name="ZoneTexte 2">
-            <a:extLst>
-              <a:ext uri="{FF2B5EF4-FFF2-40B4-BE49-F238E27FC236}">
-                <a16:creationId xmlns:a16="http://schemas.microsoft.com/office/drawing/2014/main" id="{B9391588-69AB-4FF0-B773-8FCF2BAB6D30}"/>
-              </a:ext>
-            </a:extLst>
-          </p:cNvPr>
-          <p:cNvSpPr txBox="1"/>
-          <p:nvPr/>
-        </p:nvSpPr>
-        <p:spPr>
-          <a:xfrm>
-            <a:off x="2169252" y="2228325"/>
-            <a:ext cx="9316974" cy="1323439"/>
-          </a:xfrm>
-          <a:prstGeom prst="rect">
-            <a:avLst/>
-          </a:prstGeom>
-          <a:noFill/>
-        </p:spPr>
-        <p:txBody>
-          <a:bodyPr wrap="none" rtlCol="0">
-            <a:spAutoFit/>
-          </a:bodyPr>
-          <a:lstStyle/>
-          <a:p>
+            <a:pPr algn="ctr"/>
             <a:r>
               <a:rPr lang="fr-FR" sz="1600" dirty="0">
                 <a:solidFill>
@@ -8836,10 +7503,13 @@
                 </a:solidFill>
                 <a:latin typeface="Bahnschrift SemiBold" panose="020B0502040204020203" pitchFamily="34" charset="0"/>
               </a:rPr>
-              <a:t>1) Cycle cellulaire remis en cause </a:t>
+              <a:t>Solène PETY – Meije MATHE – Bryce LETERRIER - Louis OLLIVIER</a:t>
             </a:r>
+          </a:p>
+          <a:p>
+            <a:pPr algn="ctr"/>
             <a:r>
-              <a:rPr lang="fr-FR" sz="1600" i="1" dirty="0">
+              <a:rPr lang="fr-FR" sz="1600" dirty="0" err="1">
                 <a:solidFill>
                   <a:schemeClr val="tx1">
                     <a:lumMod val="75000"/>
@@ -8848,38 +7518,7 @@
                 </a:solidFill>
                 <a:latin typeface="Bahnschrift SemiBold" panose="020B0502040204020203" pitchFamily="34" charset="0"/>
               </a:rPr>
-              <a:t>(</a:t>
-            </a:r>
-            <a:r>
-              <a:rPr lang="fr-FR" sz="1600" i="1" dirty="0">
-                <a:solidFill>
-                  <a:schemeClr val="tx1">
-                    <a:lumMod val="75000"/>
-                    <a:lumOff val="25000"/>
-                  </a:schemeClr>
-                </a:solidFill>
-                <a:latin typeface="Bahnschrift SemiBold" panose="020B0502040204020203" pitchFamily="34" charset="0"/>
-                <a:hlinkClick r:id="rId2">
-                  <a:extLst>
-                    <a:ext uri="{A12FA001-AC4F-418D-AE19-62706E023703}">
-                      <ahyp:hlinkClr xmlns:ahyp="http://schemas.microsoft.com/office/drawing/2018/hyperlinkcolor" val="tx"/>
-                    </a:ext>
-                  </a:extLst>
-                </a:hlinkClick>
-              </a:rPr>
-              <a:t>Fischer et al. 2020</a:t>
-            </a:r>
-            <a:r>
-              <a:rPr lang="fr-FR" sz="1600" i="1" dirty="0">
-                <a:solidFill>
-                  <a:schemeClr val="tx1">
-                    <a:lumMod val="75000"/>
-                    <a:lumOff val="25000"/>
-                  </a:schemeClr>
-                </a:solidFill>
-                <a:latin typeface="Bahnschrift SemiBold" panose="020B0502040204020203" pitchFamily="34" charset="0"/>
-              </a:rPr>
-              <a:t>) </a:t>
+              <a:t>Equipe</a:t>
             </a:r>
             <a:r>
               <a:rPr lang="fr-FR" sz="1600" dirty="0">
@@ -8891,12 +7530,10 @@
                 </a:solidFill>
                 <a:latin typeface="Bahnschrift SemiBold" panose="020B0502040204020203" pitchFamily="34" charset="0"/>
               </a:rPr>
-              <a:t>: reproduction sexuée (recombinaison)</a:t>
+              <a:t> </a:t>
             </a:r>
-          </a:p>
-          <a:p>
             <a:r>
-              <a:rPr lang="fr-FR" sz="1600" i="1" dirty="0">
+              <a:rPr lang="fr-FR" sz="1600" dirty="0" err="1">
                 <a:solidFill>
                   <a:schemeClr val="tx1">
                     <a:lumMod val="75000"/>
@@ -8905,7 +7542,55 @@
                 </a:solidFill>
                 <a:latin typeface="Bahnschrift SemiBold" panose="020B0502040204020203" pitchFamily="34" charset="0"/>
               </a:rPr>
-              <a:t>   					         </a:t>
+              <a:t>EnF'R</a:t>
+            </a:r>
+            <a:endParaRPr lang="fr-FR" sz="1600" dirty="0">
+              <a:solidFill>
+                <a:schemeClr val="tx1">
+                  <a:lumMod val="75000"/>
+                  <a:lumOff val="25000"/>
+                </a:schemeClr>
+              </a:solidFill>
+              <a:latin typeface="Bahnschrift SemiBold" panose="020B0502040204020203" pitchFamily="34" charset="0"/>
+            </a:endParaRPr>
+          </a:p>
+          <a:p>
+            <a:pPr algn="ctr"/>
+            <a:endParaRPr lang="fr-FR" sz="1600" dirty="0">
+              <a:solidFill>
+                <a:schemeClr val="tx1">
+                  <a:lumMod val="75000"/>
+                  <a:lumOff val="25000"/>
+                </a:schemeClr>
+              </a:solidFill>
+              <a:latin typeface="Bahnschrift SemiBold" panose="020B0502040204020203" pitchFamily="34" charset="0"/>
+            </a:endParaRPr>
+          </a:p>
+          <a:p>
+            <a:pPr algn="ctr"/>
+            <a:r>
+              <a:rPr lang="fr-FR" sz="1600" dirty="0">
+                <a:solidFill>
+                  <a:schemeClr val="tx1">
+                    <a:lumMod val="75000"/>
+                    <a:lumOff val="25000"/>
+                  </a:schemeClr>
+                </a:solidFill>
+                <a:latin typeface="Bahnschrift SemiBold" panose="020B0502040204020203" pitchFamily="34" charset="0"/>
+              </a:rPr>
+              <a:t> UE 5 - </a:t>
+            </a:r>
+            <a:r>
+              <a:rPr lang="fr-FR" sz="1600" dirty="0" err="1">
+                <a:solidFill>
+                  <a:schemeClr val="tx1">
+                    <a:lumMod val="75000"/>
+                    <a:lumOff val="25000"/>
+                  </a:schemeClr>
+                </a:solidFill>
+                <a:latin typeface="Bahnschrift SemiBold" panose="020B0502040204020203" pitchFamily="34" charset="0"/>
+              </a:rPr>
+              <a:t>Bioinformatique</a:t>
             </a:r>
             <a:r>
               <a:rPr lang="fr-FR" sz="1600" dirty="0">
@@ -8917,23 +7602,10 @@
                 </a:solidFill>
                 <a:latin typeface="Bahnschrift SemiBold" panose="020B0502040204020203" pitchFamily="34" charset="0"/>
               </a:rPr>
-              <a:t>plus fréquente que prévu</a:t>
+              <a:t> en sciences </a:t>
             </a:r>
-          </a:p>
-          <a:p>
-            <a:endParaRPr lang="fr-FR" sz="1600" i="1" dirty="0">
-              <a:solidFill>
-                <a:schemeClr val="tx1">
-                  <a:lumMod val="75000"/>
-                  <a:lumOff val="25000"/>
-                </a:schemeClr>
-              </a:solidFill>
-              <a:latin typeface="Bahnschrift SemiBold" panose="020B0502040204020203" pitchFamily="34" charset="0"/>
-            </a:endParaRPr>
-          </a:p>
-          <a:p>
             <a:r>
-              <a:rPr lang="fr-FR" sz="1600" dirty="0">
+              <a:rPr lang="fr-FR" sz="1600" dirty="0" err="1">
                 <a:solidFill>
                   <a:schemeClr val="tx1">
                     <a:lumMod val="75000"/>
@@ -8942,21 +7614,7 @@
                 </a:solidFill>
                 <a:latin typeface="Bahnschrift SemiBold" panose="020B0502040204020203" pitchFamily="34" charset="0"/>
               </a:rPr>
-              <a:t>2) La diversité génétique observée ne s’explique pas avec le modèle de reproduction présenté avant</a:t>
-            </a:r>
-          </a:p>
-          <a:p>
-            <a:r>
-              <a:rPr lang="fr-FR" sz="1600" i="1" dirty="0">
-                <a:solidFill>
-                  <a:schemeClr val="tx1">
-                    <a:lumMod val="75000"/>
-                    <a:lumOff val="25000"/>
-                  </a:schemeClr>
-                </a:solidFill>
-                <a:latin typeface="Bahnschrift SemiBold" panose="020B0502040204020203" pitchFamily="34" charset="0"/>
-              </a:rPr>
-              <a:t>     </a:t>
+              <a:t>omiques</a:t>
             </a:r>
             <a:r>
               <a:rPr lang="fr-FR" sz="1600" dirty="0">
@@ -8968,9 +7626,81 @@
                 </a:solidFill>
                 <a:latin typeface="Bahnschrift SemiBold" panose="020B0502040204020203" pitchFamily="34" charset="0"/>
               </a:rPr>
-              <a:t>(très peu de reproduction sexuée)</a:t>
+              <a:t> 3</a:t>
             </a:r>
-            <a:endParaRPr lang="fr-FR" sz="1600" i="1" dirty="0">
+          </a:p>
+          <a:p>
+            <a:pPr algn="ctr"/>
+            <a:r>
+              <a:rPr lang="fr-FR" sz="1600" dirty="0">
+                <a:solidFill>
+                  <a:schemeClr val="tx1">
+                    <a:lumMod val="75000"/>
+                    <a:lumOff val="25000"/>
+                  </a:schemeClr>
+                </a:solidFill>
+                <a:latin typeface="Bahnschrift SemiBold" panose="020B0502040204020203" pitchFamily="34" charset="0"/>
+              </a:rPr>
+              <a:t>Master 2.1 mention </a:t>
+            </a:r>
+            <a:r>
+              <a:rPr lang="fr-FR" sz="1600" dirty="0" err="1">
+                <a:solidFill>
+                  <a:schemeClr val="tx1">
+                    <a:lumMod val="75000"/>
+                    <a:lumOff val="25000"/>
+                  </a:schemeClr>
+                </a:solidFill>
+                <a:latin typeface="Bahnschrift SemiBold" panose="020B0502040204020203" pitchFamily="34" charset="0"/>
+              </a:rPr>
+              <a:t>Bioinformatique</a:t>
+            </a:r>
+            <a:r>
+              <a:rPr lang="fr-FR" sz="1600" dirty="0">
+                <a:solidFill>
+                  <a:schemeClr val="tx1">
+                    <a:lumMod val="75000"/>
+                    <a:lumOff val="25000"/>
+                  </a:schemeClr>
+                </a:solidFill>
+                <a:latin typeface="Bahnschrift SemiBold" panose="020B0502040204020203" pitchFamily="34" charset="0"/>
+              </a:rPr>
+              <a:t> </a:t>
+            </a:r>
+          </a:p>
+          <a:p>
+            <a:pPr algn="ctr"/>
+            <a:r>
+              <a:rPr lang="fr-FR" sz="1600" dirty="0">
+                <a:solidFill>
+                  <a:schemeClr val="tx1">
+                    <a:lumMod val="75000"/>
+                    <a:lumOff val="25000"/>
+                  </a:schemeClr>
+                </a:solidFill>
+                <a:latin typeface="Bahnschrift SemiBold" panose="020B0502040204020203" pitchFamily="34" charset="0"/>
+              </a:rPr>
+              <a:t>Parcours BIMS </a:t>
+            </a:r>
+          </a:p>
+          <a:p>
+            <a:pPr algn="ctr"/>
+            <a:r>
+              <a:rPr lang="fr-FR" sz="1600" dirty="0">
+                <a:solidFill>
+                  <a:schemeClr val="tx1">
+                    <a:lumMod val="75000"/>
+                    <a:lumOff val="25000"/>
+                  </a:schemeClr>
+                </a:solidFill>
+                <a:latin typeface="Bahnschrift SemiBold" panose="020B0502040204020203" pitchFamily="34" charset="0"/>
+              </a:rPr>
+              <a:t>2021-2023</a:t>
+            </a:r>
+          </a:p>
+          <a:p>
+            <a:pPr algn="ctr"/>
+            <a:endParaRPr lang="fr-FR" sz="1600" dirty="0">
               <a:solidFill>
                 <a:schemeClr val="tx1">
                   <a:lumMod val="75000"/>
@@ -8980,47 +7710,167 @@
               <a:latin typeface="Bahnschrift SemiBold" panose="020B0502040204020203" pitchFamily="34" charset="0"/>
             </a:endParaRPr>
           </a:p>
+          <a:p>
+            <a:pPr algn="ctr"/>
+            <a:r>
+              <a:rPr lang="fr-FR" sz="1600" dirty="0">
+                <a:solidFill>
+                  <a:schemeClr val="tx1">
+                    <a:lumMod val="75000"/>
+                    <a:lumOff val="25000"/>
+                  </a:schemeClr>
+                </a:solidFill>
+                <a:latin typeface="Bahnschrift SemiBold" panose="020B0502040204020203" pitchFamily="34" charset="0"/>
+              </a:rPr>
+              <a:t>Université de Rouen-Normandie</a:t>
+            </a:r>
+            <a:endParaRPr lang="fr-FR" sz="3600" dirty="0">
+              <a:solidFill>
+                <a:schemeClr val="tx1">
+                  <a:lumMod val="75000"/>
+                  <a:lumOff val="25000"/>
+                </a:schemeClr>
+              </a:solidFill>
+              <a:latin typeface="Bahnschrift SemiBold" panose="020B0502040204020203" pitchFamily="34" charset="0"/>
+            </a:endParaRPr>
+          </a:p>
         </p:txBody>
       </p:sp>
-      <p:sp>
-        <p:nvSpPr>
-          <p:cNvPr id="4" name="ZoneTexte 3">
+      <p:pic>
+        <p:nvPicPr>
+          <p:cNvPr id="31" name="Image 30" descr="Une image contenant texte&#10;&#10;Description générée automatiquement">
             <a:extLst>
               <a:ext uri="{FF2B5EF4-FFF2-40B4-BE49-F238E27FC236}">
-                <a16:creationId xmlns:a16="http://schemas.microsoft.com/office/drawing/2014/main" id="{557B1F67-B8D6-4A9E-A067-2E089426F84D}"/>
+                <a16:creationId xmlns:a16="http://schemas.microsoft.com/office/drawing/2014/main" id="{C8309625-7337-49A9-B7C0-B419D969836C}"/>
               </a:ext>
             </a:extLst>
           </p:cNvPr>
-          <p:cNvSpPr txBox="1"/>
+          <p:cNvPicPr>
+            <a:picLocks noChangeAspect="1"/>
+          </p:cNvPicPr>
+          <p:nvPr/>
+        </p:nvPicPr>
+        <p:blipFill>
+          <a:blip r:embed="rId5">
+            <a:extLst>
+              <a:ext uri="{28A0092B-C50C-407E-A947-70E740481C1C}">
+                <a14:useLocalDpi xmlns:a14="http://schemas.microsoft.com/office/drawing/2010/main" val="0"/>
+              </a:ext>
+            </a:extLst>
+          </a:blip>
+          <a:stretch>
+            <a:fillRect/>
+          </a:stretch>
+        </p:blipFill>
+        <p:spPr>
+          <a:xfrm>
+            <a:off x="894251" y="5808812"/>
+            <a:ext cx="1163815" cy="674618"/>
+          </a:xfrm>
+          <a:prstGeom prst="rect">
+            <a:avLst/>
+          </a:prstGeom>
+        </p:spPr>
+      </p:pic>
+      <p:sp>
+        <p:nvSpPr>
+          <p:cNvPr id="32" name="Rectangle 31">
+            <a:extLst>
+              <a:ext uri="{FF2B5EF4-FFF2-40B4-BE49-F238E27FC236}">
+                <a16:creationId xmlns:a16="http://schemas.microsoft.com/office/drawing/2014/main" id="{14735D23-FAE7-480C-9719-DA80C0B001B9}"/>
+              </a:ext>
+            </a:extLst>
+          </p:cNvPr>
+          <p:cNvSpPr/>
           <p:nvPr/>
         </p:nvSpPr>
         <p:spPr>
           <a:xfrm>
-            <a:off x="3933825" y="1009650"/>
-            <a:ext cx="1684564" cy="369332"/>
+            <a:off x="0" y="692266"/>
+            <a:ext cx="12191999" cy="2075004"/>
           </a:xfrm>
           <a:prstGeom prst="rect">
             <a:avLst/>
           </a:prstGeom>
           <a:noFill/>
+          <a:ln>
+            <a:solidFill>
+              <a:schemeClr val="tx1"/>
+            </a:solidFill>
+          </a:ln>
         </p:spPr>
+        <p:style>
+          <a:lnRef idx="2">
+            <a:schemeClr val="accent1">
+              <a:shade val="50000"/>
+            </a:schemeClr>
+          </a:lnRef>
+          <a:fillRef idx="1">
+            <a:schemeClr val="accent1"/>
+          </a:fillRef>
+          <a:effectRef idx="0">
+            <a:schemeClr val="accent1"/>
+          </a:effectRef>
+          <a:fontRef idx="minor">
+            <a:schemeClr val="lt1"/>
+          </a:fontRef>
+        </p:style>
         <p:txBody>
-          <a:bodyPr wrap="none" rtlCol="0">
-            <a:spAutoFit/>
-          </a:bodyPr>
+          <a:bodyPr rtlCol="0" anchor="ctr"/>
           <a:lstStyle/>
           <a:p>
-            <a:r>
-              <a:rPr lang="fr-FR" b="1" u="sng" dirty="0"/>
-              <a:t>Police à utiliser </a:t>
-            </a:r>
+            <a:pPr algn="ctr"/>
+            <a:endParaRPr lang="fr-FR" dirty="0"/>
           </a:p>
         </p:txBody>
       </p:sp>
+      <p:pic>
+        <p:nvPicPr>
+          <p:cNvPr id="12" name="Image 11">
+            <a:extLst>
+              <a:ext uri="{FF2B5EF4-FFF2-40B4-BE49-F238E27FC236}">
+                <a16:creationId xmlns:a16="http://schemas.microsoft.com/office/drawing/2014/main" id="{1370AF28-27D0-408A-B959-A4F1279BAE75}"/>
+              </a:ext>
+            </a:extLst>
+          </p:cNvPr>
+          <p:cNvPicPr>
+            <a:picLocks noChangeAspect="1"/>
+          </p:cNvPicPr>
+          <p:nvPr/>
+        </p:nvPicPr>
+        <p:blipFill>
+          <a:blip r:embed="rId6">
+            <a:extLst>
+              <a:ext uri="{28A0092B-C50C-407E-A947-70E740481C1C}">
+                <a14:useLocalDpi xmlns:a14="http://schemas.microsoft.com/office/drawing/2010/main" val="0"/>
+              </a:ext>
+            </a:extLst>
+          </a:blip>
+          <a:stretch>
+            <a:fillRect/>
+          </a:stretch>
+        </p:blipFill>
+        <p:spPr>
+          <a:xfrm>
+            <a:off x="9230822" y="3544270"/>
+            <a:ext cx="2109050" cy="1737090"/>
+          </a:xfrm>
+          <a:prstGeom prst="rect">
+            <a:avLst/>
+          </a:prstGeom>
+          <a:effectLst>
+            <a:glow rad="101600">
+              <a:schemeClr val="tx1">
+                <a:alpha val="88000"/>
+              </a:schemeClr>
+            </a:glow>
+          </a:effectLst>
+        </p:spPr>
+      </p:pic>
     </p:spTree>
     <p:extLst>
       <p:ext uri="{BB962C8B-B14F-4D97-AF65-F5344CB8AC3E}">
-        <p14:creationId xmlns:p14="http://schemas.microsoft.com/office/powerpoint/2010/main" val="764411121"/>
+        <p14:creationId xmlns:p14="http://schemas.microsoft.com/office/powerpoint/2010/main" val="2770280331"/>
       </p:ext>
     </p:extLst>
   </p:cSld>
@@ -9030,7 +7880,7 @@
 </p:sld>
 </file>
 
-<file path=ppt/slides/slide4.xml><?xml version="1.0" encoding="utf-8"?>
+<file path=ppt/slides/slide3.xml><?xml version="1.0" encoding="utf-8"?>
 <p:sld xmlns:a="http://schemas.openxmlformats.org/drawingml/2006/main" xmlns:r="http://schemas.openxmlformats.org/officeDocument/2006/relationships" xmlns:p="http://schemas.openxmlformats.org/presentationml/2006/main">
   <p:cSld>
     <p:spTree>
@@ -9304,7 +8154,7 @@
           <p:spPr>
             <a:xfrm>
               <a:off x="11384268" y="134226"/>
-              <a:ext cx="646731" cy="369332"/>
+              <a:ext cx="528329" cy="369332"/>
             </a:xfrm>
             <a:prstGeom prst="rect">
               <a:avLst/>
@@ -9324,7 +8174,7 @@
                   </a:solidFill>
                   <a:latin typeface="Bahnschrift SemiBold" panose="020B0502040204020203" pitchFamily="34" charset="0"/>
                 </a:rPr>
-                <a:t>1/xx </a:t>
+                <a:t>1/9 </a:t>
               </a:r>
             </a:p>
           </p:txBody>
@@ -9753,7 +8603,7 @@
 </p:sld>
 </file>
 
-<file path=ppt/slides/slide5.xml><?xml version="1.0" encoding="utf-8"?>
+<file path=ppt/slides/slide4.xml><?xml version="1.0" encoding="utf-8"?>
 <p:sld xmlns:a="http://schemas.openxmlformats.org/drawingml/2006/main" xmlns:r="http://schemas.openxmlformats.org/officeDocument/2006/relationships" xmlns:p="http://schemas.openxmlformats.org/presentationml/2006/main">
   <p:cSld>
     <p:spTree>
@@ -10027,7 +8877,7 @@
           <p:spPr>
             <a:xfrm>
               <a:off x="11384268" y="134226"/>
-              <a:ext cx="688332" cy="369332"/>
+              <a:ext cx="569930" cy="369332"/>
             </a:xfrm>
             <a:prstGeom prst="rect">
               <a:avLst/>
@@ -10047,7 +8897,7 @@
                   </a:solidFill>
                   <a:latin typeface="Bahnschrift SemiBold" panose="020B0502040204020203" pitchFamily="34" charset="0"/>
                 </a:rPr>
-                <a:t>2/xx </a:t>
+                <a:t>2/9 </a:t>
               </a:r>
             </a:p>
           </p:txBody>
@@ -10155,6 +9005,7 @@
             <a:r>
               <a:rPr lang="fr-FR" dirty="0">
                 <a:latin typeface="Bahnschrift SemiBold" panose="020B0502040204020203" pitchFamily="34" charset="0"/>
+                <a:hlinkClick r:id="rId4"/>
               </a:rPr>
               <a:t>https://github.com/meijemathe/projet_enrichissement_fonctionnel.git</a:t>
             </a:r>
@@ -10642,7 +9493,7 @@
               <a:avLst/>
             </a:prstGeom>
             <a:blipFill dpi="0" rotWithShape="1">
-              <a:blip r:embed="rId4">
+              <a:blip r:embed="rId5">
                 <a:alphaModFix amt="27000"/>
                 <a:extLst>
                   <a:ext uri="{28A0092B-C50C-407E-A947-70E740481C1C}">
@@ -11712,7 +10563,7 @@
 </p:sld>
 </file>
 
-<file path=ppt/slides/slide6.xml><?xml version="1.0" encoding="utf-8"?>
+<file path=ppt/slides/slide5.xml><?xml version="1.0" encoding="utf-8"?>
 <p:sld xmlns:a="http://schemas.openxmlformats.org/drawingml/2006/main" xmlns:r="http://schemas.openxmlformats.org/officeDocument/2006/relationships" xmlns:p="http://schemas.openxmlformats.org/presentationml/2006/main">
   <p:cSld>
     <p:spTree>
@@ -11986,7 +10837,7 @@
           <p:spPr>
             <a:xfrm>
               <a:off x="11384268" y="134226"/>
-              <a:ext cx="691532" cy="369332"/>
+              <a:ext cx="573130" cy="369332"/>
             </a:xfrm>
             <a:prstGeom prst="rect">
               <a:avLst/>
@@ -12006,7 +10857,7 @@
                   </a:solidFill>
                   <a:latin typeface="Bahnschrift SemiBold" panose="020B0502040204020203" pitchFamily="34" charset="0"/>
                 </a:rPr>
-                <a:t>3/xx </a:t>
+                <a:t>3/9 </a:t>
               </a:r>
             </a:p>
           </p:txBody>
@@ -13170,7 +12021,7 @@
 </p:sld>
 </file>
 
-<file path=ppt/slides/slide7.xml><?xml version="1.0" encoding="utf-8"?>
+<file path=ppt/slides/slide6.xml><?xml version="1.0" encoding="utf-8"?>
 <p:sld xmlns:a="http://schemas.openxmlformats.org/drawingml/2006/main" xmlns:r="http://schemas.openxmlformats.org/officeDocument/2006/relationships" xmlns:p="http://schemas.openxmlformats.org/presentationml/2006/main">
   <p:cSld>
     <p:spTree>
@@ -13201,7 +12052,7 @@
         </p:nvSpPr>
         <p:spPr>
           <a:xfrm>
-            <a:off x="0" y="-6292"/>
+            <a:off x="0" y="-18963"/>
             <a:ext cx="12192000" cy="6864292"/>
           </a:xfrm>
           <a:prstGeom prst="rect">
@@ -13422,7 +12273,7 @@
           <p:spPr>
             <a:xfrm>
               <a:off x="11384268" y="134226"/>
-              <a:ext cx="701132" cy="369332"/>
+              <a:ext cx="520329" cy="369332"/>
             </a:xfrm>
             <a:prstGeom prst="rect">
               <a:avLst/>
@@ -13442,7 +12293,7 @@
                   </a:solidFill>
                   <a:latin typeface="Bahnschrift SemiBold" panose="020B0502040204020203" pitchFamily="34" charset="0"/>
                 </a:rPr>
-                <a:t>4/xx </a:t>
+                <a:t>4/9</a:t>
               </a:r>
             </a:p>
           </p:txBody>
@@ -13524,6 +12375,716 @@
           </a:p>
         </p:txBody>
       </p:sp>
+      <p:grpSp>
+        <p:nvGrpSpPr>
+          <p:cNvPr id="21" name="Groupe 20">
+            <a:extLst>
+              <a:ext uri="{FF2B5EF4-FFF2-40B4-BE49-F238E27FC236}">
+                <a16:creationId xmlns:a16="http://schemas.microsoft.com/office/drawing/2014/main" id="{B2446B2A-F43C-4CCA-BF73-F17A6D91E264}"/>
+              </a:ext>
+            </a:extLst>
+          </p:cNvPr>
+          <p:cNvGrpSpPr/>
+          <p:nvPr/>
+        </p:nvGrpSpPr>
+        <p:grpSpPr>
+          <a:xfrm>
+            <a:off x="328371" y="694464"/>
+            <a:ext cx="11419924" cy="5867470"/>
+            <a:chOff x="328371" y="694464"/>
+            <a:chExt cx="11419924" cy="5867470"/>
+          </a:xfrm>
+        </p:grpSpPr>
+        <p:grpSp>
+          <p:nvGrpSpPr>
+            <p:cNvPr id="18" name="Groupe 17">
+              <a:extLst>
+                <a:ext uri="{FF2B5EF4-FFF2-40B4-BE49-F238E27FC236}">
+                  <a16:creationId xmlns:a16="http://schemas.microsoft.com/office/drawing/2014/main" id="{9DBA2915-2FF7-4A0B-B6A0-DA430FA13EE8}"/>
+                </a:ext>
+              </a:extLst>
+            </p:cNvPr>
+            <p:cNvGrpSpPr/>
+            <p:nvPr/>
+          </p:nvGrpSpPr>
+          <p:grpSpPr>
+            <a:xfrm>
+              <a:off x="328371" y="694464"/>
+              <a:ext cx="11419924" cy="5867470"/>
+              <a:chOff x="328371" y="694464"/>
+              <a:chExt cx="11419924" cy="5867470"/>
+            </a:xfrm>
+          </p:grpSpPr>
+          <p:grpSp>
+            <p:nvGrpSpPr>
+              <p:cNvPr id="16" name="Groupe 15">
+                <a:extLst>
+                  <a:ext uri="{FF2B5EF4-FFF2-40B4-BE49-F238E27FC236}">
+                    <a16:creationId xmlns:a16="http://schemas.microsoft.com/office/drawing/2014/main" id="{DA4FD476-C0A6-4623-9285-F79BDFEBBDFB}"/>
+                  </a:ext>
+                </a:extLst>
+              </p:cNvPr>
+              <p:cNvGrpSpPr/>
+              <p:nvPr/>
+            </p:nvGrpSpPr>
+            <p:grpSpPr>
+              <a:xfrm>
+                <a:off x="328371" y="694464"/>
+                <a:ext cx="11419924" cy="5867470"/>
+                <a:chOff x="328371" y="694464"/>
+                <a:chExt cx="11419924" cy="5867470"/>
+              </a:xfrm>
+            </p:grpSpPr>
+            <p:pic>
+              <p:nvPicPr>
+                <p:cNvPr id="10" name="Image 9">
+                  <a:extLst>
+                    <a:ext uri="{FF2B5EF4-FFF2-40B4-BE49-F238E27FC236}">
+                      <a16:creationId xmlns:a16="http://schemas.microsoft.com/office/drawing/2014/main" id="{FF64B15E-63A9-4736-B4D6-DF8577C0F312}"/>
+                    </a:ext>
+                  </a:extLst>
+                </p:cNvPr>
+                <p:cNvPicPr>
+                  <a:picLocks noChangeAspect="1"/>
+                </p:cNvPicPr>
+                <p:nvPr/>
+              </p:nvPicPr>
+              <p:blipFill>
+                <a:blip r:embed="rId3"/>
+                <a:stretch>
+                  <a:fillRect/>
+                </a:stretch>
+              </p:blipFill>
+              <p:spPr>
+                <a:xfrm>
+                  <a:off x="347421" y="862149"/>
+                  <a:ext cx="7182226" cy="2856411"/>
+                </a:xfrm>
+                <a:prstGeom prst="rect">
+                  <a:avLst/>
+                </a:prstGeom>
+              </p:spPr>
+            </p:pic>
+            <p:pic>
+              <p:nvPicPr>
+                <p:cNvPr id="12" name="Image 11">
+                  <a:extLst>
+                    <a:ext uri="{FF2B5EF4-FFF2-40B4-BE49-F238E27FC236}">
+                      <a16:creationId xmlns:a16="http://schemas.microsoft.com/office/drawing/2014/main" id="{A633DE53-F034-4927-884C-A3165A89C725}"/>
+                    </a:ext>
+                  </a:extLst>
+                </p:cNvPr>
+                <p:cNvPicPr>
+                  <a:picLocks noChangeAspect="1"/>
+                </p:cNvPicPr>
+                <p:nvPr/>
+              </p:nvPicPr>
+              <p:blipFill>
+                <a:blip r:embed="rId4"/>
+                <a:stretch>
+                  <a:fillRect/>
+                </a:stretch>
+              </p:blipFill>
+              <p:spPr>
+                <a:xfrm>
+                  <a:off x="5014120" y="4237834"/>
+                  <a:ext cx="6734175" cy="2324100"/>
+                </a:xfrm>
+                <a:prstGeom prst="rect">
+                  <a:avLst/>
+                </a:prstGeom>
+              </p:spPr>
+            </p:pic>
+            <p:sp>
+              <p:nvSpPr>
+                <p:cNvPr id="13" name="ZoneTexte 12">
+                  <a:extLst>
+                    <a:ext uri="{FF2B5EF4-FFF2-40B4-BE49-F238E27FC236}">
+                      <a16:creationId xmlns:a16="http://schemas.microsoft.com/office/drawing/2014/main" id="{637C26DF-8ED9-4820-94B6-AC8A5F7CC2EA}"/>
+                    </a:ext>
+                  </a:extLst>
+                </p:cNvPr>
+                <p:cNvSpPr txBox="1"/>
+                <p:nvPr/>
+              </p:nvSpPr>
+              <p:spPr>
+                <a:xfrm>
+                  <a:off x="7780699" y="694464"/>
+                  <a:ext cx="3100529" cy="1150251"/>
+                </a:xfrm>
+                <a:prstGeom prst="rect">
+                  <a:avLst/>
+                </a:prstGeom>
+                <a:noFill/>
+              </p:spPr>
+              <p:txBody>
+                <a:bodyPr wrap="none" rtlCol="0">
+                  <a:spAutoFit/>
+                </a:bodyPr>
+                <a:lstStyle/>
+                <a:p>
+                  <a:pPr>
+                    <a:lnSpc>
+                      <a:spcPct val="150000"/>
+                    </a:lnSpc>
+                  </a:pPr>
+                  <a:r>
+                    <a:rPr lang="fr-FR" sz="1600" dirty="0">
+                      <a:solidFill>
+                        <a:srgbClr val="D6584E"/>
+                      </a:solidFill>
+                      <a:latin typeface="Bahnschrift SemiBold" panose="020B0502040204020203" pitchFamily="34" charset="0"/>
+                    </a:rPr>
+                    <a:t>Vérification du format du fichier</a:t>
+                  </a:r>
+                </a:p>
+                <a:p>
+                  <a:pPr marL="285750" indent="-285750">
+                    <a:lnSpc>
+                      <a:spcPct val="150000"/>
+                    </a:lnSpc>
+                    <a:buFont typeface="Wingdings" panose="05000000000000000000" pitchFamily="2" charset="2"/>
+                    <a:buChar char="à"/>
+                  </a:pPr>
+                  <a:r>
+                    <a:rPr lang="fr-FR" sz="1600" dirty="0">
+                      <a:solidFill>
+                        <a:schemeClr val="tx1">
+                          <a:lumMod val="75000"/>
+                          <a:lumOff val="25000"/>
+                        </a:schemeClr>
+                      </a:solidFill>
+                      <a:latin typeface="Bahnschrift SemiBold" panose="020B0502040204020203" pitchFamily="34" charset="0"/>
+                    </a:rPr>
+                    <a:t>Noms des colonnes</a:t>
+                  </a:r>
+                  <a:endParaRPr lang="fr-FR" sz="1600" dirty="0">
+                    <a:solidFill>
+                      <a:schemeClr val="tx1">
+                        <a:lumMod val="75000"/>
+                        <a:lumOff val="25000"/>
+                      </a:schemeClr>
+                    </a:solidFill>
+                    <a:latin typeface="Bahnschrift SemiBold" panose="020B0502040204020203" pitchFamily="34" charset="0"/>
+                    <a:sym typeface="Wingdings" panose="05000000000000000000" pitchFamily="2" charset="2"/>
+                  </a:endParaRPr>
+                </a:p>
+                <a:p>
+                  <a:pPr marL="285750" indent="-285750">
+                    <a:lnSpc>
+                      <a:spcPct val="150000"/>
+                    </a:lnSpc>
+                    <a:buFont typeface="Wingdings" panose="05000000000000000000" pitchFamily="2" charset="2"/>
+                    <a:buChar char="à"/>
+                  </a:pPr>
+                  <a:r>
+                    <a:rPr lang="fr-FR" sz="1600" dirty="0">
+                      <a:solidFill>
+                        <a:schemeClr val="tx1">
+                          <a:lumMod val="75000"/>
+                          <a:lumOff val="25000"/>
+                        </a:schemeClr>
+                      </a:solidFill>
+                      <a:latin typeface="Bahnschrift SemiBold" panose="020B0502040204020203" pitchFamily="34" charset="0"/>
+                      <a:sym typeface="Wingdings" panose="05000000000000000000" pitchFamily="2" charset="2"/>
+                    </a:rPr>
+                    <a:t>csv</a:t>
+                  </a:r>
+                </a:p>
+              </p:txBody>
+            </p:sp>
+            <p:sp>
+              <p:nvSpPr>
+                <p:cNvPr id="14" name="ZoneTexte 13">
+                  <a:extLst>
+                    <a:ext uri="{FF2B5EF4-FFF2-40B4-BE49-F238E27FC236}">
+                      <a16:creationId xmlns:a16="http://schemas.microsoft.com/office/drawing/2014/main" id="{B3F86816-2293-4E18-9A2D-BFF8AE953FB3}"/>
+                    </a:ext>
+                  </a:extLst>
+                </p:cNvPr>
+                <p:cNvSpPr txBox="1"/>
+                <p:nvPr/>
+              </p:nvSpPr>
+              <p:spPr>
+                <a:xfrm>
+                  <a:off x="499866" y="4027035"/>
+                  <a:ext cx="3398687" cy="780919"/>
+                </a:xfrm>
+                <a:prstGeom prst="rect">
+                  <a:avLst/>
+                </a:prstGeom>
+                <a:noFill/>
+              </p:spPr>
+              <p:txBody>
+                <a:bodyPr wrap="none" rtlCol="0">
+                  <a:spAutoFit/>
+                </a:bodyPr>
+                <a:lstStyle/>
+                <a:p>
+                  <a:pPr>
+                    <a:lnSpc>
+                      <a:spcPct val="150000"/>
+                    </a:lnSpc>
+                  </a:pPr>
+                  <a:r>
+                    <a:rPr lang="fr-FR" sz="1600" dirty="0">
+                      <a:solidFill>
+                        <a:srgbClr val="D6584E"/>
+                      </a:solidFill>
+                      <a:latin typeface="Bahnschrift SemiBold" panose="020B0502040204020203" pitchFamily="34" charset="0"/>
+                    </a:rPr>
+                    <a:t>Vérification du format des données</a:t>
+                  </a:r>
+                </a:p>
+                <a:p>
+                  <a:pPr marL="285750" indent="-285750">
+                    <a:lnSpc>
+                      <a:spcPct val="150000"/>
+                    </a:lnSpc>
+                    <a:buFont typeface="Wingdings" panose="05000000000000000000" pitchFamily="2" charset="2"/>
+                    <a:buChar char="à"/>
+                  </a:pPr>
+                  <a:r>
+                    <a:rPr lang="fr-FR" sz="1600" dirty="0" err="1">
+                      <a:solidFill>
+                        <a:schemeClr val="tx1">
+                          <a:lumMod val="75000"/>
+                          <a:lumOff val="25000"/>
+                        </a:schemeClr>
+                      </a:solidFill>
+                      <a:latin typeface="Bahnschrift SemiBold" panose="020B0502040204020203" pitchFamily="34" charset="0"/>
+                      <a:sym typeface="Wingdings" panose="05000000000000000000" pitchFamily="2" charset="2"/>
+                    </a:rPr>
+                    <a:t>EnsemblID</a:t>
+                  </a:r>
+                  <a:r>
+                    <a:rPr lang="fr-FR" sz="1600" dirty="0">
+                      <a:solidFill>
+                        <a:schemeClr val="tx1">
+                          <a:lumMod val="75000"/>
+                          <a:lumOff val="25000"/>
+                        </a:schemeClr>
+                      </a:solidFill>
+                      <a:latin typeface="Bahnschrift SemiBold" panose="020B0502040204020203" pitchFamily="34" charset="0"/>
+                      <a:sym typeface="Wingdings" panose="05000000000000000000" pitchFamily="2" charset="2"/>
+                    </a:rPr>
+                    <a:t> uniquement</a:t>
+                  </a:r>
+                </a:p>
+              </p:txBody>
+            </p:sp>
+            <p:sp>
+              <p:nvSpPr>
+                <p:cNvPr id="15" name="Rectangle 14">
+                  <a:extLst>
+                    <a:ext uri="{FF2B5EF4-FFF2-40B4-BE49-F238E27FC236}">
+                      <a16:creationId xmlns:a16="http://schemas.microsoft.com/office/drawing/2014/main" id="{B5512466-5B68-46AB-B4B7-E7F4D4B6FDB6}"/>
+                    </a:ext>
+                  </a:extLst>
+                </p:cNvPr>
+                <p:cNvSpPr/>
+                <p:nvPr/>
+              </p:nvSpPr>
+              <p:spPr>
+                <a:xfrm>
+                  <a:off x="328371" y="862149"/>
+                  <a:ext cx="7201276" cy="2856410"/>
+                </a:xfrm>
+                <a:prstGeom prst="rect">
+                  <a:avLst/>
+                </a:prstGeom>
+                <a:noFill/>
+                <a:ln w="19050">
+                  <a:solidFill>
+                    <a:schemeClr val="tx1"/>
+                  </a:solidFill>
+                </a:ln>
+              </p:spPr>
+              <p:style>
+                <a:lnRef idx="2">
+                  <a:schemeClr val="accent1">
+                    <a:shade val="50000"/>
+                  </a:schemeClr>
+                </a:lnRef>
+                <a:fillRef idx="1">
+                  <a:schemeClr val="accent1"/>
+                </a:fillRef>
+                <a:effectRef idx="0">
+                  <a:schemeClr val="accent1"/>
+                </a:effectRef>
+                <a:fontRef idx="minor">
+                  <a:schemeClr val="lt1"/>
+                </a:fontRef>
+              </p:style>
+              <p:txBody>
+                <a:bodyPr rtlCol="0" anchor="ctr"/>
+                <a:lstStyle/>
+                <a:p>
+                  <a:pPr algn="ctr"/>
+                  <a:endParaRPr lang="fr-FR" dirty="0"/>
+                </a:p>
+              </p:txBody>
+            </p:sp>
+          </p:grpSp>
+          <p:sp>
+            <p:nvSpPr>
+              <p:cNvPr id="17" name="Rectangle 16">
+                <a:extLst>
+                  <a:ext uri="{FF2B5EF4-FFF2-40B4-BE49-F238E27FC236}">
+                    <a16:creationId xmlns:a16="http://schemas.microsoft.com/office/drawing/2014/main" id="{63EBADE9-4AAD-4976-8DFD-A5896B7C2423}"/>
+                  </a:ext>
+                </a:extLst>
+              </p:cNvPr>
+              <p:cNvSpPr/>
+              <p:nvPr/>
+            </p:nvSpPr>
+            <p:spPr>
+              <a:xfrm>
+                <a:off x="5014119" y="4237833"/>
+                <a:ext cx="6734175" cy="2324100"/>
+              </a:xfrm>
+              <a:prstGeom prst="rect">
+                <a:avLst/>
+              </a:prstGeom>
+              <a:noFill/>
+              <a:ln w="19050">
+                <a:solidFill>
+                  <a:schemeClr val="tx1"/>
+                </a:solidFill>
+              </a:ln>
+            </p:spPr>
+            <p:style>
+              <a:lnRef idx="2">
+                <a:schemeClr val="accent1">
+                  <a:shade val="50000"/>
+                </a:schemeClr>
+              </a:lnRef>
+              <a:fillRef idx="1">
+                <a:schemeClr val="accent1"/>
+              </a:fillRef>
+              <a:effectRef idx="0">
+                <a:schemeClr val="accent1"/>
+              </a:effectRef>
+              <a:fontRef idx="minor">
+                <a:schemeClr val="lt1"/>
+              </a:fontRef>
+            </p:style>
+            <p:txBody>
+              <a:bodyPr rtlCol="0" anchor="ctr"/>
+              <a:lstStyle/>
+              <a:p>
+                <a:pPr algn="ctr"/>
+                <a:endParaRPr lang="fr-FR" dirty="0"/>
+              </a:p>
+            </p:txBody>
+          </p:sp>
+        </p:grpSp>
+        <p:sp>
+          <p:nvSpPr>
+            <p:cNvPr id="19" name="Parenthèse ouvrante 18">
+              <a:extLst>
+                <a:ext uri="{FF2B5EF4-FFF2-40B4-BE49-F238E27FC236}">
+                  <a16:creationId xmlns:a16="http://schemas.microsoft.com/office/drawing/2014/main" id="{9CCF34EB-17F6-4EAF-94B6-73DDCAD96BBE}"/>
+                </a:ext>
+              </a:extLst>
+            </p:cNvPr>
+            <p:cNvSpPr/>
+            <p:nvPr/>
+          </p:nvSpPr>
+          <p:spPr>
+            <a:xfrm>
+              <a:off x="679269" y="1898469"/>
+              <a:ext cx="52251" cy="1245325"/>
+            </a:xfrm>
+            <a:prstGeom prst="leftBracket">
+              <a:avLst/>
+            </a:prstGeom>
+            <a:noFill/>
+            <a:ln w="28575">
+              <a:solidFill>
+                <a:srgbClr val="D6584E"/>
+              </a:solidFill>
+            </a:ln>
+          </p:spPr>
+          <p:style>
+            <a:lnRef idx="1">
+              <a:schemeClr val="accent1"/>
+            </a:lnRef>
+            <a:fillRef idx="0">
+              <a:schemeClr val="accent1"/>
+            </a:fillRef>
+            <a:effectRef idx="0">
+              <a:schemeClr val="accent1"/>
+            </a:effectRef>
+            <a:fontRef idx="minor">
+              <a:schemeClr val="tx1"/>
+            </a:fontRef>
+          </p:style>
+          <p:txBody>
+            <a:bodyPr rtlCol="0" anchor="ctr"/>
+            <a:lstStyle/>
+            <a:p>
+              <a:pPr algn="ctr"/>
+              <a:endParaRPr lang="fr-FR"/>
+            </a:p>
+          </p:txBody>
+        </p:sp>
+        <p:sp>
+          <p:nvSpPr>
+            <p:cNvPr id="20" name="Parenthèse ouvrante 19">
+              <a:extLst>
+                <a:ext uri="{FF2B5EF4-FFF2-40B4-BE49-F238E27FC236}">
+                  <a16:creationId xmlns:a16="http://schemas.microsoft.com/office/drawing/2014/main" id="{520A21AD-756D-466D-B9FA-D4421B9A1645}"/>
+                </a:ext>
+              </a:extLst>
+            </p:cNvPr>
+            <p:cNvSpPr/>
+            <p:nvPr/>
+          </p:nvSpPr>
+          <p:spPr>
+            <a:xfrm>
+              <a:off x="6043749" y="5782491"/>
+              <a:ext cx="52251" cy="590563"/>
+            </a:xfrm>
+            <a:prstGeom prst="leftBracket">
+              <a:avLst/>
+            </a:prstGeom>
+            <a:noFill/>
+            <a:ln w="28575">
+              <a:solidFill>
+                <a:srgbClr val="D6584E"/>
+              </a:solidFill>
+            </a:ln>
+          </p:spPr>
+          <p:style>
+            <a:lnRef idx="1">
+              <a:schemeClr val="accent1"/>
+            </a:lnRef>
+            <a:fillRef idx="0">
+              <a:schemeClr val="accent1"/>
+            </a:fillRef>
+            <a:effectRef idx="0">
+              <a:schemeClr val="accent1"/>
+            </a:effectRef>
+            <a:fontRef idx="minor">
+              <a:schemeClr val="tx1"/>
+            </a:fontRef>
+          </p:style>
+          <p:txBody>
+            <a:bodyPr rtlCol="0" anchor="ctr"/>
+            <a:lstStyle/>
+            <a:p>
+              <a:pPr algn="ctr"/>
+              <a:endParaRPr lang="fr-FR"/>
+            </a:p>
+          </p:txBody>
+        </p:sp>
+      </p:grpSp>
+      <p:grpSp>
+        <p:nvGrpSpPr>
+          <p:cNvPr id="24" name="Groupe 23">
+            <a:extLst>
+              <a:ext uri="{FF2B5EF4-FFF2-40B4-BE49-F238E27FC236}">
+                <a16:creationId xmlns:a16="http://schemas.microsoft.com/office/drawing/2014/main" id="{05481EEF-1486-4444-A2D2-67D9A856FFD8}"/>
+              </a:ext>
+            </a:extLst>
+          </p:cNvPr>
+          <p:cNvGrpSpPr/>
+          <p:nvPr/>
+        </p:nvGrpSpPr>
+        <p:grpSpPr>
+          <a:xfrm>
+            <a:off x="8881641" y="1789399"/>
+            <a:ext cx="2631090" cy="1929160"/>
+            <a:chOff x="1333500" y="5038722"/>
+            <a:chExt cx="2213256" cy="1661535"/>
+          </a:xfrm>
+        </p:grpSpPr>
+        <p:pic>
+          <p:nvPicPr>
+            <p:cNvPr id="22" name="Image 21">
+              <a:extLst>
+                <a:ext uri="{FF2B5EF4-FFF2-40B4-BE49-F238E27FC236}">
+                  <a16:creationId xmlns:a16="http://schemas.microsoft.com/office/drawing/2014/main" id="{135496E0-FC67-4B0F-A28E-E9CC450B1E48}"/>
+                </a:ext>
+              </a:extLst>
+            </p:cNvPr>
+            <p:cNvPicPr>
+              <a:picLocks noChangeAspect="1"/>
+            </p:cNvPicPr>
+            <p:nvPr/>
+          </p:nvPicPr>
+          <p:blipFill rotWithShape="1">
+            <a:blip r:embed="rId5"/>
+            <a:srcRect l="2806" t="2118" r="3672" b="3959"/>
+            <a:stretch/>
+          </p:blipFill>
+          <p:spPr>
+            <a:xfrm>
+              <a:off x="1346481" y="5054147"/>
+              <a:ext cx="2200275" cy="1646110"/>
+            </a:xfrm>
+            <a:prstGeom prst="rect">
+              <a:avLst/>
+            </a:prstGeom>
+          </p:spPr>
+        </p:pic>
+        <p:sp>
+          <p:nvSpPr>
+            <p:cNvPr id="23" name="Rectangle 22">
+              <a:extLst>
+                <a:ext uri="{FF2B5EF4-FFF2-40B4-BE49-F238E27FC236}">
+                  <a16:creationId xmlns:a16="http://schemas.microsoft.com/office/drawing/2014/main" id="{A43EF21B-55C0-4382-A57C-6B1CBDF87EAF}"/>
+                </a:ext>
+              </a:extLst>
+            </p:cNvPr>
+            <p:cNvSpPr/>
+            <p:nvPr/>
+          </p:nvSpPr>
+          <p:spPr>
+            <a:xfrm>
+              <a:off x="1333500" y="5038722"/>
+              <a:ext cx="2200275" cy="1646111"/>
+            </a:xfrm>
+            <a:prstGeom prst="rect">
+              <a:avLst/>
+            </a:prstGeom>
+            <a:noFill/>
+            <a:ln w="19050">
+              <a:solidFill>
+                <a:schemeClr val="tx1"/>
+              </a:solidFill>
+            </a:ln>
+          </p:spPr>
+          <p:style>
+            <a:lnRef idx="2">
+              <a:schemeClr val="accent1">
+                <a:shade val="50000"/>
+              </a:schemeClr>
+            </a:lnRef>
+            <a:fillRef idx="1">
+              <a:schemeClr val="accent1"/>
+            </a:fillRef>
+            <a:effectRef idx="0">
+              <a:schemeClr val="accent1"/>
+            </a:effectRef>
+            <a:fontRef idx="minor">
+              <a:schemeClr val="lt1"/>
+            </a:fontRef>
+          </p:style>
+          <p:txBody>
+            <a:bodyPr rtlCol="0" anchor="ctr"/>
+            <a:lstStyle/>
+            <a:p>
+              <a:pPr algn="ctr"/>
+              <a:endParaRPr lang="fr-FR" dirty="0"/>
+            </a:p>
+          </p:txBody>
+        </p:sp>
+      </p:grpSp>
+      <p:grpSp>
+        <p:nvGrpSpPr>
+          <p:cNvPr id="29" name="Groupe 28">
+            <a:extLst>
+              <a:ext uri="{FF2B5EF4-FFF2-40B4-BE49-F238E27FC236}">
+                <a16:creationId xmlns:a16="http://schemas.microsoft.com/office/drawing/2014/main" id="{0B2EB83B-8D91-414A-8E2B-51F0CEAA1377}"/>
+              </a:ext>
+            </a:extLst>
+          </p:cNvPr>
+          <p:cNvGrpSpPr/>
+          <p:nvPr/>
+        </p:nvGrpSpPr>
+        <p:grpSpPr>
+          <a:xfrm>
+            <a:off x="1089250" y="4929101"/>
+            <a:ext cx="2425475" cy="1687162"/>
+            <a:chOff x="1089250" y="4929101"/>
+            <a:chExt cx="2425475" cy="1687162"/>
+          </a:xfrm>
+        </p:grpSpPr>
+        <p:pic>
+          <p:nvPicPr>
+            <p:cNvPr id="25" name="Image 24">
+              <a:extLst>
+                <a:ext uri="{FF2B5EF4-FFF2-40B4-BE49-F238E27FC236}">
+                  <a16:creationId xmlns:a16="http://schemas.microsoft.com/office/drawing/2014/main" id="{B39FFA99-8E84-4BEA-881E-E74109884A05}"/>
+                </a:ext>
+              </a:extLst>
+            </p:cNvPr>
+            <p:cNvPicPr>
+              <a:picLocks noChangeAspect="1"/>
+            </p:cNvPicPr>
+            <p:nvPr/>
+          </p:nvPicPr>
+          <p:blipFill>
+            <a:blip r:embed="rId6"/>
+            <a:stretch>
+              <a:fillRect/>
+            </a:stretch>
+          </p:blipFill>
+          <p:spPr>
+            <a:xfrm>
+              <a:off x="1089547" y="4934118"/>
+              <a:ext cx="2425178" cy="1682145"/>
+            </a:xfrm>
+            <a:prstGeom prst="rect">
+              <a:avLst/>
+            </a:prstGeom>
+          </p:spPr>
+        </p:pic>
+        <p:sp>
+          <p:nvSpPr>
+            <p:cNvPr id="28" name="Rectangle 27">
+              <a:extLst>
+                <a:ext uri="{FF2B5EF4-FFF2-40B4-BE49-F238E27FC236}">
+                  <a16:creationId xmlns:a16="http://schemas.microsoft.com/office/drawing/2014/main" id="{376D1452-A004-45D6-B496-DE004BBACEC7}"/>
+                </a:ext>
+              </a:extLst>
+            </p:cNvPr>
+            <p:cNvSpPr/>
+            <p:nvPr/>
+          </p:nvSpPr>
+          <p:spPr>
+            <a:xfrm>
+              <a:off x="1089250" y="4929101"/>
+              <a:ext cx="2425178" cy="1682145"/>
+            </a:xfrm>
+            <a:prstGeom prst="rect">
+              <a:avLst/>
+            </a:prstGeom>
+            <a:noFill/>
+            <a:ln w="19050">
+              <a:solidFill>
+                <a:schemeClr val="tx1"/>
+              </a:solidFill>
+            </a:ln>
+          </p:spPr>
+          <p:style>
+            <a:lnRef idx="2">
+              <a:schemeClr val="accent1">
+                <a:shade val="50000"/>
+              </a:schemeClr>
+            </a:lnRef>
+            <a:fillRef idx="1">
+              <a:schemeClr val="accent1"/>
+            </a:fillRef>
+            <a:effectRef idx="0">
+              <a:schemeClr val="accent1"/>
+            </a:effectRef>
+            <a:fontRef idx="minor">
+              <a:schemeClr val="lt1"/>
+            </a:fontRef>
+          </p:style>
+          <p:txBody>
+            <a:bodyPr rtlCol="0" anchor="ctr"/>
+            <a:lstStyle/>
+            <a:p>
+              <a:pPr algn="ctr"/>
+              <a:endParaRPr lang="fr-FR" dirty="0"/>
+            </a:p>
+          </p:txBody>
+        </p:sp>
+      </p:grpSp>
     </p:spTree>
     <p:extLst>
       <p:ext uri="{BB962C8B-B14F-4D97-AF65-F5344CB8AC3E}">
@@ -13537,7 +13098,7 @@
 </p:sld>
 </file>
 
-<file path=ppt/slides/slide8.xml><?xml version="1.0" encoding="utf-8"?>
+<file path=ppt/slides/slide7.xml><?xml version="1.0" encoding="utf-8"?>
 <p:sld xmlns:a="http://schemas.openxmlformats.org/drawingml/2006/main" xmlns:r="http://schemas.openxmlformats.org/officeDocument/2006/relationships" xmlns:p="http://schemas.openxmlformats.org/presentationml/2006/main">
   <p:cSld>
     <p:spTree>
@@ -13568,7 +13129,7 @@
         </p:nvSpPr>
         <p:spPr>
           <a:xfrm>
-            <a:off x="0" y="-6292"/>
+            <a:off x="-11339" y="-6292"/>
             <a:ext cx="12192000" cy="6864292"/>
           </a:xfrm>
           <a:prstGeom prst="rect">
@@ -13730,8 +13291,8 @@
           </p:nvSpPr>
           <p:spPr>
             <a:xfrm>
-              <a:off x="4900667" y="156738"/>
-              <a:ext cx="4182791" cy="369332"/>
+              <a:off x="3179837" y="156136"/>
+              <a:ext cx="7574848" cy="369332"/>
             </a:xfrm>
             <a:prstGeom prst="rect">
               <a:avLst/>
@@ -13787,7 +13348,43 @@
                   </a:solidFill>
                   <a:latin typeface="Bahnschrift SemiBold" panose="020B0502040204020203" pitchFamily="34" charset="0"/>
                 </a:rPr>
-                <a:t> (onglet 2)  </a:t>
+                <a:t> (onglet 2) &amp; </a:t>
+              </a:r>
+              <a:r>
+                <a:rPr lang="fr-FR" dirty="0" err="1">
+                  <a:solidFill>
+                    <a:srgbClr val="D23328"/>
+                  </a:solidFill>
+                  <a:latin typeface="Bahnschrift SemiBold" panose="020B0502040204020203" pitchFamily="34" charset="0"/>
+                </a:rPr>
+                <a:t>Pathway</a:t>
+              </a:r>
+              <a:r>
+                <a:rPr lang="fr-FR" dirty="0">
+                  <a:solidFill>
+                    <a:srgbClr val="D23328"/>
+                  </a:solidFill>
+                  <a:latin typeface="Bahnschrift SemiBold" panose="020B0502040204020203" pitchFamily="34" charset="0"/>
+                </a:rPr>
+                <a:t> </a:t>
+              </a:r>
+              <a:r>
+                <a:rPr lang="fr-FR" dirty="0" err="1">
+                  <a:solidFill>
+                    <a:srgbClr val="D23328"/>
+                  </a:solidFill>
+                  <a:latin typeface="Bahnschrift SemiBold" panose="020B0502040204020203" pitchFamily="34" charset="0"/>
+                </a:rPr>
+                <a:t>Enrichment</a:t>
+              </a:r>
+              <a:r>
+                <a:rPr lang="fr-FR" dirty="0">
+                  <a:solidFill>
+                    <a:srgbClr val="D23328"/>
+                  </a:solidFill>
+                  <a:latin typeface="Bahnschrift SemiBold" panose="020B0502040204020203" pitchFamily="34" charset="0"/>
+                </a:rPr>
+                <a:t> (onglet 3)  </a:t>
               </a:r>
             </a:p>
           </p:txBody>
@@ -13807,7 +13404,7 @@
           <p:spPr>
             <a:xfrm>
               <a:off x="11384268" y="134226"/>
-              <a:ext cx="694732" cy="369332"/>
+              <a:ext cx="576330" cy="369332"/>
             </a:xfrm>
             <a:prstGeom prst="rect">
               <a:avLst/>
@@ -13827,7 +13424,7 @@
                   </a:solidFill>
                   <a:latin typeface="Bahnschrift SemiBold" panose="020B0502040204020203" pitchFamily="34" charset="0"/>
                 </a:rPr>
-                <a:t>5/xx </a:t>
+                <a:t>5/9 </a:t>
               </a:r>
             </a:p>
           </p:txBody>
@@ -13909,6 +13506,791 @@
           </a:p>
         </p:txBody>
       </p:sp>
+      <p:grpSp>
+        <p:nvGrpSpPr>
+          <p:cNvPr id="29" name="Groupe 28">
+            <a:extLst>
+              <a:ext uri="{FF2B5EF4-FFF2-40B4-BE49-F238E27FC236}">
+                <a16:creationId xmlns:a16="http://schemas.microsoft.com/office/drawing/2014/main" id="{ABB647F4-3E26-44B8-8A26-0C3EB6A6E09D}"/>
+              </a:ext>
+            </a:extLst>
+          </p:cNvPr>
+          <p:cNvGrpSpPr/>
+          <p:nvPr/>
+        </p:nvGrpSpPr>
+        <p:grpSpPr>
+          <a:xfrm>
+            <a:off x="471246" y="1051096"/>
+            <a:ext cx="10531496" cy="4236476"/>
+            <a:chOff x="347421" y="905356"/>
+            <a:chExt cx="10531496" cy="4236476"/>
+          </a:xfrm>
+        </p:grpSpPr>
+        <p:grpSp>
+          <p:nvGrpSpPr>
+            <p:cNvPr id="16" name="Groupe 15">
+              <a:extLst>
+                <a:ext uri="{FF2B5EF4-FFF2-40B4-BE49-F238E27FC236}">
+                  <a16:creationId xmlns:a16="http://schemas.microsoft.com/office/drawing/2014/main" id="{453FBC3D-B650-4846-97AB-0AB52820EB21}"/>
+                </a:ext>
+              </a:extLst>
+            </p:cNvPr>
+            <p:cNvGrpSpPr/>
+            <p:nvPr/>
+          </p:nvGrpSpPr>
+          <p:grpSpPr>
+            <a:xfrm>
+              <a:off x="877011" y="905356"/>
+              <a:ext cx="6619875" cy="590241"/>
+              <a:chOff x="328371" y="862149"/>
+              <a:chExt cx="6619875" cy="590241"/>
+            </a:xfrm>
+          </p:grpSpPr>
+          <p:pic>
+            <p:nvPicPr>
+              <p:cNvPr id="13" name="Image 12">
+                <a:extLst>
+                  <a:ext uri="{FF2B5EF4-FFF2-40B4-BE49-F238E27FC236}">
+                    <a16:creationId xmlns:a16="http://schemas.microsoft.com/office/drawing/2014/main" id="{F324FB56-AC8C-405D-845C-A475206E8E7B}"/>
+                  </a:ext>
+                </a:extLst>
+              </p:cNvPr>
+              <p:cNvPicPr>
+                <a:picLocks noChangeAspect="1"/>
+              </p:cNvPicPr>
+              <p:nvPr/>
+            </p:nvPicPr>
+            <p:blipFill>
+              <a:blip r:embed="rId3"/>
+              <a:stretch>
+                <a:fillRect/>
+              </a:stretch>
+            </p:blipFill>
+            <p:spPr>
+              <a:xfrm>
+                <a:off x="328371" y="880890"/>
+                <a:ext cx="6619875" cy="571500"/>
+              </a:xfrm>
+              <a:prstGeom prst="rect">
+                <a:avLst/>
+              </a:prstGeom>
+            </p:spPr>
+          </p:pic>
+          <p:sp>
+            <p:nvSpPr>
+              <p:cNvPr id="15" name="Rectangle 14">
+                <a:extLst>
+                  <a:ext uri="{FF2B5EF4-FFF2-40B4-BE49-F238E27FC236}">
+                    <a16:creationId xmlns:a16="http://schemas.microsoft.com/office/drawing/2014/main" id="{37BF0F95-A453-4671-95BF-95727CAB788E}"/>
+                  </a:ext>
+                </a:extLst>
+              </p:cNvPr>
+              <p:cNvSpPr/>
+              <p:nvPr/>
+            </p:nvSpPr>
+            <p:spPr>
+              <a:xfrm>
+                <a:off x="328371" y="862149"/>
+                <a:ext cx="6619875" cy="582476"/>
+              </a:xfrm>
+              <a:prstGeom prst="rect">
+                <a:avLst/>
+              </a:prstGeom>
+              <a:noFill/>
+              <a:ln w="19050">
+                <a:solidFill>
+                  <a:schemeClr val="tx1"/>
+                </a:solidFill>
+              </a:ln>
+            </p:spPr>
+            <p:style>
+              <a:lnRef idx="2">
+                <a:schemeClr val="accent1">
+                  <a:shade val="50000"/>
+                </a:schemeClr>
+              </a:lnRef>
+              <a:fillRef idx="1">
+                <a:schemeClr val="accent1"/>
+              </a:fillRef>
+              <a:effectRef idx="0">
+                <a:schemeClr val="accent1"/>
+              </a:effectRef>
+              <a:fontRef idx="minor">
+                <a:schemeClr val="lt1"/>
+              </a:fontRef>
+            </p:style>
+            <p:txBody>
+              <a:bodyPr rtlCol="0" anchor="ctr"/>
+              <a:lstStyle/>
+              <a:p>
+                <a:pPr algn="ctr"/>
+                <a:endParaRPr lang="fr-FR" dirty="0"/>
+              </a:p>
+            </p:txBody>
+          </p:sp>
+        </p:grpSp>
+        <p:grpSp>
+          <p:nvGrpSpPr>
+            <p:cNvPr id="18" name="Groupe 17">
+              <a:extLst>
+                <a:ext uri="{FF2B5EF4-FFF2-40B4-BE49-F238E27FC236}">
+                  <a16:creationId xmlns:a16="http://schemas.microsoft.com/office/drawing/2014/main" id="{DFD91E43-CDBF-41EA-8F92-98E6775FB4F0}"/>
+                </a:ext>
+              </a:extLst>
+            </p:cNvPr>
+            <p:cNvGrpSpPr/>
+            <p:nvPr/>
+          </p:nvGrpSpPr>
+          <p:grpSpPr>
+            <a:xfrm>
+              <a:off x="347421" y="3189206"/>
+              <a:ext cx="4629151" cy="1952626"/>
+              <a:chOff x="7214954" y="1679765"/>
+              <a:chExt cx="4629151" cy="1952626"/>
+            </a:xfrm>
+          </p:grpSpPr>
+          <p:pic>
+            <p:nvPicPr>
+              <p:cNvPr id="10" name="Image 9">
+                <a:extLst>
+                  <a:ext uri="{FF2B5EF4-FFF2-40B4-BE49-F238E27FC236}">
+                    <a16:creationId xmlns:a16="http://schemas.microsoft.com/office/drawing/2014/main" id="{AE55CE45-B4E8-4F34-83E3-2AF007EF84AB}"/>
+                  </a:ext>
+                </a:extLst>
+              </p:cNvPr>
+              <p:cNvPicPr>
+                <a:picLocks noChangeAspect="1"/>
+              </p:cNvPicPr>
+              <p:nvPr/>
+            </p:nvPicPr>
+            <p:blipFill>
+              <a:blip r:embed="rId4"/>
+              <a:stretch>
+                <a:fillRect/>
+              </a:stretch>
+            </p:blipFill>
+            <p:spPr>
+              <a:xfrm>
+                <a:off x="7214955" y="1679766"/>
+                <a:ext cx="4629150" cy="1952625"/>
+              </a:xfrm>
+              <a:prstGeom prst="rect">
+                <a:avLst/>
+              </a:prstGeom>
+            </p:spPr>
+          </p:pic>
+          <p:sp>
+            <p:nvSpPr>
+              <p:cNvPr id="17" name="Rectangle 16">
+                <a:extLst>
+                  <a:ext uri="{FF2B5EF4-FFF2-40B4-BE49-F238E27FC236}">
+                    <a16:creationId xmlns:a16="http://schemas.microsoft.com/office/drawing/2014/main" id="{F693300D-FE81-4563-87A7-0C9F702A395F}"/>
+                  </a:ext>
+                </a:extLst>
+              </p:cNvPr>
+              <p:cNvSpPr/>
+              <p:nvPr/>
+            </p:nvSpPr>
+            <p:spPr>
+              <a:xfrm>
+                <a:off x="7214954" y="1679765"/>
+                <a:ext cx="4629149" cy="1952625"/>
+              </a:xfrm>
+              <a:prstGeom prst="rect">
+                <a:avLst/>
+              </a:prstGeom>
+              <a:noFill/>
+              <a:ln w="19050">
+                <a:solidFill>
+                  <a:schemeClr val="tx1"/>
+                </a:solidFill>
+              </a:ln>
+            </p:spPr>
+            <p:style>
+              <a:lnRef idx="2">
+                <a:schemeClr val="accent1">
+                  <a:shade val="50000"/>
+                </a:schemeClr>
+              </a:lnRef>
+              <a:fillRef idx="1">
+                <a:schemeClr val="accent1"/>
+              </a:fillRef>
+              <a:effectRef idx="0">
+                <a:schemeClr val="accent1"/>
+              </a:effectRef>
+              <a:fontRef idx="minor">
+                <a:schemeClr val="lt1"/>
+              </a:fontRef>
+            </p:style>
+            <p:txBody>
+              <a:bodyPr rtlCol="0" anchor="ctr"/>
+              <a:lstStyle/>
+              <a:p>
+                <a:pPr algn="ctr"/>
+                <a:endParaRPr lang="fr-FR" dirty="0"/>
+              </a:p>
+            </p:txBody>
+          </p:sp>
+        </p:grpSp>
+        <p:grpSp>
+          <p:nvGrpSpPr>
+            <p:cNvPr id="21" name="Groupe 20">
+              <a:extLst>
+                <a:ext uri="{FF2B5EF4-FFF2-40B4-BE49-F238E27FC236}">
+                  <a16:creationId xmlns:a16="http://schemas.microsoft.com/office/drawing/2014/main" id="{BF291818-D854-45AF-AEBD-3995C9D57AFB}"/>
+                </a:ext>
+              </a:extLst>
+            </p:cNvPr>
+            <p:cNvGrpSpPr/>
+            <p:nvPr/>
+          </p:nvGrpSpPr>
+          <p:grpSpPr>
+            <a:xfrm>
+              <a:off x="3782792" y="1760718"/>
+              <a:ext cx="7096125" cy="1147837"/>
+              <a:chOff x="3734511" y="2851935"/>
+              <a:chExt cx="7096125" cy="1147837"/>
+            </a:xfrm>
+          </p:grpSpPr>
+          <p:grpSp>
+            <p:nvGrpSpPr>
+              <p:cNvPr id="20" name="Groupe 19">
+                <a:extLst>
+                  <a:ext uri="{FF2B5EF4-FFF2-40B4-BE49-F238E27FC236}">
+                    <a16:creationId xmlns:a16="http://schemas.microsoft.com/office/drawing/2014/main" id="{AF0CE407-BFE8-4EB1-819C-245B26DB0514}"/>
+                  </a:ext>
+                </a:extLst>
+              </p:cNvPr>
+              <p:cNvGrpSpPr/>
+              <p:nvPr/>
+            </p:nvGrpSpPr>
+            <p:grpSpPr>
+              <a:xfrm>
+                <a:off x="3734511" y="2851935"/>
+                <a:ext cx="7096125" cy="1147837"/>
+                <a:chOff x="328371" y="3825859"/>
+                <a:chExt cx="7096125" cy="1147837"/>
+              </a:xfrm>
+            </p:grpSpPr>
+            <p:pic>
+              <p:nvPicPr>
+                <p:cNvPr id="5" name="Image 4">
+                  <a:extLst>
+                    <a:ext uri="{FF2B5EF4-FFF2-40B4-BE49-F238E27FC236}">
+                      <a16:creationId xmlns:a16="http://schemas.microsoft.com/office/drawing/2014/main" id="{233DEEE9-5726-425D-9447-C654C3FF0387}"/>
+                    </a:ext>
+                  </a:extLst>
+                </p:cNvPr>
+                <p:cNvPicPr>
+                  <a:picLocks noChangeAspect="1"/>
+                </p:cNvPicPr>
+                <p:nvPr/>
+              </p:nvPicPr>
+              <p:blipFill>
+                <a:blip r:embed="rId5"/>
+                <a:stretch>
+                  <a:fillRect/>
+                </a:stretch>
+              </p:blipFill>
+              <p:spPr>
+                <a:xfrm>
+                  <a:off x="328371" y="3830696"/>
+                  <a:ext cx="7096125" cy="1143000"/>
+                </a:xfrm>
+                <a:prstGeom prst="rect">
+                  <a:avLst/>
+                </a:prstGeom>
+              </p:spPr>
+            </p:pic>
+            <p:sp>
+              <p:nvSpPr>
+                <p:cNvPr id="19" name="Rectangle 18">
+                  <a:extLst>
+                    <a:ext uri="{FF2B5EF4-FFF2-40B4-BE49-F238E27FC236}">
+                      <a16:creationId xmlns:a16="http://schemas.microsoft.com/office/drawing/2014/main" id="{80C1B2DC-0915-4974-B846-CEC0050E373A}"/>
+                    </a:ext>
+                  </a:extLst>
+                </p:cNvPr>
+                <p:cNvSpPr/>
+                <p:nvPr/>
+              </p:nvSpPr>
+              <p:spPr>
+                <a:xfrm>
+                  <a:off x="328371" y="3825859"/>
+                  <a:ext cx="7096125" cy="1143000"/>
+                </a:xfrm>
+                <a:prstGeom prst="rect">
+                  <a:avLst/>
+                </a:prstGeom>
+                <a:noFill/>
+                <a:ln w="19050">
+                  <a:solidFill>
+                    <a:schemeClr val="tx1"/>
+                  </a:solidFill>
+                </a:ln>
+              </p:spPr>
+              <p:style>
+                <a:lnRef idx="2">
+                  <a:schemeClr val="accent1">
+                    <a:shade val="50000"/>
+                  </a:schemeClr>
+                </a:lnRef>
+                <a:fillRef idx="1">
+                  <a:schemeClr val="accent1"/>
+                </a:fillRef>
+                <a:effectRef idx="0">
+                  <a:schemeClr val="accent1"/>
+                </a:effectRef>
+                <a:fontRef idx="minor">
+                  <a:schemeClr val="lt1"/>
+                </a:fontRef>
+              </p:style>
+              <p:txBody>
+                <a:bodyPr rtlCol="0" anchor="ctr"/>
+                <a:lstStyle/>
+                <a:p>
+                  <a:pPr algn="ctr"/>
+                  <a:endParaRPr lang="fr-FR" dirty="0"/>
+                </a:p>
+              </p:txBody>
+            </p:sp>
+          </p:grpSp>
+          <p:sp>
+            <p:nvSpPr>
+              <p:cNvPr id="14" name="Parenthèse ouvrante 13">
+                <a:extLst>
+                  <a:ext uri="{FF2B5EF4-FFF2-40B4-BE49-F238E27FC236}">
+                    <a16:creationId xmlns:a16="http://schemas.microsoft.com/office/drawing/2014/main" id="{C726E304-D6F0-41A2-B648-D94027AC1A86}"/>
+                  </a:ext>
+                </a:extLst>
+              </p:cNvPr>
+              <p:cNvSpPr/>
+              <p:nvPr/>
+            </p:nvSpPr>
+            <p:spPr>
+              <a:xfrm>
+                <a:off x="3878581" y="3423435"/>
+                <a:ext cx="46808" cy="312420"/>
+              </a:xfrm>
+              <a:prstGeom prst="leftBracket">
+                <a:avLst/>
+              </a:prstGeom>
+              <a:noFill/>
+              <a:ln w="28575">
+                <a:solidFill>
+                  <a:srgbClr val="D6584E"/>
+                </a:solidFill>
+              </a:ln>
+            </p:spPr>
+            <p:style>
+              <a:lnRef idx="1">
+                <a:schemeClr val="accent1"/>
+              </a:lnRef>
+              <a:fillRef idx="0">
+                <a:schemeClr val="accent1"/>
+              </a:fillRef>
+              <a:effectRef idx="0">
+                <a:schemeClr val="accent1"/>
+              </a:effectRef>
+              <a:fontRef idx="minor">
+                <a:schemeClr val="tx1"/>
+              </a:fontRef>
+            </p:style>
+            <p:txBody>
+              <a:bodyPr rtlCol="0" anchor="ctr"/>
+              <a:lstStyle/>
+              <a:p>
+                <a:pPr algn="ctr"/>
+                <a:endParaRPr lang="fr-FR"/>
+              </a:p>
+            </p:txBody>
+          </p:sp>
+        </p:grpSp>
+        <p:cxnSp>
+          <p:nvCxnSpPr>
+            <p:cNvPr id="22" name="Connecteur droit avec flèche 21">
+              <a:extLst>
+                <a:ext uri="{FF2B5EF4-FFF2-40B4-BE49-F238E27FC236}">
+                  <a16:creationId xmlns:a16="http://schemas.microsoft.com/office/drawing/2014/main" id="{A3DD6755-65CF-4EA4-A0E9-A7092F375263}"/>
+                </a:ext>
+              </a:extLst>
+            </p:cNvPr>
+            <p:cNvCxnSpPr>
+              <a:cxnSpLocks/>
+            </p:cNvCxnSpPr>
+            <p:nvPr/>
+          </p:nvCxnSpPr>
+          <p:spPr>
+            <a:xfrm flipH="1" flipV="1">
+              <a:off x="3528060" y="1495597"/>
+              <a:ext cx="784860" cy="439883"/>
+            </a:xfrm>
+            <a:prstGeom prst="straightConnector1">
+              <a:avLst/>
+            </a:prstGeom>
+            <a:ln w="28575">
+              <a:solidFill>
+                <a:srgbClr val="D6584E"/>
+              </a:solidFill>
+              <a:tailEnd type="triangle"/>
+            </a:ln>
+          </p:spPr>
+          <p:style>
+            <a:lnRef idx="1">
+              <a:schemeClr val="dk1"/>
+            </a:lnRef>
+            <a:fillRef idx="0">
+              <a:schemeClr val="dk1"/>
+            </a:fillRef>
+            <a:effectRef idx="0">
+              <a:schemeClr val="dk1"/>
+            </a:effectRef>
+            <a:fontRef idx="minor">
+              <a:schemeClr val="tx1"/>
+            </a:fontRef>
+          </p:style>
+        </p:cxnSp>
+        <p:cxnSp>
+          <p:nvCxnSpPr>
+            <p:cNvPr id="25" name="Connecteur droit avec flèche 24">
+              <a:extLst>
+                <a:ext uri="{FF2B5EF4-FFF2-40B4-BE49-F238E27FC236}">
+                  <a16:creationId xmlns:a16="http://schemas.microsoft.com/office/drawing/2014/main" id="{B0EC0878-E584-45DE-8F2E-E5BA7D41E5D9}"/>
+                </a:ext>
+              </a:extLst>
+            </p:cNvPr>
+            <p:cNvCxnSpPr>
+              <a:cxnSpLocks/>
+            </p:cNvCxnSpPr>
+            <p:nvPr/>
+          </p:nvCxnSpPr>
+          <p:spPr>
+            <a:xfrm flipH="1">
+              <a:off x="1021081" y="1379220"/>
+              <a:ext cx="1186185" cy="1920240"/>
+            </a:xfrm>
+            <a:prstGeom prst="straightConnector1">
+              <a:avLst/>
+            </a:prstGeom>
+            <a:ln w="28575">
+              <a:solidFill>
+                <a:srgbClr val="D6584E"/>
+              </a:solidFill>
+              <a:tailEnd type="triangle"/>
+            </a:ln>
+          </p:spPr>
+          <p:style>
+            <a:lnRef idx="1">
+              <a:schemeClr val="dk1"/>
+            </a:lnRef>
+            <a:fillRef idx="0">
+              <a:schemeClr val="dk1"/>
+            </a:fillRef>
+            <a:effectRef idx="0">
+              <a:schemeClr val="dk1"/>
+            </a:effectRef>
+            <a:fontRef idx="minor">
+              <a:schemeClr val="tx1"/>
+            </a:fontRef>
+          </p:style>
+        </p:cxnSp>
+      </p:grpSp>
+      <p:sp>
+        <p:nvSpPr>
+          <p:cNvPr id="30" name="ZoneTexte 29">
+            <a:extLst>
+              <a:ext uri="{FF2B5EF4-FFF2-40B4-BE49-F238E27FC236}">
+                <a16:creationId xmlns:a16="http://schemas.microsoft.com/office/drawing/2014/main" id="{1C286B84-E536-4B92-A271-1832662C3F51}"/>
+              </a:ext>
+            </a:extLst>
+          </p:cNvPr>
+          <p:cNvSpPr txBox="1"/>
+          <p:nvPr/>
+        </p:nvSpPr>
+        <p:spPr>
+          <a:xfrm>
+            <a:off x="5387419" y="3417525"/>
+            <a:ext cx="6705682" cy="1150251"/>
+          </a:xfrm>
+          <a:prstGeom prst="rect">
+            <a:avLst/>
+          </a:prstGeom>
+          <a:noFill/>
+        </p:spPr>
+        <p:txBody>
+          <a:bodyPr wrap="none" rtlCol="0">
+            <a:spAutoFit/>
+          </a:bodyPr>
+          <a:lstStyle/>
+          <a:p>
+            <a:pPr>
+              <a:lnSpc>
+                <a:spcPct val="150000"/>
+              </a:lnSpc>
+            </a:pPr>
+            <a:r>
+              <a:rPr lang="fr-FR" sz="1600" dirty="0">
+                <a:solidFill>
+                  <a:srgbClr val="D6584E"/>
+                </a:solidFill>
+                <a:latin typeface="Bahnschrift SemiBold" panose="020B0502040204020203" pitchFamily="34" charset="0"/>
+              </a:rPr>
+              <a:t>Liens cliquables pour GO</a:t>
+            </a:r>
+          </a:p>
+          <a:p>
+            <a:pPr marL="285750" indent="-285750">
+              <a:lnSpc>
+                <a:spcPct val="150000"/>
+              </a:lnSpc>
+              <a:buFont typeface="Wingdings" panose="05000000000000000000" pitchFamily="2" charset="2"/>
+              <a:buChar char="à"/>
+            </a:pPr>
+            <a:r>
+              <a:rPr lang="fr-FR" sz="1600" dirty="0">
+                <a:solidFill>
+                  <a:schemeClr val="tx1">
+                    <a:lumMod val="75000"/>
+                    <a:lumOff val="25000"/>
+                  </a:schemeClr>
+                </a:solidFill>
+                <a:latin typeface="Bahnschrift SemiBold" panose="020B0502040204020203" pitchFamily="34" charset="0"/>
+                <a:sym typeface="Wingdings" panose="05000000000000000000" pitchFamily="2" charset="2"/>
+              </a:rPr>
+              <a:t>Utilisation d'une fonction codée à la main pour </a:t>
+            </a:r>
+            <a:r>
+              <a:rPr lang="fr-FR" sz="1600" dirty="0" err="1">
+                <a:solidFill>
+                  <a:schemeClr val="tx1">
+                    <a:lumMod val="75000"/>
+                    <a:lumOff val="25000"/>
+                  </a:schemeClr>
+                </a:solidFill>
+                <a:latin typeface="Bahnschrift SemiBold" panose="020B0502040204020203" pitchFamily="34" charset="0"/>
+                <a:sym typeface="Wingdings" panose="05000000000000000000" pitchFamily="2" charset="2"/>
+              </a:rPr>
+              <a:t>récuperer</a:t>
+            </a:r>
+            <a:r>
+              <a:rPr lang="fr-FR" sz="1600" dirty="0">
+                <a:solidFill>
+                  <a:schemeClr val="tx1">
+                    <a:lumMod val="75000"/>
+                    <a:lumOff val="25000"/>
+                  </a:schemeClr>
+                </a:solidFill>
+                <a:latin typeface="Bahnschrift SemiBold" panose="020B0502040204020203" pitchFamily="34" charset="0"/>
+                <a:sym typeface="Wingdings" panose="05000000000000000000" pitchFamily="2" charset="2"/>
+              </a:rPr>
+              <a:t> le tableau </a:t>
+            </a:r>
+          </a:p>
+          <a:p>
+            <a:pPr marL="285750" indent="-285750">
+              <a:lnSpc>
+                <a:spcPct val="150000"/>
+              </a:lnSpc>
+              <a:buFont typeface="Wingdings" panose="05000000000000000000" pitchFamily="2" charset="2"/>
+              <a:buChar char="à"/>
+            </a:pPr>
+            <a:r>
+              <a:rPr lang="fr-FR" sz="1600" dirty="0">
+                <a:solidFill>
+                  <a:schemeClr val="tx1">
+                    <a:lumMod val="75000"/>
+                    <a:lumOff val="25000"/>
+                  </a:schemeClr>
+                </a:solidFill>
+                <a:latin typeface="Bahnschrift SemiBold" panose="020B0502040204020203" pitchFamily="34" charset="0"/>
+                <a:sym typeface="Wingdings" panose="05000000000000000000" pitchFamily="2" charset="2"/>
+              </a:rPr>
+              <a:t>Ajout de la colonne à postériori</a:t>
+            </a:r>
+            <a:endParaRPr lang="fr-FR" sz="1600" dirty="0">
+              <a:solidFill>
+                <a:schemeClr val="tx1">
+                  <a:lumMod val="75000"/>
+                  <a:lumOff val="25000"/>
+                </a:schemeClr>
+              </a:solidFill>
+              <a:latin typeface="Bahnschrift SemiBold" panose="020B0502040204020203" pitchFamily="34" charset="0"/>
+            </a:endParaRPr>
+          </a:p>
+        </p:txBody>
+      </p:sp>
+      <p:grpSp>
+        <p:nvGrpSpPr>
+          <p:cNvPr id="32" name="Groupe 31">
+            <a:extLst>
+              <a:ext uri="{FF2B5EF4-FFF2-40B4-BE49-F238E27FC236}">
+                <a16:creationId xmlns:a16="http://schemas.microsoft.com/office/drawing/2014/main" id="{B161F7B1-3C69-4067-8638-5E5B28AB76D1}"/>
+              </a:ext>
+            </a:extLst>
+          </p:cNvPr>
+          <p:cNvGrpSpPr/>
+          <p:nvPr/>
+        </p:nvGrpSpPr>
+        <p:grpSpPr>
+          <a:xfrm>
+            <a:off x="6096000" y="5026768"/>
+            <a:ext cx="4640490" cy="1522790"/>
+            <a:chOff x="6095999" y="4951493"/>
+            <a:chExt cx="4640490" cy="1522790"/>
+          </a:xfrm>
+        </p:grpSpPr>
+        <p:pic>
+          <p:nvPicPr>
+            <p:cNvPr id="1026" name="Picture 2" descr="Aucune description disponible.">
+              <a:extLst>
+                <a:ext uri="{FF2B5EF4-FFF2-40B4-BE49-F238E27FC236}">
+                  <a16:creationId xmlns:a16="http://schemas.microsoft.com/office/drawing/2014/main" id="{B6AE3A67-9EF3-4980-9B84-B1993D8FB857}"/>
+                </a:ext>
+              </a:extLst>
+            </p:cNvPr>
+            <p:cNvPicPr>
+              <a:picLocks noChangeAspect="1" noChangeArrowheads="1"/>
+            </p:cNvPicPr>
+            <p:nvPr/>
+          </p:nvPicPr>
+          <p:blipFill rotWithShape="1">
+            <a:blip r:embed="rId6">
+              <a:extLst>
+                <a:ext uri="{28A0092B-C50C-407E-A947-70E740481C1C}">
+                  <a14:useLocalDpi xmlns:a14="http://schemas.microsoft.com/office/drawing/2010/main" val="0"/>
+                </a:ext>
+              </a:extLst>
+            </a:blip>
+            <a:srcRect r="47056"/>
+            <a:stretch/>
+          </p:blipFill>
+          <p:spPr bwMode="auto">
+            <a:xfrm>
+              <a:off x="6096000" y="4951493"/>
+              <a:ext cx="4629150" cy="1522790"/>
+            </a:xfrm>
+            <a:prstGeom prst="rect">
+              <a:avLst/>
+            </a:prstGeom>
+            <a:noFill/>
+            <a:extLst>
+              <a:ext uri="{909E8E84-426E-40DD-AFC4-6F175D3DCCD1}">
+                <a14:hiddenFill xmlns:a14="http://schemas.microsoft.com/office/drawing/2010/main">
+                  <a:solidFill>
+                    <a:srgbClr val="FFFFFF"/>
+                  </a:solidFill>
+                </a14:hiddenFill>
+              </a:ext>
+            </a:extLst>
+          </p:spPr>
+        </p:pic>
+        <p:sp>
+          <p:nvSpPr>
+            <p:cNvPr id="33" name="Rectangle 32">
+              <a:extLst>
+                <a:ext uri="{FF2B5EF4-FFF2-40B4-BE49-F238E27FC236}">
+                  <a16:creationId xmlns:a16="http://schemas.microsoft.com/office/drawing/2014/main" id="{517FB897-3DD0-482C-B727-A259C6DACD68}"/>
+                </a:ext>
+              </a:extLst>
+            </p:cNvPr>
+            <p:cNvSpPr/>
+            <p:nvPr/>
+          </p:nvSpPr>
+          <p:spPr>
+            <a:xfrm>
+              <a:off x="6095999" y="4951494"/>
+              <a:ext cx="4640490" cy="1522789"/>
+            </a:xfrm>
+            <a:prstGeom prst="rect">
+              <a:avLst/>
+            </a:prstGeom>
+            <a:noFill/>
+            <a:ln w="19050">
+              <a:solidFill>
+                <a:schemeClr val="tx1"/>
+              </a:solidFill>
+            </a:ln>
+          </p:spPr>
+          <p:style>
+            <a:lnRef idx="2">
+              <a:schemeClr val="accent1">
+                <a:shade val="50000"/>
+              </a:schemeClr>
+            </a:lnRef>
+            <a:fillRef idx="1">
+              <a:schemeClr val="accent1"/>
+            </a:fillRef>
+            <a:effectRef idx="0">
+              <a:schemeClr val="accent1"/>
+            </a:effectRef>
+            <a:fontRef idx="minor">
+              <a:schemeClr val="lt1"/>
+            </a:fontRef>
+          </p:style>
+          <p:txBody>
+            <a:bodyPr rtlCol="0" anchor="ctr"/>
+            <a:lstStyle/>
+            <a:p>
+              <a:pPr algn="ctr"/>
+              <a:endParaRPr lang="fr-FR" dirty="0"/>
+            </a:p>
+          </p:txBody>
+        </p:sp>
+      </p:grpSp>
+      <p:sp>
+        <p:nvSpPr>
+          <p:cNvPr id="35" name="Flèche : droite 34">
+            <a:extLst>
+              <a:ext uri="{FF2B5EF4-FFF2-40B4-BE49-F238E27FC236}">
+                <a16:creationId xmlns:a16="http://schemas.microsoft.com/office/drawing/2014/main" id="{8B06729E-430F-4945-B4FF-8C35E7B4256F}"/>
+              </a:ext>
+            </a:extLst>
+          </p:cNvPr>
+          <p:cNvSpPr/>
+          <p:nvPr/>
+        </p:nvSpPr>
+        <p:spPr>
+          <a:xfrm>
+            <a:off x="5044519" y="5742120"/>
+            <a:ext cx="685800" cy="314325"/>
+          </a:xfrm>
+          <a:prstGeom prst="rightArrow">
+            <a:avLst/>
+          </a:prstGeom>
+          <a:solidFill>
+            <a:srgbClr val="D6584E"/>
+          </a:solidFill>
+          <a:ln>
+            <a:solidFill>
+              <a:schemeClr val="tx1"/>
+            </a:solidFill>
+          </a:ln>
+        </p:spPr>
+        <p:style>
+          <a:lnRef idx="2">
+            <a:schemeClr val="accent1">
+              <a:shade val="50000"/>
+            </a:schemeClr>
+          </a:lnRef>
+          <a:fillRef idx="1">
+            <a:schemeClr val="accent1"/>
+          </a:fillRef>
+          <a:effectRef idx="0">
+            <a:schemeClr val="accent1"/>
+          </a:effectRef>
+          <a:fontRef idx="minor">
+            <a:schemeClr val="lt1"/>
+          </a:fontRef>
+        </p:style>
+        <p:txBody>
+          <a:bodyPr rtlCol="0" anchor="ctr"/>
+          <a:lstStyle/>
+          <a:p>
+            <a:pPr algn="ctr"/>
+            <a:endParaRPr lang="fr-FR"/>
+          </a:p>
+        </p:txBody>
+      </p:sp>
     </p:spTree>
     <p:extLst>
       <p:ext uri="{BB962C8B-B14F-4D97-AF65-F5344CB8AC3E}">
@@ -13922,7 +14304,7 @@
 </p:sld>
 </file>
 
-<file path=ppt/slides/slide9.xml><?xml version="1.0" encoding="utf-8"?>
+<file path=ppt/slides/slide8.xml><?xml version="1.0" encoding="utf-8"?>
 <p:sld xmlns:a="http://schemas.openxmlformats.org/drawingml/2006/main" xmlns:r="http://schemas.openxmlformats.org/officeDocument/2006/relationships" xmlns:p="http://schemas.openxmlformats.org/presentationml/2006/main">
   <p:cSld>
     <p:spTree>
@@ -14115,8 +14497,8 @@
           </p:nvSpPr>
           <p:spPr>
             <a:xfrm>
-              <a:off x="4876666" y="145397"/>
-              <a:ext cx="4181190" cy="369332"/>
+              <a:off x="4870480" y="139216"/>
+              <a:ext cx="4902803" cy="369332"/>
             </a:xfrm>
             <a:prstGeom prst="rect">
               <a:avLst/>
@@ -14145,7 +14527,7 @@
                   </a:solidFill>
                   <a:latin typeface="Bahnschrift SemiBold" panose="020B0502040204020203" pitchFamily="34" charset="0"/>
                 </a:rPr>
-                <a:t>Pathway</a:t>
+                <a:t>Protein</a:t>
               </a:r>
               <a:r>
                 <a:rPr lang="fr-FR" dirty="0">
@@ -14154,7 +14536,7 @@
                   </a:solidFill>
                   <a:latin typeface="Bahnschrift SemiBold" panose="020B0502040204020203" pitchFamily="34" charset="0"/>
                 </a:rPr>
-                <a:t> </a:t>
+                <a:t> Domain </a:t>
               </a:r>
               <a:r>
                 <a:rPr lang="fr-FR" dirty="0" err="1">
@@ -14172,7 +14554,7 @@
                   </a:solidFill>
                   <a:latin typeface="Bahnschrift SemiBold" panose="020B0502040204020203" pitchFamily="34" charset="0"/>
                 </a:rPr>
-                <a:t> (onglet 3)  </a:t>
+                <a:t> (onglet 4)  </a:t>
               </a:r>
             </a:p>
           </p:txBody>
@@ -14192,7 +14574,7 @@
           <p:spPr>
             <a:xfrm>
               <a:off x="11384268" y="134226"/>
-              <a:ext cx="688332" cy="369332"/>
+              <a:ext cx="569930" cy="369332"/>
             </a:xfrm>
             <a:prstGeom prst="rect">
               <a:avLst/>
@@ -14212,7 +14594,356 @@
                   </a:solidFill>
                   <a:latin typeface="Bahnschrift SemiBold" panose="020B0502040204020203" pitchFamily="34" charset="0"/>
                 </a:rPr>
-                <a:t>6/xx </a:t>
+                <a:t>6/9 </a:t>
+              </a:r>
+            </a:p>
+          </p:txBody>
+        </p:sp>
+        <p:cxnSp>
+          <p:nvCxnSpPr>
+            <p:cNvPr id="9" name="Connecteur droit 8">
+              <a:extLst>
+                <a:ext uri="{FF2B5EF4-FFF2-40B4-BE49-F238E27FC236}">
+                  <a16:creationId xmlns:a16="http://schemas.microsoft.com/office/drawing/2014/main" id="{1397F953-2F02-4C72-9188-790D6B16EA4F}"/>
+                </a:ext>
+              </a:extLst>
+            </p:cNvPr>
+            <p:cNvCxnSpPr/>
+            <p:nvPr/>
+          </p:nvCxnSpPr>
+          <p:spPr>
+            <a:xfrm>
+              <a:off x="2550253" y="173166"/>
+              <a:ext cx="0" cy="341563"/>
+            </a:xfrm>
+            <a:prstGeom prst="line">
+              <a:avLst/>
+            </a:prstGeom>
+          </p:spPr>
+          <p:style>
+            <a:lnRef idx="3">
+              <a:schemeClr val="dk1"/>
+            </a:lnRef>
+            <a:fillRef idx="0">
+              <a:schemeClr val="dk1"/>
+            </a:fillRef>
+            <a:effectRef idx="2">
+              <a:schemeClr val="dk1"/>
+            </a:effectRef>
+            <a:fontRef idx="minor">
+              <a:schemeClr val="tx1"/>
+            </a:fontRef>
+          </p:style>
+        </p:cxnSp>
+      </p:grpSp>
+      <p:sp>
+        <p:nvSpPr>
+          <p:cNvPr id="10" name="ZoneTexte 9">
+            <a:extLst>
+              <a:ext uri="{FF2B5EF4-FFF2-40B4-BE49-F238E27FC236}">
+                <a16:creationId xmlns:a16="http://schemas.microsoft.com/office/drawing/2014/main" id="{60A69FB0-BCBD-4558-9898-9BF40D0FC055}"/>
+              </a:ext>
+            </a:extLst>
+          </p:cNvPr>
+          <p:cNvSpPr txBox="1"/>
+          <p:nvPr/>
+        </p:nvSpPr>
+        <p:spPr>
+          <a:xfrm>
+            <a:off x="347421" y="145397"/>
+            <a:ext cx="1851789" cy="369332"/>
+          </a:xfrm>
+          <a:prstGeom prst="rect">
+            <a:avLst/>
+          </a:prstGeom>
+          <a:noFill/>
+        </p:spPr>
+        <p:txBody>
+          <a:bodyPr wrap="none" rtlCol="0">
+            <a:spAutoFit/>
+          </a:bodyPr>
+          <a:lstStyle/>
+          <a:p>
+            <a:r>
+              <a:rPr lang="fr-FR" dirty="0">
+                <a:solidFill>
+                  <a:srgbClr val="D23328"/>
+                </a:solidFill>
+                <a:latin typeface="Bahnschrift SemiBold" panose="020B0502040204020203" pitchFamily="34" charset="0"/>
+              </a:rPr>
+              <a:t>Développement </a:t>
+            </a:r>
+          </a:p>
+        </p:txBody>
+      </p:sp>
+    </p:spTree>
+    <p:extLst>
+      <p:ext uri="{BB962C8B-B14F-4D97-AF65-F5344CB8AC3E}">
+        <p14:creationId xmlns:p14="http://schemas.microsoft.com/office/powerpoint/2010/main" val="1947724695"/>
+      </p:ext>
+    </p:extLst>
+  </p:cSld>
+  <p:clrMapOvr>
+    <a:masterClrMapping/>
+  </p:clrMapOvr>
+</p:sld>
+</file>
+
+<file path=ppt/slides/slide9.xml><?xml version="1.0" encoding="utf-8"?>
+<p:sld xmlns:a="http://schemas.openxmlformats.org/drawingml/2006/main" xmlns:r="http://schemas.openxmlformats.org/officeDocument/2006/relationships" xmlns:p="http://schemas.openxmlformats.org/presentationml/2006/main">
+  <p:cSld>
+    <p:spTree>
+      <p:nvGrpSpPr>
+        <p:cNvPr id="1" name=""/>
+        <p:cNvGrpSpPr/>
+        <p:nvPr/>
+      </p:nvGrpSpPr>
+      <p:grpSpPr>
+        <a:xfrm>
+          <a:off x="0" y="0"/>
+          <a:ext cx="0" cy="0"/>
+          <a:chOff x="0" y="0"/>
+          <a:chExt cx="0" cy="0"/>
+        </a:xfrm>
+      </p:grpSpPr>
+      <p:sp>
+        <p:nvSpPr>
+          <p:cNvPr id="2" name="Rectangle 1">
+            <a:extLst>
+              <a:ext uri="{FF2B5EF4-FFF2-40B4-BE49-F238E27FC236}">
+                <a16:creationId xmlns:a16="http://schemas.microsoft.com/office/drawing/2014/main" id="{E6D1ECCB-DA13-4361-A0FF-37DFFF1A2BE8}"/>
+              </a:ext>
+            </a:extLst>
+          </p:cNvPr>
+          <p:cNvSpPr/>
+          <p:nvPr/>
+        </p:nvSpPr>
+        <p:spPr>
+          <a:xfrm>
+            <a:off x="-9525" y="-6292"/>
+            <a:ext cx="12192000" cy="6864292"/>
+          </a:xfrm>
+          <a:prstGeom prst="rect">
+            <a:avLst/>
+          </a:prstGeom>
+          <a:solidFill>
+            <a:srgbClr val="F1EEE7"/>
+          </a:solidFill>
+          <a:ln>
+            <a:solidFill>
+              <a:srgbClr val="F1EEE7"/>
+            </a:solidFill>
+          </a:ln>
+        </p:spPr>
+        <p:style>
+          <a:lnRef idx="2">
+            <a:schemeClr val="accent1">
+              <a:shade val="50000"/>
+            </a:schemeClr>
+          </a:lnRef>
+          <a:fillRef idx="1">
+            <a:schemeClr val="accent1"/>
+          </a:fillRef>
+          <a:effectRef idx="0">
+            <a:schemeClr val="accent1"/>
+          </a:effectRef>
+          <a:fontRef idx="minor">
+            <a:schemeClr val="lt1"/>
+          </a:fontRef>
+        </p:style>
+        <p:txBody>
+          <a:bodyPr rtlCol="0" anchor="ctr"/>
+          <a:lstStyle/>
+          <a:p>
+            <a:pPr algn="ctr"/>
+            <a:endParaRPr lang="fr-FR" dirty="0"/>
+          </a:p>
+        </p:txBody>
+      </p:sp>
+      <p:grpSp>
+        <p:nvGrpSpPr>
+          <p:cNvPr id="3" name="Groupe 2">
+            <a:extLst>
+              <a:ext uri="{FF2B5EF4-FFF2-40B4-BE49-F238E27FC236}">
+                <a16:creationId xmlns:a16="http://schemas.microsoft.com/office/drawing/2014/main" id="{7CF1AD36-E88E-4250-A2B1-39CD97719446}"/>
+              </a:ext>
+            </a:extLst>
+          </p:cNvPr>
+          <p:cNvGrpSpPr/>
+          <p:nvPr/>
+        </p:nvGrpSpPr>
+        <p:grpSpPr>
+          <a:xfrm>
+            <a:off x="-3627" y="117447"/>
+            <a:ext cx="12214677" cy="436226"/>
+            <a:chOff x="4730" y="117447"/>
+            <a:chExt cx="12192000" cy="436226"/>
+          </a:xfrm>
+        </p:grpSpPr>
+        <p:sp>
+          <p:nvSpPr>
+            <p:cNvPr id="4" name="Rectangle 3">
+              <a:extLst>
+                <a:ext uri="{FF2B5EF4-FFF2-40B4-BE49-F238E27FC236}">
+                  <a16:creationId xmlns:a16="http://schemas.microsoft.com/office/drawing/2014/main" id="{ADE2DA9E-6B7B-42D2-A8E0-7EA881513167}"/>
+                </a:ext>
+              </a:extLst>
+            </p:cNvPr>
+            <p:cNvSpPr/>
+            <p:nvPr/>
+          </p:nvSpPr>
+          <p:spPr>
+            <a:xfrm>
+              <a:off x="4730" y="117447"/>
+              <a:ext cx="12192000" cy="436226"/>
+            </a:xfrm>
+            <a:prstGeom prst="rect">
+              <a:avLst/>
+            </a:prstGeom>
+            <a:solidFill>
+              <a:srgbClr val="E2E2DA"/>
+            </a:solidFill>
+            <a:ln>
+              <a:noFill/>
+            </a:ln>
+          </p:spPr>
+          <p:style>
+            <a:lnRef idx="2">
+              <a:schemeClr val="accent1">
+                <a:shade val="50000"/>
+              </a:schemeClr>
+            </a:lnRef>
+            <a:fillRef idx="1">
+              <a:schemeClr val="accent1"/>
+            </a:fillRef>
+            <a:effectRef idx="0">
+              <a:schemeClr val="accent1"/>
+            </a:effectRef>
+            <a:fontRef idx="minor">
+              <a:schemeClr val="lt1"/>
+            </a:fontRef>
+          </p:style>
+          <p:txBody>
+            <a:bodyPr rtlCol="0" anchor="ctr"/>
+            <a:lstStyle/>
+            <a:p>
+              <a:pPr algn="ctr"/>
+              <a:endParaRPr lang="fr-FR" dirty="0"/>
+            </a:p>
+          </p:txBody>
+        </p:sp>
+        <p:cxnSp>
+          <p:nvCxnSpPr>
+            <p:cNvPr id="6" name="Connecteur droit 5">
+              <a:extLst>
+                <a:ext uri="{FF2B5EF4-FFF2-40B4-BE49-F238E27FC236}">
+                  <a16:creationId xmlns:a16="http://schemas.microsoft.com/office/drawing/2014/main" id="{FE1274EA-B9FB-4CFD-803D-FC5BE333E6BB}"/>
+                </a:ext>
+              </a:extLst>
+            </p:cNvPr>
+            <p:cNvCxnSpPr/>
+            <p:nvPr/>
+          </p:nvCxnSpPr>
+          <p:spPr>
+            <a:xfrm>
+              <a:off x="11224470" y="159282"/>
+              <a:ext cx="0" cy="341563"/>
+            </a:xfrm>
+            <a:prstGeom prst="line">
+              <a:avLst/>
+            </a:prstGeom>
+          </p:spPr>
+          <p:style>
+            <a:lnRef idx="3">
+              <a:schemeClr val="dk1"/>
+            </a:lnRef>
+            <a:fillRef idx="0">
+              <a:schemeClr val="dk1"/>
+            </a:fillRef>
+            <a:effectRef idx="2">
+              <a:schemeClr val="dk1"/>
+            </a:effectRef>
+            <a:fontRef idx="minor">
+              <a:schemeClr val="tx1"/>
+            </a:fontRef>
+          </p:style>
+        </p:cxnSp>
+        <p:sp>
+          <p:nvSpPr>
+            <p:cNvPr id="7" name="ZoneTexte 6">
+              <a:extLst>
+                <a:ext uri="{FF2B5EF4-FFF2-40B4-BE49-F238E27FC236}">
+                  <a16:creationId xmlns:a16="http://schemas.microsoft.com/office/drawing/2014/main" id="{4A9095CA-6CD5-4029-A5E2-C5B9E295799B}"/>
+                </a:ext>
+              </a:extLst>
+            </p:cNvPr>
+            <p:cNvSpPr txBox="1"/>
+            <p:nvPr/>
+          </p:nvSpPr>
+          <p:spPr>
+            <a:xfrm>
+              <a:off x="5360616" y="117447"/>
+              <a:ext cx="1646748" cy="369332"/>
+            </a:xfrm>
+            <a:prstGeom prst="rect">
+              <a:avLst/>
+            </a:prstGeom>
+            <a:noFill/>
+          </p:spPr>
+          <p:txBody>
+            <a:bodyPr wrap="none" rtlCol="0">
+              <a:spAutoFit/>
+            </a:bodyPr>
+            <a:lstStyle/>
+            <a:p>
+              <a:r>
+                <a:rPr lang="fr-FR" dirty="0">
+                  <a:solidFill>
+                    <a:srgbClr val="D23328"/>
+                  </a:solidFill>
+                  <a:latin typeface="Bahnschrift SemiBold" panose="020B0502040204020203" pitchFamily="34" charset="0"/>
+                </a:rPr>
+                <a:t>Codes en vrac</a:t>
+              </a:r>
+            </a:p>
+          </p:txBody>
+        </p:sp>
+        <p:sp>
+          <p:nvSpPr>
+            <p:cNvPr id="8" name="ZoneTexte 7">
+              <a:extLst>
+                <a:ext uri="{FF2B5EF4-FFF2-40B4-BE49-F238E27FC236}">
+                  <a16:creationId xmlns:a16="http://schemas.microsoft.com/office/drawing/2014/main" id="{171377C6-D786-4D9E-A23D-4635925A112D}"/>
+                </a:ext>
+              </a:extLst>
+            </p:cNvPr>
+            <p:cNvSpPr txBox="1"/>
+            <p:nvPr/>
+          </p:nvSpPr>
+          <p:spPr>
+            <a:xfrm>
+              <a:off x="11384268" y="134226"/>
+              <a:ext cx="566730" cy="369332"/>
+            </a:xfrm>
+            <a:prstGeom prst="rect">
+              <a:avLst/>
+            </a:prstGeom>
+            <a:noFill/>
+          </p:spPr>
+          <p:txBody>
+            <a:bodyPr wrap="none" rtlCol="0">
+              <a:spAutoFit/>
+            </a:bodyPr>
+            <a:lstStyle/>
+            <a:p>
+              <a:r>
+                <a:rPr lang="fr-FR" dirty="0">
+                  <a:solidFill>
+                    <a:srgbClr val="D23328"/>
+                  </a:solidFill>
+                  <a:latin typeface="Bahnschrift SemiBold" panose="020B0502040204020203" pitchFamily="34" charset="0"/>
+                </a:rPr>
+                <a:t>7/9 </a:t>
               </a:r>
             </a:p>
           </p:txBody>
@@ -14290,6 +15021,863 @@
                 <a:latin typeface="Bahnschrift SemiBold" panose="020B0502040204020203" pitchFamily="34" charset="0"/>
               </a:rPr>
               <a:t>Développement </a:t>
+            </a:r>
+          </a:p>
+        </p:txBody>
+      </p:sp>
+      <p:grpSp>
+        <p:nvGrpSpPr>
+          <p:cNvPr id="36" name="Groupe 35">
+            <a:extLst>
+              <a:ext uri="{FF2B5EF4-FFF2-40B4-BE49-F238E27FC236}">
+                <a16:creationId xmlns:a16="http://schemas.microsoft.com/office/drawing/2014/main" id="{FD203B41-30B1-47D4-9BA1-2EF5B668791B}"/>
+              </a:ext>
+            </a:extLst>
+          </p:cNvPr>
+          <p:cNvGrpSpPr/>
+          <p:nvPr/>
+        </p:nvGrpSpPr>
+        <p:grpSpPr>
+          <a:xfrm>
+            <a:off x="813896" y="4488758"/>
+            <a:ext cx="10746460" cy="1476375"/>
+            <a:chOff x="881062" y="4429177"/>
+            <a:chExt cx="10746460" cy="1476375"/>
+          </a:xfrm>
+        </p:grpSpPr>
+        <p:grpSp>
+          <p:nvGrpSpPr>
+            <p:cNvPr id="22" name="Groupe 21">
+              <a:extLst>
+                <a:ext uri="{FF2B5EF4-FFF2-40B4-BE49-F238E27FC236}">
+                  <a16:creationId xmlns:a16="http://schemas.microsoft.com/office/drawing/2014/main" id="{E6ADD377-406B-4B58-B92D-51186AA757EC}"/>
+                </a:ext>
+              </a:extLst>
+            </p:cNvPr>
+            <p:cNvGrpSpPr/>
+            <p:nvPr/>
+          </p:nvGrpSpPr>
+          <p:grpSpPr>
+            <a:xfrm>
+              <a:off x="881062" y="4743502"/>
+              <a:ext cx="10410825" cy="1162050"/>
+              <a:chOff x="4118637" y="2850063"/>
+              <a:chExt cx="10410825" cy="1162050"/>
+            </a:xfrm>
+          </p:grpSpPr>
+          <p:pic>
+            <p:nvPicPr>
+              <p:cNvPr id="15" name="Image 14">
+                <a:extLst>
+                  <a:ext uri="{FF2B5EF4-FFF2-40B4-BE49-F238E27FC236}">
+                    <a16:creationId xmlns:a16="http://schemas.microsoft.com/office/drawing/2014/main" id="{C110A1AA-45DE-4A31-A12C-5C23751653CF}"/>
+                  </a:ext>
+                </a:extLst>
+              </p:cNvPr>
+              <p:cNvPicPr>
+                <a:picLocks noChangeAspect="1"/>
+              </p:cNvPicPr>
+              <p:nvPr/>
+            </p:nvPicPr>
+            <p:blipFill>
+              <a:blip r:embed="rId3"/>
+              <a:stretch>
+                <a:fillRect/>
+              </a:stretch>
+            </p:blipFill>
+            <p:spPr>
+              <a:xfrm>
+                <a:off x="4118637" y="2850063"/>
+                <a:ext cx="10410825" cy="1162050"/>
+              </a:xfrm>
+              <a:prstGeom prst="rect">
+                <a:avLst/>
+              </a:prstGeom>
+            </p:spPr>
+          </p:pic>
+          <p:sp>
+            <p:nvSpPr>
+              <p:cNvPr id="21" name="Rectangle 20">
+                <a:extLst>
+                  <a:ext uri="{FF2B5EF4-FFF2-40B4-BE49-F238E27FC236}">
+                    <a16:creationId xmlns:a16="http://schemas.microsoft.com/office/drawing/2014/main" id="{F7880612-8B17-466C-9050-FCA217FABB29}"/>
+                  </a:ext>
+                </a:extLst>
+              </p:cNvPr>
+              <p:cNvSpPr/>
+              <p:nvPr/>
+            </p:nvSpPr>
+            <p:spPr>
+              <a:xfrm>
+                <a:off x="4118637" y="2850926"/>
+                <a:ext cx="10410825" cy="1161187"/>
+              </a:xfrm>
+              <a:prstGeom prst="rect">
+                <a:avLst/>
+              </a:prstGeom>
+              <a:noFill/>
+              <a:ln w="19050">
+                <a:solidFill>
+                  <a:schemeClr val="tx1"/>
+                </a:solidFill>
+              </a:ln>
+            </p:spPr>
+            <p:style>
+              <a:lnRef idx="2">
+                <a:schemeClr val="accent1">
+                  <a:shade val="50000"/>
+                </a:schemeClr>
+              </a:lnRef>
+              <a:fillRef idx="1">
+                <a:schemeClr val="accent1"/>
+              </a:fillRef>
+              <a:effectRef idx="0">
+                <a:schemeClr val="accent1"/>
+              </a:effectRef>
+              <a:fontRef idx="minor">
+                <a:schemeClr val="lt1"/>
+              </a:fontRef>
+            </p:style>
+            <p:txBody>
+              <a:bodyPr rtlCol="0" anchor="ctr"/>
+              <a:lstStyle/>
+              <a:p>
+                <a:pPr algn="ctr"/>
+                <a:endParaRPr lang="fr-FR" dirty="0"/>
+              </a:p>
+            </p:txBody>
+          </p:sp>
+        </p:grpSp>
+        <p:grpSp>
+          <p:nvGrpSpPr>
+            <p:cNvPr id="20" name="Groupe 19">
+              <a:extLst>
+                <a:ext uri="{FF2B5EF4-FFF2-40B4-BE49-F238E27FC236}">
+                  <a16:creationId xmlns:a16="http://schemas.microsoft.com/office/drawing/2014/main" id="{0B8EC49A-31CE-4F56-86B9-39641D78506A}"/>
+                </a:ext>
+              </a:extLst>
+            </p:cNvPr>
+            <p:cNvGrpSpPr/>
+            <p:nvPr/>
+          </p:nvGrpSpPr>
+          <p:grpSpPr>
+            <a:xfrm>
+              <a:off x="5998247" y="4429177"/>
+              <a:ext cx="5629275" cy="895350"/>
+              <a:chOff x="3891677" y="1702374"/>
+              <a:chExt cx="5629275" cy="895350"/>
+            </a:xfrm>
+          </p:grpSpPr>
+          <p:pic>
+            <p:nvPicPr>
+              <p:cNvPr id="16" name="Image 15">
+                <a:extLst>
+                  <a:ext uri="{FF2B5EF4-FFF2-40B4-BE49-F238E27FC236}">
+                    <a16:creationId xmlns:a16="http://schemas.microsoft.com/office/drawing/2014/main" id="{237A676A-B9AF-43CE-A04F-160854DB514A}"/>
+                  </a:ext>
+                </a:extLst>
+              </p:cNvPr>
+              <p:cNvPicPr>
+                <a:picLocks noChangeAspect="1"/>
+              </p:cNvPicPr>
+              <p:nvPr/>
+            </p:nvPicPr>
+            <p:blipFill>
+              <a:blip r:embed="rId4"/>
+              <a:stretch>
+                <a:fillRect/>
+              </a:stretch>
+            </p:blipFill>
+            <p:spPr>
+              <a:xfrm>
+                <a:off x="3891677" y="1702374"/>
+                <a:ext cx="5629275" cy="895350"/>
+              </a:xfrm>
+              <a:prstGeom prst="rect">
+                <a:avLst/>
+              </a:prstGeom>
+            </p:spPr>
+          </p:pic>
+          <p:sp>
+            <p:nvSpPr>
+              <p:cNvPr id="19" name="Rectangle 18">
+                <a:extLst>
+                  <a:ext uri="{FF2B5EF4-FFF2-40B4-BE49-F238E27FC236}">
+                    <a16:creationId xmlns:a16="http://schemas.microsoft.com/office/drawing/2014/main" id="{C50582D5-1E19-4F77-963B-F794E1F416B5}"/>
+                  </a:ext>
+                </a:extLst>
+              </p:cNvPr>
+              <p:cNvSpPr/>
+              <p:nvPr/>
+            </p:nvSpPr>
+            <p:spPr>
+              <a:xfrm>
+                <a:off x="3891677" y="1702374"/>
+                <a:ext cx="5629275" cy="895350"/>
+              </a:xfrm>
+              <a:prstGeom prst="rect">
+                <a:avLst/>
+              </a:prstGeom>
+              <a:noFill/>
+              <a:ln w="19050">
+                <a:solidFill>
+                  <a:schemeClr val="tx1"/>
+                </a:solidFill>
+              </a:ln>
+            </p:spPr>
+            <p:style>
+              <a:lnRef idx="2">
+                <a:schemeClr val="accent1">
+                  <a:shade val="50000"/>
+                </a:schemeClr>
+              </a:lnRef>
+              <a:fillRef idx="1">
+                <a:schemeClr val="accent1"/>
+              </a:fillRef>
+              <a:effectRef idx="0">
+                <a:schemeClr val="accent1"/>
+              </a:effectRef>
+              <a:fontRef idx="minor">
+                <a:schemeClr val="lt1"/>
+              </a:fontRef>
+            </p:style>
+            <p:txBody>
+              <a:bodyPr rtlCol="0" anchor="ctr"/>
+              <a:lstStyle/>
+              <a:p>
+                <a:pPr algn="ctr"/>
+                <a:endParaRPr lang="fr-FR" dirty="0"/>
+              </a:p>
+            </p:txBody>
+          </p:sp>
+        </p:grpSp>
+      </p:grpSp>
+      <p:grpSp>
+        <p:nvGrpSpPr>
+          <p:cNvPr id="35" name="Groupe 34">
+            <a:extLst>
+              <a:ext uri="{FF2B5EF4-FFF2-40B4-BE49-F238E27FC236}">
+                <a16:creationId xmlns:a16="http://schemas.microsoft.com/office/drawing/2014/main" id="{14C68D06-5754-44E2-81E2-379BC8C8E771}"/>
+              </a:ext>
+            </a:extLst>
+          </p:cNvPr>
+          <p:cNvGrpSpPr/>
+          <p:nvPr/>
+        </p:nvGrpSpPr>
+        <p:grpSpPr>
+          <a:xfrm>
+            <a:off x="5195937" y="767179"/>
+            <a:ext cx="6545946" cy="2167962"/>
+            <a:chOff x="5195937" y="767179"/>
+            <a:chExt cx="6545946" cy="2167962"/>
+          </a:xfrm>
+        </p:grpSpPr>
+        <p:grpSp>
+          <p:nvGrpSpPr>
+            <p:cNvPr id="28" name="Groupe 27">
+              <a:extLst>
+                <a:ext uri="{FF2B5EF4-FFF2-40B4-BE49-F238E27FC236}">
+                  <a16:creationId xmlns:a16="http://schemas.microsoft.com/office/drawing/2014/main" id="{316F7E48-0123-41E8-BED4-E2019BFCCA28}"/>
+                </a:ext>
+              </a:extLst>
+            </p:cNvPr>
+            <p:cNvGrpSpPr/>
+            <p:nvPr/>
+          </p:nvGrpSpPr>
+          <p:grpSpPr>
+            <a:xfrm>
+              <a:off x="5195937" y="767179"/>
+              <a:ext cx="6545946" cy="1770024"/>
+              <a:chOff x="5419714" y="795328"/>
+              <a:chExt cx="6545946" cy="1770024"/>
+            </a:xfrm>
+          </p:grpSpPr>
+          <p:grpSp>
+            <p:nvGrpSpPr>
+              <p:cNvPr id="25" name="Groupe 24">
+                <a:extLst>
+                  <a:ext uri="{FF2B5EF4-FFF2-40B4-BE49-F238E27FC236}">
+                    <a16:creationId xmlns:a16="http://schemas.microsoft.com/office/drawing/2014/main" id="{F6377153-D34B-4E0B-84DC-E8C6EC3BC568}"/>
+                  </a:ext>
+                </a:extLst>
+              </p:cNvPr>
+              <p:cNvGrpSpPr/>
+              <p:nvPr/>
+            </p:nvGrpSpPr>
+            <p:grpSpPr>
+              <a:xfrm>
+                <a:off x="5419714" y="1518748"/>
+                <a:ext cx="4764143" cy="1046604"/>
+                <a:chOff x="2512714" y="5309495"/>
+                <a:chExt cx="4764143" cy="1046604"/>
+              </a:xfrm>
+            </p:grpSpPr>
+            <p:pic>
+              <p:nvPicPr>
+                <p:cNvPr id="17" name="Image 16">
+                  <a:extLst>
+                    <a:ext uri="{FF2B5EF4-FFF2-40B4-BE49-F238E27FC236}">
+                      <a16:creationId xmlns:a16="http://schemas.microsoft.com/office/drawing/2014/main" id="{0A4241AC-16AE-4ADB-AB73-C24153E82ABC}"/>
+                    </a:ext>
+                  </a:extLst>
+                </p:cNvPr>
+                <p:cNvPicPr>
+                  <a:picLocks noChangeAspect="1"/>
+                </p:cNvPicPr>
+                <p:nvPr/>
+              </p:nvPicPr>
+              <p:blipFill>
+                <a:blip r:embed="rId5"/>
+                <a:stretch>
+                  <a:fillRect/>
+                </a:stretch>
+              </p:blipFill>
+              <p:spPr>
+                <a:xfrm>
+                  <a:off x="2512714" y="5309495"/>
+                  <a:ext cx="4764143" cy="1046604"/>
+                </a:xfrm>
+                <a:prstGeom prst="rect">
+                  <a:avLst/>
+                </a:prstGeom>
+              </p:spPr>
+            </p:pic>
+            <p:sp>
+              <p:nvSpPr>
+                <p:cNvPr id="24" name="Rectangle 23">
+                  <a:extLst>
+                    <a:ext uri="{FF2B5EF4-FFF2-40B4-BE49-F238E27FC236}">
+                      <a16:creationId xmlns:a16="http://schemas.microsoft.com/office/drawing/2014/main" id="{2B712F37-57A2-431D-873C-381C8C98110E}"/>
+                    </a:ext>
+                  </a:extLst>
+                </p:cNvPr>
+                <p:cNvSpPr/>
+                <p:nvPr/>
+              </p:nvSpPr>
+              <p:spPr>
+                <a:xfrm>
+                  <a:off x="2512714" y="5316506"/>
+                  <a:ext cx="4764143" cy="1039593"/>
+                </a:xfrm>
+                <a:prstGeom prst="rect">
+                  <a:avLst/>
+                </a:prstGeom>
+                <a:noFill/>
+                <a:ln w="19050">
+                  <a:solidFill>
+                    <a:schemeClr val="tx1"/>
+                  </a:solidFill>
+                </a:ln>
+              </p:spPr>
+              <p:style>
+                <a:lnRef idx="2">
+                  <a:schemeClr val="accent1">
+                    <a:shade val="50000"/>
+                  </a:schemeClr>
+                </a:lnRef>
+                <a:fillRef idx="1">
+                  <a:schemeClr val="accent1"/>
+                </a:fillRef>
+                <a:effectRef idx="0">
+                  <a:schemeClr val="accent1"/>
+                </a:effectRef>
+                <a:fontRef idx="minor">
+                  <a:schemeClr val="lt1"/>
+                </a:fontRef>
+              </p:style>
+              <p:txBody>
+                <a:bodyPr rtlCol="0" anchor="ctr"/>
+                <a:lstStyle/>
+                <a:p>
+                  <a:pPr algn="ctr"/>
+                  <a:endParaRPr lang="fr-FR" dirty="0"/>
+                </a:p>
+              </p:txBody>
+            </p:sp>
+          </p:grpSp>
+          <p:grpSp>
+            <p:nvGrpSpPr>
+              <p:cNvPr id="26" name="Groupe 25">
+                <a:extLst>
+                  <a:ext uri="{FF2B5EF4-FFF2-40B4-BE49-F238E27FC236}">
+                    <a16:creationId xmlns:a16="http://schemas.microsoft.com/office/drawing/2014/main" id="{1F0AF700-D737-494D-87B1-F0640C52EEA7}"/>
+                  </a:ext>
+                </a:extLst>
+              </p:cNvPr>
+              <p:cNvGrpSpPr/>
+              <p:nvPr/>
+            </p:nvGrpSpPr>
+            <p:grpSpPr>
+              <a:xfrm>
+                <a:off x="8793834" y="795328"/>
+                <a:ext cx="3171826" cy="1183513"/>
+                <a:chOff x="7012031" y="2380733"/>
+                <a:chExt cx="3171826" cy="1183513"/>
+              </a:xfrm>
+            </p:grpSpPr>
+            <p:pic>
+              <p:nvPicPr>
+                <p:cNvPr id="18" name="Image 17">
+                  <a:extLst>
+                    <a:ext uri="{FF2B5EF4-FFF2-40B4-BE49-F238E27FC236}">
+                      <a16:creationId xmlns:a16="http://schemas.microsoft.com/office/drawing/2014/main" id="{4BD3BBDD-C68D-407B-B235-84ACCEA808E4}"/>
+                    </a:ext>
+                  </a:extLst>
+                </p:cNvPr>
+                <p:cNvPicPr>
+                  <a:picLocks noChangeAspect="1"/>
+                </p:cNvPicPr>
+                <p:nvPr/>
+              </p:nvPicPr>
+              <p:blipFill rotWithShape="1">
+                <a:blip r:embed="rId6"/>
+                <a:srcRect l="-438" t="-1471" r="438" b="1471"/>
+                <a:stretch/>
+              </p:blipFill>
+              <p:spPr>
+                <a:xfrm>
+                  <a:off x="7012031" y="2380733"/>
+                  <a:ext cx="3171825" cy="1162050"/>
+                </a:xfrm>
+                <a:prstGeom prst="rect">
+                  <a:avLst/>
+                </a:prstGeom>
+              </p:spPr>
+            </p:pic>
+            <p:sp>
+              <p:nvSpPr>
+                <p:cNvPr id="23" name="Rectangle 22">
+                  <a:extLst>
+                    <a:ext uri="{FF2B5EF4-FFF2-40B4-BE49-F238E27FC236}">
+                      <a16:creationId xmlns:a16="http://schemas.microsoft.com/office/drawing/2014/main" id="{2F02BB83-A031-41D2-B402-814AD59A01B4}"/>
+                    </a:ext>
+                  </a:extLst>
+                </p:cNvPr>
+                <p:cNvSpPr/>
+                <p:nvPr/>
+              </p:nvSpPr>
+              <p:spPr>
+                <a:xfrm>
+                  <a:off x="7012032" y="2402196"/>
+                  <a:ext cx="3171825" cy="1162050"/>
+                </a:xfrm>
+                <a:prstGeom prst="rect">
+                  <a:avLst/>
+                </a:prstGeom>
+                <a:noFill/>
+                <a:ln w="19050">
+                  <a:solidFill>
+                    <a:schemeClr val="tx1"/>
+                  </a:solidFill>
+                </a:ln>
+              </p:spPr>
+              <p:style>
+                <a:lnRef idx="2">
+                  <a:schemeClr val="accent1">
+                    <a:shade val="50000"/>
+                  </a:schemeClr>
+                </a:lnRef>
+                <a:fillRef idx="1">
+                  <a:schemeClr val="accent1"/>
+                </a:fillRef>
+                <a:effectRef idx="0">
+                  <a:schemeClr val="accent1"/>
+                </a:effectRef>
+                <a:fontRef idx="minor">
+                  <a:schemeClr val="lt1"/>
+                </a:fontRef>
+              </p:style>
+              <p:txBody>
+                <a:bodyPr rtlCol="0" anchor="ctr"/>
+                <a:lstStyle/>
+                <a:p>
+                  <a:pPr algn="ctr"/>
+                  <a:endParaRPr lang="fr-FR" dirty="0"/>
+                </a:p>
+              </p:txBody>
+            </p:sp>
+          </p:grpSp>
+        </p:grpSp>
+        <p:sp>
+          <p:nvSpPr>
+            <p:cNvPr id="29" name="ZoneTexte 28">
+              <a:extLst>
+                <a:ext uri="{FF2B5EF4-FFF2-40B4-BE49-F238E27FC236}">
+                  <a16:creationId xmlns:a16="http://schemas.microsoft.com/office/drawing/2014/main" id="{863DD8DB-6C11-4527-9AB8-44C1AA711A28}"/>
+                </a:ext>
+              </a:extLst>
+            </p:cNvPr>
+            <p:cNvSpPr txBox="1"/>
+            <p:nvPr/>
+          </p:nvSpPr>
+          <p:spPr>
+            <a:xfrm>
+              <a:off x="6651123" y="2523553"/>
+              <a:ext cx="4822154" cy="411588"/>
+            </a:xfrm>
+            <a:prstGeom prst="rect">
+              <a:avLst/>
+            </a:prstGeom>
+            <a:noFill/>
+          </p:spPr>
+          <p:txBody>
+            <a:bodyPr wrap="none" rtlCol="0">
+              <a:spAutoFit/>
+            </a:bodyPr>
+            <a:lstStyle/>
+            <a:p>
+              <a:pPr>
+                <a:lnSpc>
+                  <a:spcPct val="150000"/>
+                </a:lnSpc>
+              </a:pPr>
+              <a:r>
+                <a:rPr lang="fr-FR" sz="1600" dirty="0">
+                  <a:solidFill>
+                    <a:srgbClr val="D6584E"/>
+                  </a:solidFill>
+                  <a:latin typeface="Bahnschrift SemiBold" panose="020B0502040204020203" pitchFamily="34" charset="0"/>
+                </a:rPr>
+                <a:t>Création simplifiée de boutons de téléchargement </a:t>
+              </a:r>
+            </a:p>
+          </p:txBody>
+        </p:sp>
+      </p:grpSp>
+      <p:grpSp>
+        <p:nvGrpSpPr>
+          <p:cNvPr id="34" name="Groupe 33">
+            <a:extLst>
+              <a:ext uri="{FF2B5EF4-FFF2-40B4-BE49-F238E27FC236}">
+                <a16:creationId xmlns:a16="http://schemas.microsoft.com/office/drawing/2014/main" id="{DCD1716D-BCBE-4327-B34B-05A7B6FE70B6}"/>
+              </a:ext>
+            </a:extLst>
+          </p:cNvPr>
+          <p:cNvGrpSpPr/>
+          <p:nvPr/>
+        </p:nvGrpSpPr>
+        <p:grpSpPr>
+          <a:xfrm>
+            <a:off x="296085" y="1631053"/>
+            <a:ext cx="5807626" cy="2335526"/>
+            <a:chOff x="395045" y="1028536"/>
+            <a:chExt cx="5807626" cy="2335526"/>
+          </a:xfrm>
+        </p:grpSpPr>
+        <p:sp>
+          <p:nvSpPr>
+            <p:cNvPr id="14" name="ZoneTexte 13">
+              <a:extLst>
+                <a:ext uri="{FF2B5EF4-FFF2-40B4-BE49-F238E27FC236}">
+                  <a16:creationId xmlns:a16="http://schemas.microsoft.com/office/drawing/2014/main" id="{53F6280E-E77B-463A-A9F0-B5699F546476}"/>
+                </a:ext>
+              </a:extLst>
+            </p:cNvPr>
+            <p:cNvSpPr txBox="1"/>
+            <p:nvPr/>
+          </p:nvSpPr>
+          <p:spPr>
+            <a:xfrm>
+              <a:off x="983547" y="2952474"/>
+              <a:ext cx="2629246" cy="411588"/>
+            </a:xfrm>
+            <a:prstGeom prst="rect">
+              <a:avLst/>
+            </a:prstGeom>
+            <a:noFill/>
+          </p:spPr>
+          <p:txBody>
+            <a:bodyPr wrap="none" rtlCol="0">
+              <a:spAutoFit/>
+            </a:bodyPr>
+            <a:lstStyle/>
+            <a:p>
+              <a:pPr>
+                <a:lnSpc>
+                  <a:spcPct val="150000"/>
+                </a:lnSpc>
+              </a:pPr>
+              <a:r>
+                <a:rPr lang="fr-FR" sz="1600" dirty="0">
+                  <a:solidFill>
+                    <a:srgbClr val="D6584E"/>
+                  </a:solidFill>
+                  <a:latin typeface="Bahnschrift SemiBold" panose="020B0502040204020203" pitchFamily="34" charset="0"/>
+                </a:rPr>
+                <a:t>Création simplifiée de box</a:t>
+              </a:r>
+            </a:p>
+          </p:txBody>
+        </p:sp>
+        <p:grpSp>
+          <p:nvGrpSpPr>
+            <p:cNvPr id="33" name="Groupe 32">
+              <a:extLst>
+                <a:ext uri="{FF2B5EF4-FFF2-40B4-BE49-F238E27FC236}">
+                  <a16:creationId xmlns:a16="http://schemas.microsoft.com/office/drawing/2014/main" id="{C9081EFF-7C0B-41E4-85E7-CA14BE257709}"/>
+                </a:ext>
+              </a:extLst>
+            </p:cNvPr>
+            <p:cNvGrpSpPr/>
+            <p:nvPr/>
+          </p:nvGrpSpPr>
+          <p:grpSpPr>
+            <a:xfrm>
+              <a:off x="395045" y="1028536"/>
+              <a:ext cx="5807626" cy="1947037"/>
+              <a:chOff x="395045" y="1028536"/>
+              <a:chExt cx="5807626" cy="1947037"/>
+            </a:xfrm>
+          </p:grpSpPr>
+          <p:grpSp>
+            <p:nvGrpSpPr>
+              <p:cNvPr id="13" name="Groupe 12">
+                <a:extLst>
+                  <a:ext uri="{FF2B5EF4-FFF2-40B4-BE49-F238E27FC236}">
+                    <a16:creationId xmlns:a16="http://schemas.microsoft.com/office/drawing/2014/main" id="{CF1E5643-9BA7-42AE-B2F6-4EE82C5CC2A0}"/>
+                  </a:ext>
+                </a:extLst>
+              </p:cNvPr>
+              <p:cNvGrpSpPr/>
+              <p:nvPr/>
+            </p:nvGrpSpPr>
+            <p:grpSpPr>
+              <a:xfrm>
+                <a:off x="395045" y="1028536"/>
+                <a:ext cx="2924175" cy="1257301"/>
+                <a:chOff x="519112" y="1714499"/>
+                <a:chExt cx="2924175" cy="1257301"/>
+              </a:xfrm>
+            </p:grpSpPr>
+            <p:pic>
+              <p:nvPicPr>
+                <p:cNvPr id="11" name="Image 10">
+                  <a:extLst>
+                    <a:ext uri="{FF2B5EF4-FFF2-40B4-BE49-F238E27FC236}">
+                      <a16:creationId xmlns:a16="http://schemas.microsoft.com/office/drawing/2014/main" id="{12CA72BA-D7E6-4690-91F8-07F86497B44E}"/>
+                    </a:ext>
+                  </a:extLst>
+                </p:cNvPr>
+                <p:cNvPicPr>
+                  <a:picLocks noChangeAspect="1"/>
+                </p:cNvPicPr>
+                <p:nvPr/>
+              </p:nvPicPr>
+              <p:blipFill>
+                <a:blip r:embed="rId7"/>
+                <a:stretch>
+                  <a:fillRect/>
+                </a:stretch>
+              </p:blipFill>
+              <p:spPr>
+                <a:xfrm>
+                  <a:off x="519112" y="1714500"/>
+                  <a:ext cx="2924175" cy="1257300"/>
+                </a:xfrm>
+                <a:prstGeom prst="rect">
+                  <a:avLst/>
+                </a:prstGeom>
+              </p:spPr>
+            </p:pic>
+            <p:sp>
+              <p:nvSpPr>
+                <p:cNvPr id="12" name="Rectangle 11">
+                  <a:extLst>
+                    <a:ext uri="{FF2B5EF4-FFF2-40B4-BE49-F238E27FC236}">
+                      <a16:creationId xmlns:a16="http://schemas.microsoft.com/office/drawing/2014/main" id="{C5BF2F20-3AB7-4B94-B7BB-1ED96A50E741}"/>
+                    </a:ext>
+                  </a:extLst>
+                </p:cNvPr>
+                <p:cNvSpPr/>
+                <p:nvPr/>
+              </p:nvSpPr>
+              <p:spPr>
+                <a:xfrm>
+                  <a:off x="519112" y="1714499"/>
+                  <a:ext cx="2924175" cy="1257299"/>
+                </a:xfrm>
+                <a:prstGeom prst="rect">
+                  <a:avLst/>
+                </a:prstGeom>
+                <a:noFill/>
+                <a:ln w="19050">
+                  <a:solidFill>
+                    <a:schemeClr val="tx1"/>
+                  </a:solidFill>
+                </a:ln>
+              </p:spPr>
+              <p:style>
+                <a:lnRef idx="2">
+                  <a:schemeClr val="accent1">
+                    <a:shade val="50000"/>
+                  </a:schemeClr>
+                </a:lnRef>
+                <a:fillRef idx="1">
+                  <a:schemeClr val="accent1"/>
+                </a:fillRef>
+                <a:effectRef idx="0">
+                  <a:schemeClr val="accent1"/>
+                </a:effectRef>
+                <a:fontRef idx="minor">
+                  <a:schemeClr val="lt1"/>
+                </a:fontRef>
+              </p:style>
+              <p:txBody>
+                <a:bodyPr rtlCol="0" anchor="ctr"/>
+                <a:lstStyle/>
+                <a:p>
+                  <a:pPr algn="ctr"/>
+                  <a:endParaRPr lang="fr-FR" dirty="0"/>
+                </a:p>
+              </p:txBody>
+            </p:sp>
+          </p:grpSp>
+          <p:grpSp>
+            <p:nvGrpSpPr>
+              <p:cNvPr id="32" name="Groupe 31">
+                <a:extLst>
+                  <a:ext uri="{FF2B5EF4-FFF2-40B4-BE49-F238E27FC236}">
+                    <a16:creationId xmlns:a16="http://schemas.microsoft.com/office/drawing/2014/main" id="{9E3039F6-70C8-4498-9252-9EE71ED25EDF}"/>
+                  </a:ext>
+                </a:extLst>
+              </p:cNvPr>
+              <p:cNvGrpSpPr/>
+              <p:nvPr/>
+            </p:nvGrpSpPr>
+            <p:grpSpPr>
+              <a:xfrm>
+                <a:off x="1244908" y="2131970"/>
+                <a:ext cx="4957763" cy="843603"/>
+                <a:chOff x="1244908" y="2131970"/>
+                <a:chExt cx="4957763" cy="843603"/>
+              </a:xfrm>
+            </p:grpSpPr>
+            <p:pic>
+              <p:nvPicPr>
+                <p:cNvPr id="30" name="Image 29">
+                  <a:extLst>
+                    <a:ext uri="{FF2B5EF4-FFF2-40B4-BE49-F238E27FC236}">
+                      <a16:creationId xmlns:a16="http://schemas.microsoft.com/office/drawing/2014/main" id="{B4B1EAF2-601F-4131-93C4-4940795562FE}"/>
+                    </a:ext>
+                  </a:extLst>
+                </p:cNvPr>
+                <p:cNvPicPr>
+                  <a:picLocks noChangeAspect="1"/>
+                </p:cNvPicPr>
+                <p:nvPr/>
+              </p:nvPicPr>
+              <p:blipFill>
+                <a:blip r:embed="rId8"/>
+                <a:stretch>
+                  <a:fillRect/>
+                </a:stretch>
+              </p:blipFill>
+              <p:spPr>
+                <a:xfrm>
+                  <a:off x="1244908" y="2132136"/>
+                  <a:ext cx="4957763" cy="843437"/>
+                </a:xfrm>
+                <a:prstGeom prst="rect">
+                  <a:avLst/>
+                </a:prstGeom>
+              </p:spPr>
+            </p:pic>
+            <p:sp>
+              <p:nvSpPr>
+                <p:cNvPr id="31" name="Rectangle 30">
+                  <a:extLst>
+                    <a:ext uri="{FF2B5EF4-FFF2-40B4-BE49-F238E27FC236}">
+                      <a16:creationId xmlns:a16="http://schemas.microsoft.com/office/drawing/2014/main" id="{36727E34-4449-4F19-8E1E-735C3E18F66D}"/>
+                    </a:ext>
+                  </a:extLst>
+                </p:cNvPr>
+                <p:cNvSpPr/>
+                <p:nvPr/>
+              </p:nvSpPr>
+              <p:spPr>
+                <a:xfrm>
+                  <a:off x="1244908" y="2131970"/>
+                  <a:ext cx="4957763" cy="843437"/>
+                </a:xfrm>
+                <a:prstGeom prst="rect">
+                  <a:avLst/>
+                </a:prstGeom>
+                <a:noFill/>
+                <a:ln w="19050">
+                  <a:solidFill>
+                    <a:schemeClr val="tx1"/>
+                  </a:solidFill>
+                </a:ln>
+              </p:spPr>
+              <p:style>
+                <a:lnRef idx="2">
+                  <a:schemeClr val="accent1">
+                    <a:shade val="50000"/>
+                  </a:schemeClr>
+                </a:lnRef>
+                <a:fillRef idx="1">
+                  <a:schemeClr val="accent1"/>
+                </a:fillRef>
+                <a:effectRef idx="0">
+                  <a:schemeClr val="accent1"/>
+                </a:effectRef>
+                <a:fontRef idx="minor">
+                  <a:schemeClr val="lt1"/>
+                </a:fontRef>
+              </p:style>
+              <p:txBody>
+                <a:bodyPr rtlCol="0" anchor="ctr"/>
+                <a:lstStyle/>
+                <a:p>
+                  <a:pPr algn="ctr"/>
+                  <a:endParaRPr lang="fr-FR" dirty="0"/>
+                </a:p>
+              </p:txBody>
+            </p:sp>
+          </p:grpSp>
+        </p:grpSp>
+      </p:grpSp>
+      <p:sp>
+        <p:nvSpPr>
+          <p:cNvPr id="37" name="ZoneTexte 36">
+            <a:extLst>
+              <a:ext uri="{FF2B5EF4-FFF2-40B4-BE49-F238E27FC236}">
+                <a16:creationId xmlns:a16="http://schemas.microsoft.com/office/drawing/2014/main" id="{1FE1A0BA-64D0-49A0-976C-8514DF9746A6}"/>
+              </a:ext>
+            </a:extLst>
+          </p:cNvPr>
+          <p:cNvSpPr txBox="1"/>
+          <p:nvPr/>
+        </p:nvSpPr>
+        <p:spPr>
+          <a:xfrm>
+            <a:off x="3513833" y="6073063"/>
+            <a:ext cx="3719288" cy="411588"/>
+          </a:xfrm>
+          <a:prstGeom prst="rect">
+            <a:avLst/>
+          </a:prstGeom>
+          <a:noFill/>
+        </p:spPr>
+        <p:txBody>
+          <a:bodyPr wrap="none" rtlCol="0">
+            <a:spAutoFit/>
+          </a:bodyPr>
+          <a:lstStyle/>
+          <a:p>
+            <a:pPr>
+              <a:lnSpc>
+                <a:spcPct val="150000"/>
+              </a:lnSpc>
+            </a:pPr>
+            <a:r>
+              <a:rPr lang="fr-FR" sz="1600" dirty="0">
+                <a:solidFill>
+                  <a:srgbClr val="D6584E"/>
+                </a:solidFill>
+                <a:latin typeface="Bahnschrift SemiBold" panose="020B0502040204020203" pitchFamily="34" charset="0"/>
+              </a:rPr>
+              <a:t>Création simplifiée de boutons de plot </a:t>
             </a:r>
           </a:p>
         </p:txBody>

--- a/Projet_enrichissement_shiny.pptx
+++ b/Projet_enrichissement_shiny.pptx
@@ -1026,10 +1026,6 @@
           <a:bodyPr/>
           <a:lstStyle/>
           <a:p>
-            <a:r>
-              <a:rPr lang="fr-FR" dirty="0" err="1"/>
-              <a:t>downlad</a:t>
-            </a:r>
             <a:endParaRPr lang="fr-FR" dirty="0"/>
           </a:p>
         </p:txBody>
